--- a/img/plot.pptx
+++ b/img/plot.pptx
@@ -9,6 +9,7 @@
     <p:sldId id="257" r:id="rId3"/>
     <p:sldId id="258" r:id="rId4"/>
     <p:sldId id="259" r:id="rId5"/>
+    <p:sldId id="260" r:id="rId6"/>
   </p:sldIdLst>
   <p:sldSz cx="12192000" cy="6858000"/>
   <p:notesSz cx="6858000" cy="9144000"/>
@@ -107,6 +108,11 @@
       </a:defRPr>
     </a:lvl9pPr>
   </p:defaultTextStyle>
+  <p:extLst>
+    <p:ext uri="{EFAFB233-063F-42B5-8137-9DF3F51BA10A}">
+      <p15:sldGuideLst xmlns:p15="http://schemas.microsoft.com/office/powerpoint/2012/main"/>
+    </p:ext>
+  </p:extLst>
 </p:presentation>
 </file>
 
@@ -257,7 +263,7 @@
           <a:p>
             <a:fld id="{B654FC95-7D04-4169-8BD3-25ECC6121B6D}" type="datetimeFigureOut">
               <a:rPr lang="zh-CN" altLang="en-US" smtClean="0"/>
-              <a:t>2019/8/31</a:t>
+              <a:t>2019/9/1</a:t>
             </a:fld>
             <a:endParaRPr lang="zh-CN" altLang="en-US"/>
           </a:p>
@@ -455,7 +461,7 @@
           <a:p>
             <a:fld id="{B654FC95-7D04-4169-8BD3-25ECC6121B6D}" type="datetimeFigureOut">
               <a:rPr lang="zh-CN" altLang="en-US" smtClean="0"/>
-              <a:t>2019/8/31</a:t>
+              <a:t>2019/9/1</a:t>
             </a:fld>
             <a:endParaRPr lang="zh-CN" altLang="en-US"/>
           </a:p>
@@ -663,7 +669,7 @@
           <a:p>
             <a:fld id="{B654FC95-7D04-4169-8BD3-25ECC6121B6D}" type="datetimeFigureOut">
               <a:rPr lang="zh-CN" altLang="en-US" smtClean="0"/>
-              <a:t>2019/8/31</a:t>
+              <a:t>2019/9/1</a:t>
             </a:fld>
             <a:endParaRPr lang="zh-CN" altLang="en-US"/>
           </a:p>
@@ -861,7 +867,7 @@
           <a:p>
             <a:fld id="{B654FC95-7D04-4169-8BD3-25ECC6121B6D}" type="datetimeFigureOut">
               <a:rPr lang="zh-CN" altLang="en-US" smtClean="0"/>
-              <a:t>2019/8/31</a:t>
+              <a:t>2019/9/1</a:t>
             </a:fld>
             <a:endParaRPr lang="zh-CN" altLang="en-US"/>
           </a:p>
@@ -1136,7 +1142,7 @@
           <a:p>
             <a:fld id="{B654FC95-7D04-4169-8BD3-25ECC6121B6D}" type="datetimeFigureOut">
               <a:rPr lang="zh-CN" altLang="en-US" smtClean="0"/>
-              <a:t>2019/8/31</a:t>
+              <a:t>2019/9/1</a:t>
             </a:fld>
             <a:endParaRPr lang="zh-CN" altLang="en-US"/>
           </a:p>
@@ -1401,7 +1407,7 @@
           <a:p>
             <a:fld id="{B654FC95-7D04-4169-8BD3-25ECC6121B6D}" type="datetimeFigureOut">
               <a:rPr lang="zh-CN" altLang="en-US" smtClean="0"/>
-              <a:t>2019/8/31</a:t>
+              <a:t>2019/9/1</a:t>
             </a:fld>
             <a:endParaRPr lang="zh-CN" altLang="en-US"/>
           </a:p>
@@ -1813,7 +1819,7 @@
           <a:p>
             <a:fld id="{B654FC95-7D04-4169-8BD3-25ECC6121B6D}" type="datetimeFigureOut">
               <a:rPr lang="zh-CN" altLang="en-US" smtClean="0"/>
-              <a:t>2019/8/31</a:t>
+              <a:t>2019/9/1</a:t>
             </a:fld>
             <a:endParaRPr lang="zh-CN" altLang="en-US"/>
           </a:p>
@@ -1954,7 +1960,7 @@
           <a:p>
             <a:fld id="{B654FC95-7D04-4169-8BD3-25ECC6121B6D}" type="datetimeFigureOut">
               <a:rPr lang="zh-CN" altLang="en-US" smtClean="0"/>
-              <a:t>2019/8/31</a:t>
+              <a:t>2019/9/1</a:t>
             </a:fld>
             <a:endParaRPr lang="zh-CN" altLang="en-US"/>
           </a:p>
@@ -2067,7 +2073,7 @@
           <a:p>
             <a:fld id="{B654FC95-7D04-4169-8BD3-25ECC6121B6D}" type="datetimeFigureOut">
               <a:rPr lang="zh-CN" altLang="en-US" smtClean="0"/>
-              <a:t>2019/8/31</a:t>
+              <a:t>2019/9/1</a:t>
             </a:fld>
             <a:endParaRPr lang="zh-CN" altLang="en-US"/>
           </a:p>
@@ -2378,7 +2384,7 @@
           <a:p>
             <a:fld id="{B654FC95-7D04-4169-8BD3-25ECC6121B6D}" type="datetimeFigureOut">
               <a:rPr lang="zh-CN" altLang="en-US" smtClean="0"/>
-              <a:t>2019/8/31</a:t>
+              <a:t>2019/9/1</a:t>
             </a:fld>
             <a:endParaRPr lang="zh-CN" altLang="en-US"/>
           </a:p>
@@ -2666,7 +2672,7 @@
           <a:p>
             <a:fld id="{B654FC95-7D04-4169-8BD3-25ECC6121B6D}" type="datetimeFigureOut">
               <a:rPr lang="zh-CN" altLang="en-US" smtClean="0"/>
-              <a:t>2019/8/31</a:t>
+              <a:t>2019/9/1</a:t>
             </a:fld>
             <a:endParaRPr lang="zh-CN" altLang="en-US"/>
           </a:p>
@@ -2907,7 +2913,7 @@
           <a:p>
             <a:fld id="{B654FC95-7D04-4169-8BD3-25ECC6121B6D}" type="datetimeFigureOut">
               <a:rPr lang="zh-CN" altLang="en-US" smtClean="0"/>
-              <a:t>2019/8/31</a:t>
+              <a:t>2019/9/1</a:t>
             </a:fld>
             <a:endParaRPr lang="zh-CN" altLang="en-US"/>
           </a:p>
@@ -6138,6 +6144,1781 @@
 </p:sld>
 </file>
 
+<file path=ppt/slides/slide5.xml><?xml version="1.0" encoding="utf-8"?>
+<p:sld xmlns:a="http://schemas.openxmlformats.org/drawingml/2006/main" xmlns:r="http://schemas.openxmlformats.org/officeDocument/2006/relationships" xmlns:p="http://schemas.openxmlformats.org/presentationml/2006/main">
+  <p:cSld>
+    <p:spTree>
+      <p:nvGrpSpPr>
+        <p:cNvPr id="1" name=""/>
+        <p:cNvGrpSpPr/>
+        <p:nvPr/>
+      </p:nvGrpSpPr>
+      <p:grpSpPr>
+        <a:xfrm>
+          <a:off x="0" y="0"/>
+          <a:ext cx="0" cy="0"/>
+          <a:chOff x="0" y="0"/>
+          <a:chExt cx="0" cy="0"/>
+        </a:xfrm>
+      </p:grpSpPr>
+      <p:cxnSp>
+        <p:nvCxnSpPr>
+          <p:cNvPr id="8" name="直接连接符 7">
+            <a:extLst>
+              <a:ext uri="{FF2B5EF4-FFF2-40B4-BE49-F238E27FC236}">
+                <a16:creationId xmlns:a16="http://schemas.microsoft.com/office/drawing/2014/main" id="{9CDA711A-4396-477B-A73E-5E9FF1A5B8BB}"/>
+              </a:ext>
+            </a:extLst>
+          </p:cNvPr>
+          <p:cNvCxnSpPr>
+            <a:cxnSpLocks/>
+          </p:cNvCxnSpPr>
+          <p:nvPr/>
+        </p:nvCxnSpPr>
+        <p:spPr>
+          <a:xfrm>
+            <a:off x="1663777" y="1989069"/>
+            <a:ext cx="10055683" cy="0"/>
+          </a:xfrm>
+          <a:prstGeom prst="line">
+            <a:avLst/>
+          </a:prstGeom>
+          <a:ln w="12700"/>
+        </p:spPr>
+        <p:style>
+          <a:lnRef idx="1">
+            <a:schemeClr val="dk1"/>
+          </a:lnRef>
+          <a:fillRef idx="0">
+            <a:schemeClr val="dk1"/>
+          </a:fillRef>
+          <a:effectRef idx="0">
+            <a:schemeClr val="dk1"/>
+          </a:effectRef>
+          <a:fontRef idx="minor">
+            <a:schemeClr val="tx1"/>
+          </a:fontRef>
+        </p:style>
+      </p:cxnSp>
+      <p:cxnSp>
+        <p:nvCxnSpPr>
+          <p:cNvPr id="35" name="直接连接符 34">
+            <a:extLst>
+              <a:ext uri="{FF2B5EF4-FFF2-40B4-BE49-F238E27FC236}">
+                <a16:creationId xmlns:a16="http://schemas.microsoft.com/office/drawing/2014/main" id="{2C571511-F28D-41F7-86B0-ECFC9A334A73}"/>
+              </a:ext>
+            </a:extLst>
+          </p:cNvPr>
+          <p:cNvCxnSpPr>
+            <a:cxnSpLocks/>
+          </p:cNvCxnSpPr>
+          <p:nvPr/>
+        </p:nvCxnSpPr>
+        <p:spPr>
+          <a:xfrm>
+            <a:off x="1658064" y="2707527"/>
+            <a:ext cx="10055683" cy="0"/>
+          </a:xfrm>
+          <a:prstGeom prst="line">
+            <a:avLst/>
+          </a:prstGeom>
+          <a:ln>
+            <a:solidFill>
+              <a:schemeClr val="bg1">
+                <a:lumMod val="65000"/>
+              </a:schemeClr>
+            </a:solidFill>
+            <a:prstDash val="lgDash"/>
+          </a:ln>
+        </p:spPr>
+        <p:style>
+          <a:lnRef idx="1">
+            <a:schemeClr val="dk1"/>
+          </a:lnRef>
+          <a:fillRef idx="0">
+            <a:schemeClr val="dk1"/>
+          </a:fillRef>
+          <a:effectRef idx="0">
+            <a:schemeClr val="dk1"/>
+          </a:effectRef>
+          <a:fontRef idx="minor">
+            <a:schemeClr val="tx1"/>
+          </a:fontRef>
+        </p:style>
+      </p:cxnSp>
+      <p:cxnSp>
+        <p:nvCxnSpPr>
+          <p:cNvPr id="36" name="直接连接符 35">
+            <a:extLst>
+              <a:ext uri="{FF2B5EF4-FFF2-40B4-BE49-F238E27FC236}">
+                <a16:creationId xmlns:a16="http://schemas.microsoft.com/office/drawing/2014/main" id="{A506BB59-79D2-4B2C-90FC-0A2AF58E0080}"/>
+              </a:ext>
+            </a:extLst>
+          </p:cNvPr>
+          <p:cNvCxnSpPr>
+            <a:cxnSpLocks/>
+          </p:cNvCxnSpPr>
+          <p:nvPr/>
+        </p:nvCxnSpPr>
+        <p:spPr>
+          <a:xfrm>
+            <a:off x="1658064" y="3434694"/>
+            <a:ext cx="10055683" cy="0"/>
+          </a:xfrm>
+          <a:prstGeom prst="line">
+            <a:avLst/>
+          </a:prstGeom>
+          <a:ln w="12700"/>
+        </p:spPr>
+        <p:style>
+          <a:lnRef idx="1">
+            <a:schemeClr val="dk1"/>
+          </a:lnRef>
+          <a:fillRef idx="0">
+            <a:schemeClr val="dk1"/>
+          </a:fillRef>
+          <a:effectRef idx="0">
+            <a:schemeClr val="dk1"/>
+          </a:effectRef>
+          <a:fontRef idx="minor">
+            <a:schemeClr val="tx1"/>
+          </a:fontRef>
+        </p:style>
+      </p:cxnSp>
+      <p:cxnSp>
+        <p:nvCxnSpPr>
+          <p:cNvPr id="37" name="直接连接符 36">
+            <a:extLst>
+              <a:ext uri="{FF2B5EF4-FFF2-40B4-BE49-F238E27FC236}">
+                <a16:creationId xmlns:a16="http://schemas.microsoft.com/office/drawing/2014/main" id="{E02FD05F-F942-4E86-95E5-45E3EC7B95EA}"/>
+              </a:ext>
+            </a:extLst>
+          </p:cNvPr>
+          <p:cNvCxnSpPr>
+            <a:cxnSpLocks/>
+          </p:cNvCxnSpPr>
+          <p:nvPr/>
+        </p:nvCxnSpPr>
+        <p:spPr>
+          <a:xfrm>
+            <a:off x="1640646" y="4144445"/>
+            <a:ext cx="10055683" cy="0"/>
+          </a:xfrm>
+          <a:prstGeom prst="line">
+            <a:avLst/>
+          </a:prstGeom>
+          <a:ln>
+            <a:solidFill>
+              <a:schemeClr val="bg1">
+                <a:lumMod val="65000"/>
+              </a:schemeClr>
+            </a:solidFill>
+            <a:prstDash val="lgDash"/>
+          </a:ln>
+        </p:spPr>
+        <p:style>
+          <a:lnRef idx="1">
+            <a:schemeClr val="dk1"/>
+          </a:lnRef>
+          <a:fillRef idx="0">
+            <a:schemeClr val="dk1"/>
+          </a:fillRef>
+          <a:effectRef idx="0">
+            <a:schemeClr val="dk1"/>
+          </a:effectRef>
+          <a:fontRef idx="minor">
+            <a:schemeClr val="tx1"/>
+          </a:fontRef>
+        </p:style>
+      </p:cxnSp>
+      <p:cxnSp>
+        <p:nvCxnSpPr>
+          <p:cNvPr id="39" name="直接连接符 38">
+            <a:extLst>
+              <a:ext uri="{FF2B5EF4-FFF2-40B4-BE49-F238E27FC236}">
+                <a16:creationId xmlns:a16="http://schemas.microsoft.com/office/drawing/2014/main" id="{16309A77-E05B-45A4-9ABA-EA02A547D72C}"/>
+              </a:ext>
+            </a:extLst>
+          </p:cNvPr>
+          <p:cNvCxnSpPr>
+            <a:cxnSpLocks/>
+          </p:cNvCxnSpPr>
+          <p:nvPr/>
+        </p:nvCxnSpPr>
+        <p:spPr>
+          <a:xfrm>
+            <a:off x="1640646" y="4869434"/>
+            <a:ext cx="10055683" cy="0"/>
+          </a:xfrm>
+          <a:prstGeom prst="line">
+            <a:avLst/>
+          </a:prstGeom>
+          <a:ln w="12700"/>
+        </p:spPr>
+        <p:style>
+          <a:lnRef idx="1">
+            <a:schemeClr val="dk1"/>
+          </a:lnRef>
+          <a:fillRef idx="0">
+            <a:schemeClr val="dk1"/>
+          </a:fillRef>
+          <a:effectRef idx="0">
+            <a:schemeClr val="dk1"/>
+          </a:effectRef>
+          <a:fontRef idx="minor">
+            <a:schemeClr val="tx1"/>
+          </a:fontRef>
+        </p:style>
+      </p:cxnSp>
+      <p:cxnSp>
+        <p:nvCxnSpPr>
+          <p:cNvPr id="44" name="直接连接符 43">
+            <a:extLst>
+              <a:ext uri="{FF2B5EF4-FFF2-40B4-BE49-F238E27FC236}">
+                <a16:creationId xmlns:a16="http://schemas.microsoft.com/office/drawing/2014/main" id="{DC9D955B-3A4B-442E-B513-A2DB25B3FAF7}"/>
+              </a:ext>
+            </a:extLst>
+          </p:cNvPr>
+          <p:cNvCxnSpPr>
+            <a:cxnSpLocks/>
+          </p:cNvCxnSpPr>
+          <p:nvPr/>
+        </p:nvCxnSpPr>
+        <p:spPr>
+          <a:xfrm>
+            <a:off x="1631937" y="1270612"/>
+            <a:ext cx="10055683" cy="0"/>
+          </a:xfrm>
+          <a:prstGeom prst="line">
+            <a:avLst/>
+          </a:prstGeom>
+          <a:ln>
+            <a:solidFill>
+              <a:schemeClr val="bg2">
+                <a:lumMod val="75000"/>
+              </a:schemeClr>
+            </a:solidFill>
+            <a:prstDash val="lgDash"/>
+          </a:ln>
+        </p:spPr>
+        <p:style>
+          <a:lnRef idx="1">
+            <a:schemeClr val="dk1"/>
+          </a:lnRef>
+          <a:fillRef idx="0">
+            <a:schemeClr val="dk1"/>
+          </a:fillRef>
+          <a:effectRef idx="0">
+            <a:schemeClr val="dk1"/>
+          </a:effectRef>
+          <a:fontRef idx="minor">
+            <a:schemeClr val="tx1"/>
+          </a:fontRef>
+        </p:style>
+      </p:cxnSp>
+      <p:cxnSp>
+        <p:nvCxnSpPr>
+          <p:cNvPr id="46" name="直接连接符 45">
+            <a:extLst>
+              <a:ext uri="{FF2B5EF4-FFF2-40B4-BE49-F238E27FC236}">
+                <a16:creationId xmlns:a16="http://schemas.microsoft.com/office/drawing/2014/main" id="{4C684D26-0924-4919-880C-24A5ED449630}"/>
+              </a:ext>
+            </a:extLst>
+          </p:cNvPr>
+          <p:cNvCxnSpPr>
+            <a:cxnSpLocks/>
+          </p:cNvCxnSpPr>
+          <p:nvPr/>
+        </p:nvCxnSpPr>
+        <p:spPr>
+          <a:xfrm>
+            <a:off x="1663777" y="552154"/>
+            <a:ext cx="10055683" cy="0"/>
+          </a:xfrm>
+          <a:prstGeom prst="line">
+            <a:avLst/>
+          </a:prstGeom>
+          <a:ln w="12700"/>
+        </p:spPr>
+        <p:style>
+          <a:lnRef idx="1">
+            <a:schemeClr val="dk1"/>
+          </a:lnRef>
+          <a:fillRef idx="0">
+            <a:schemeClr val="dk1"/>
+          </a:fillRef>
+          <a:effectRef idx="0">
+            <a:schemeClr val="dk1"/>
+          </a:effectRef>
+          <a:fontRef idx="minor">
+            <a:schemeClr val="tx1"/>
+          </a:fontRef>
+        </p:style>
+      </p:cxnSp>
+      <p:cxnSp>
+        <p:nvCxnSpPr>
+          <p:cNvPr id="47" name="直接连接符 46">
+            <a:extLst>
+              <a:ext uri="{FF2B5EF4-FFF2-40B4-BE49-F238E27FC236}">
+                <a16:creationId xmlns:a16="http://schemas.microsoft.com/office/drawing/2014/main" id="{473224FB-CDF4-4045-AA59-F880FB9EA07F}"/>
+              </a:ext>
+            </a:extLst>
+          </p:cNvPr>
+          <p:cNvCxnSpPr>
+            <a:cxnSpLocks/>
+          </p:cNvCxnSpPr>
+          <p:nvPr/>
+        </p:nvCxnSpPr>
+        <p:spPr>
+          <a:xfrm>
+            <a:off x="1663777" y="5587890"/>
+            <a:ext cx="10055683" cy="0"/>
+          </a:xfrm>
+          <a:prstGeom prst="line">
+            <a:avLst/>
+          </a:prstGeom>
+          <a:ln>
+            <a:solidFill>
+              <a:schemeClr val="bg1">
+                <a:lumMod val="65000"/>
+              </a:schemeClr>
+            </a:solidFill>
+            <a:prstDash val="lgDash"/>
+          </a:ln>
+        </p:spPr>
+        <p:style>
+          <a:lnRef idx="1">
+            <a:schemeClr val="dk1"/>
+          </a:lnRef>
+          <a:fillRef idx="0">
+            <a:schemeClr val="dk1"/>
+          </a:fillRef>
+          <a:effectRef idx="0">
+            <a:schemeClr val="dk1"/>
+          </a:effectRef>
+          <a:fontRef idx="minor">
+            <a:schemeClr val="tx1"/>
+          </a:fontRef>
+        </p:style>
+      </p:cxnSp>
+      <p:cxnSp>
+        <p:nvCxnSpPr>
+          <p:cNvPr id="49" name="直接连接符 48">
+            <a:extLst>
+              <a:ext uri="{FF2B5EF4-FFF2-40B4-BE49-F238E27FC236}">
+                <a16:creationId xmlns:a16="http://schemas.microsoft.com/office/drawing/2014/main" id="{871AE519-6AD4-4597-9593-3C3D10F99134}"/>
+              </a:ext>
+            </a:extLst>
+          </p:cNvPr>
+          <p:cNvCxnSpPr>
+            <a:cxnSpLocks/>
+          </p:cNvCxnSpPr>
+          <p:nvPr/>
+        </p:nvCxnSpPr>
+        <p:spPr>
+          <a:xfrm>
+            <a:off x="1646359" y="6306348"/>
+            <a:ext cx="10055683" cy="0"/>
+          </a:xfrm>
+          <a:prstGeom prst="line">
+            <a:avLst/>
+          </a:prstGeom>
+          <a:ln w="12700"/>
+        </p:spPr>
+        <p:style>
+          <a:lnRef idx="1">
+            <a:schemeClr val="dk1"/>
+          </a:lnRef>
+          <a:fillRef idx="0">
+            <a:schemeClr val="dk1"/>
+          </a:fillRef>
+          <a:effectRef idx="0">
+            <a:schemeClr val="dk1"/>
+          </a:effectRef>
+          <a:fontRef idx="minor">
+            <a:schemeClr val="tx1"/>
+          </a:fontRef>
+        </p:style>
+      </p:cxnSp>
+      <p:sp>
+        <p:nvSpPr>
+          <p:cNvPr id="19" name="文本框 18">
+            <a:extLst>
+              <a:ext uri="{FF2B5EF4-FFF2-40B4-BE49-F238E27FC236}">
+                <a16:creationId xmlns:a16="http://schemas.microsoft.com/office/drawing/2014/main" id="{9479461A-A0C6-4DE4-80CB-69CE097C026D}"/>
+              </a:ext>
+            </a:extLst>
+          </p:cNvPr>
+          <p:cNvSpPr txBox="1"/>
+          <p:nvPr/>
+        </p:nvSpPr>
+        <p:spPr>
+          <a:xfrm>
+            <a:off x="612397" y="6152459"/>
+            <a:ext cx="914399" cy="307777"/>
+          </a:xfrm>
+          <a:prstGeom prst="rect">
+            <a:avLst/>
+          </a:prstGeom>
+          <a:noFill/>
+        </p:spPr>
+        <p:txBody>
+          <a:bodyPr wrap="square" rtlCol="0">
+            <a:spAutoFit/>
+          </a:bodyPr>
+          <a:lstStyle/>
+          <a:p>
+            <a:r>
+              <a:rPr lang="en-US" altLang="zh-CN" sz="1400" dirty="0">
+                <a:latin typeface="Times New Roman" panose="02020603050405020304" pitchFamily="18" charset="0"/>
+                <a:cs typeface="Times New Roman" panose="02020603050405020304" pitchFamily="18" charset="0"/>
+              </a:rPr>
+              <a:t>00000000</a:t>
+            </a:r>
+            <a:endParaRPr lang="zh-CN" altLang="en-US" sz="1400" dirty="0">
+              <a:latin typeface="Times New Roman" panose="02020603050405020304" pitchFamily="18" charset="0"/>
+              <a:cs typeface="Times New Roman" panose="02020603050405020304" pitchFamily="18" charset="0"/>
+            </a:endParaRPr>
+          </a:p>
+        </p:txBody>
+      </p:sp>
+      <p:sp>
+        <p:nvSpPr>
+          <p:cNvPr id="51" name="文本框 50">
+            <a:extLst>
+              <a:ext uri="{FF2B5EF4-FFF2-40B4-BE49-F238E27FC236}">
+                <a16:creationId xmlns:a16="http://schemas.microsoft.com/office/drawing/2014/main" id="{4BE623EF-9F18-432E-A329-76F1BCB9383C}"/>
+              </a:ext>
+            </a:extLst>
+          </p:cNvPr>
+          <p:cNvSpPr txBox="1"/>
+          <p:nvPr/>
+        </p:nvSpPr>
+        <p:spPr>
+          <a:xfrm>
+            <a:off x="612397" y="4715545"/>
+            <a:ext cx="914399" cy="307777"/>
+          </a:xfrm>
+          <a:prstGeom prst="rect">
+            <a:avLst/>
+          </a:prstGeom>
+          <a:noFill/>
+        </p:spPr>
+        <p:txBody>
+          <a:bodyPr wrap="square" rtlCol="0">
+            <a:spAutoFit/>
+          </a:bodyPr>
+          <a:lstStyle/>
+          <a:p>
+            <a:r>
+              <a:rPr lang="en-US" altLang="zh-CN" sz="1400" dirty="0">
+                <a:latin typeface="Times New Roman" panose="02020603050405020304" pitchFamily="18" charset="0"/>
+                <a:cs typeface="Times New Roman" panose="02020603050405020304" pitchFamily="18" charset="0"/>
+              </a:rPr>
+              <a:t>00000000</a:t>
+            </a:r>
+            <a:endParaRPr lang="zh-CN" altLang="en-US" sz="1400" dirty="0">
+              <a:latin typeface="Times New Roman" panose="02020603050405020304" pitchFamily="18" charset="0"/>
+              <a:cs typeface="Times New Roman" panose="02020603050405020304" pitchFamily="18" charset="0"/>
+            </a:endParaRPr>
+          </a:p>
+        </p:txBody>
+      </p:sp>
+      <p:sp>
+        <p:nvSpPr>
+          <p:cNvPr id="53" name="文本框 52">
+            <a:extLst>
+              <a:ext uri="{FF2B5EF4-FFF2-40B4-BE49-F238E27FC236}">
+                <a16:creationId xmlns:a16="http://schemas.microsoft.com/office/drawing/2014/main" id="{0FEB2B13-C625-4ECD-BA4F-37B82636CAB4}"/>
+              </a:ext>
+            </a:extLst>
+          </p:cNvPr>
+          <p:cNvSpPr txBox="1"/>
+          <p:nvPr/>
+        </p:nvSpPr>
+        <p:spPr>
+          <a:xfrm>
+            <a:off x="612397" y="3275111"/>
+            <a:ext cx="914399" cy="307777"/>
+          </a:xfrm>
+          <a:prstGeom prst="rect">
+            <a:avLst/>
+          </a:prstGeom>
+          <a:noFill/>
+        </p:spPr>
+        <p:txBody>
+          <a:bodyPr wrap="square" rtlCol="0">
+            <a:spAutoFit/>
+          </a:bodyPr>
+          <a:lstStyle/>
+          <a:p>
+            <a:r>
+              <a:rPr lang="en-US" altLang="zh-CN" sz="1400" dirty="0">
+                <a:latin typeface="Times New Roman" panose="02020603050405020304" pitchFamily="18" charset="0"/>
+                <a:cs typeface="Times New Roman" panose="02020603050405020304" pitchFamily="18" charset="0"/>
+              </a:rPr>
+              <a:t>00000000</a:t>
+            </a:r>
+            <a:endParaRPr lang="zh-CN" altLang="en-US" sz="1400" dirty="0">
+              <a:latin typeface="Times New Roman" panose="02020603050405020304" pitchFamily="18" charset="0"/>
+              <a:cs typeface="Times New Roman" panose="02020603050405020304" pitchFamily="18" charset="0"/>
+            </a:endParaRPr>
+          </a:p>
+        </p:txBody>
+      </p:sp>
+      <p:sp>
+        <p:nvSpPr>
+          <p:cNvPr id="54" name="文本框 53">
+            <a:extLst>
+              <a:ext uri="{FF2B5EF4-FFF2-40B4-BE49-F238E27FC236}">
+                <a16:creationId xmlns:a16="http://schemas.microsoft.com/office/drawing/2014/main" id="{8DE1E4F7-1BB7-4DE3-B7C3-E0F0E1F3C183}"/>
+              </a:ext>
+            </a:extLst>
+          </p:cNvPr>
+          <p:cNvSpPr txBox="1"/>
+          <p:nvPr/>
+        </p:nvSpPr>
+        <p:spPr>
+          <a:xfrm>
+            <a:off x="612397" y="1834677"/>
+            <a:ext cx="914399" cy="307777"/>
+          </a:xfrm>
+          <a:prstGeom prst="rect">
+            <a:avLst/>
+          </a:prstGeom>
+          <a:noFill/>
+        </p:spPr>
+        <p:txBody>
+          <a:bodyPr wrap="square" rtlCol="0">
+            <a:spAutoFit/>
+          </a:bodyPr>
+          <a:lstStyle/>
+          <a:p>
+            <a:r>
+              <a:rPr lang="en-US" altLang="zh-CN" sz="1400" dirty="0">
+                <a:latin typeface="Times New Roman" panose="02020603050405020304" pitchFamily="18" charset="0"/>
+                <a:cs typeface="Times New Roman" panose="02020603050405020304" pitchFamily="18" charset="0"/>
+              </a:rPr>
+              <a:t>00000000</a:t>
+            </a:r>
+            <a:endParaRPr lang="zh-CN" altLang="en-US" sz="1400" dirty="0">
+              <a:latin typeface="Times New Roman" panose="02020603050405020304" pitchFamily="18" charset="0"/>
+              <a:cs typeface="Times New Roman" panose="02020603050405020304" pitchFamily="18" charset="0"/>
+            </a:endParaRPr>
+          </a:p>
+        </p:txBody>
+      </p:sp>
+      <p:sp>
+        <p:nvSpPr>
+          <p:cNvPr id="56" name="文本框 55">
+            <a:extLst>
+              <a:ext uri="{FF2B5EF4-FFF2-40B4-BE49-F238E27FC236}">
+                <a16:creationId xmlns:a16="http://schemas.microsoft.com/office/drawing/2014/main" id="{2C7FEABD-A9A5-4D14-9F26-60995D888A66}"/>
+              </a:ext>
+            </a:extLst>
+          </p:cNvPr>
+          <p:cNvSpPr txBox="1"/>
+          <p:nvPr/>
+        </p:nvSpPr>
+        <p:spPr>
+          <a:xfrm>
+            <a:off x="612396" y="394243"/>
+            <a:ext cx="914399" cy="307777"/>
+          </a:xfrm>
+          <a:prstGeom prst="rect">
+            <a:avLst/>
+          </a:prstGeom>
+          <a:noFill/>
+        </p:spPr>
+        <p:txBody>
+          <a:bodyPr wrap="square" rtlCol="0">
+            <a:spAutoFit/>
+          </a:bodyPr>
+          <a:lstStyle/>
+          <a:p>
+            <a:r>
+              <a:rPr lang="en-US" altLang="zh-CN" sz="1400" dirty="0">
+                <a:latin typeface="Times New Roman" panose="02020603050405020304" pitchFamily="18" charset="0"/>
+                <a:cs typeface="Times New Roman" panose="02020603050405020304" pitchFamily="18" charset="0"/>
+              </a:rPr>
+              <a:t>00000000</a:t>
+            </a:r>
+            <a:endParaRPr lang="zh-CN" altLang="en-US" sz="1400" dirty="0">
+              <a:latin typeface="Times New Roman" panose="02020603050405020304" pitchFamily="18" charset="0"/>
+              <a:cs typeface="Times New Roman" panose="02020603050405020304" pitchFamily="18" charset="0"/>
+            </a:endParaRPr>
+          </a:p>
+        </p:txBody>
+      </p:sp>
+      <p:sp>
+        <p:nvSpPr>
+          <p:cNvPr id="57" name="文本框 56">
+            <a:extLst>
+              <a:ext uri="{FF2B5EF4-FFF2-40B4-BE49-F238E27FC236}">
+                <a16:creationId xmlns:a16="http://schemas.microsoft.com/office/drawing/2014/main" id="{5A621082-7649-4A8C-B1EE-3B98B3E491B9}"/>
+              </a:ext>
+            </a:extLst>
+          </p:cNvPr>
+          <p:cNvSpPr txBox="1"/>
+          <p:nvPr/>
+        </p:nvSpPr>
+        <p:spPr>
+          <a:xfrm>
+            <a:off x="612396" y="1112700"/>
+            <a:ext cx="914399" cy="307777"/>
+          </a:xfrm>
+          <a:prstGeom prst="rect">
+            <a:avLst/>
+          </a:prstGeom>
+          <a:noFill/>
+        </p:spPr>
+        <p:txBody>
+          <a:bodyPr wrap="square" rtlCol="0">
+            <a:spAutoFit/>
+          </a:bodyPr>
+          <a:lstStyle/>
+          <a:p>
+            <a:r>
+              <a:rPr lang="en-US" altLang="zh-CN" sz="1400" dirty="0">
+                <a:solidFill>
+                  <a:schemeClr val="bg1">
+                    <a:lumMod val="65000"/>
+                  </a:schemeClr>
+                </a:solidFill>
+                <a:latin typeface="Times New Roman" panose="02020603050405020304" pitchFamily="18" charset="0"/>
+                <a:cs typeface="Times New Roman" panose="02020603050405020304" pitchFamily="18" charset="0"/>
+              </a:rPr>
+              <a:t>10000000</a:t>
+            </a:r>
+            <a:endParaRPr lang="zh-CN" altLang="en-US" sz="1400" dirty="0">
+              <a:solidFill>
+                <a:schemeClr val="bg1">
+                  <a:lumMod val="65000"/>
+                </a:schemeClr>
+              </a:solidFill>
+              <a:latin typeface="Times New Roman" panose="02020603050405020304" pitchFamily="18" charset="0"/>
+              <a:cs typeface="Times New Roman" panose="02020603050405020304" pitchFamily="18" charset="0"/>
+            </a:endParaRPr>
+          </a:p>
+        </p:txBody>
+      </p:sp>
+      <p:sp>
+        <p:nvSpPr>
+          <p:cNvPr id="58" name="文本框 57">
+            <a:extLst>
+              <a:ext uri="{FF2B5EF4-FFF2-40B4-BE49-F238E27FC236}">
+                <a16:creationId xmlns:a16="http://schemas.microsoft.com/office/drawing/2014/main" id="{6F079081-9850-49B1-8BD5-5D408472A0C1}"/>
+              </a:ext>
+            </a:extLst>
+          </p:cNvPr>
+          <p:cNvSpPr txBox="1"/>
+          <p:nvPr/>
+        </p:nvSpPr>
+        <p:spPr>
+          <a:xfrm>
+            <a:off x="612396" y="2549614"/>
+            <a:ext cx="914399" cy="307777"/>
+          </a:xfrm>
+          <a:prstGeom prst="rect">
+            <a:avLst/>
+          </a:prstGeom>
+          <a:noFill/>
+        </p:spPr>
+        <p:txBody>
+          <a:bodyPr wrap="square" rtlCol="0">
+            <a:spAutoFit/>
+          </a:bodyPr>
+          <a:lstStyle/>
+          <a:p>
+            <a:r>
+              <a:rPr lang="en-US" altLang="zh-CN" sz="1400" dirty="0">
+                <a:solidFill>
+                  <a:schemeClr val="bg1">
+                    <a:lumMod val="65000"/>
+                  </a:schemeClr>
+                </a:solidFill>
+                <a:latin typeface="Times New Roman" panose="02020603050405020304" pitchFamily="18" charset="0"/>
+                <a:cs typeface="Times New Roman" panose="02020603050405020304" pitchFamily="18" charset="0"/>
+              </a:rPr>
+              <a:t>10000000</a:t>
+            </a:r>
+            <a:endParaRPr lang="zh-CN" altLang="en-US" sz="1400" dirty="0">
+              <a:solidFill>
+                <a:schemeClr val="bg1">
+                  <a:lumMod val="65000"/>
+                </a:schemeClr>
+              </a:solidFill>
+              <a:latin typeface="Times New Roman" panose="02020603050405020304" pitchFamily="18" charset="0"/>
+              <a:cs typeface="Times New Roman" panose="02020603050405020304" pitchFamily="18" charset="0"/>
+            </a:endParaRPr>
+          </a:p>
+        </p:txBody>
+      </p:sp>
+      <p:sp>
+        <p:nvSpPr>
+          <p:cNvPr id="59" name="文本框 58">
+            <a:extLst>
+              <a:ext uri="{FF2B5EF4-FFF2-40B4-BE49-F238E27FC236}">
+                <a16:creationId xmlns:a16="http://schemas.microsoft.com/office/drawing/2014/main" id="{F4B85633-5848-4281-9E0A-1E993111E7FF}"/>
+              </a:ext>
+            </a:extLst>
+          </p:cNvPr>
+          <p:cNvSpPr txBox="1"/>
+          <p:nvPr/>
+        </p:nvSpPr>
+        <p:spPr>
+          <a:xfrm>
+            <a:off x="612395" y="3986528"/>
+            <a:ext cx="914399" cy="307777"/>
+          </a:xfrm>
+          <a:prstGeom prst="rect">
+            <a:avLst/>
+          </a:prstGeom>
+          <a:noFill/>
+        </p:spPr>
+        <p:txBody>
+          <a:bodyPr wrap="square" rtlCol="0">
+            <a:spAutoFit/>
+          </a:bodyPr>
+          <a:lstStyle/>
+          <a:p>
+            <a:r>
+              <a:rPr lang="en-US" altLang="zh-CN" sz="1400" dirty="0">
+                <a:solidFill>
+                  <a:schemeClr val="bg1">
+                    <a:lumMod val="65000"/>
+                  </a:schemeClr>
+                </a:solidFill>
+                <a:latin typeface="Times New Roman" panose="02020603050405020304" pitchFamily="18" charset="0"/>
+                <a:cs typeface="Times New Roman" panose="02020603050405020304" pitchFamily="18" charset="0"/>
+              </a:rPr>
+              <a:t>10000000</a:t>
+            </a:r>
+            <a:endParaRPr lang="zh-CN" altLang="en-US" sz="1400" dirty="0">
+              <a:solidFill>
+                <a:schemeClr val="bg1">
+                  <a:lumMod val="65000"/>
+                </a:schemeClr>
+              </a:solidFill>
+              <a:latin typeface="Times New Roman" panose="02020603050405020304" pitchFamily="18" charset="0"/>
+              <a:cs typeface="Times New Roman" panose="02020603050405020304" pitchFamily="18" charset="0"/>
+            </a:endParaRPr>
+          </a:p>
+        </p:txBody>
+      </p:sp>
+      <p:sp>
+        <p:nvSpPr>
+          <p:cNvPr id="60" name="文本框 59">
+            <a:extLst>
+              <a:ext uri="{FF2B5EF4-FFF2-40B4-BE49-F238E27FC236}">
+                <a16:creationId xmlns:a16="http://schemas.microsoft.com/office/drawing/2014/main" id="{CD6BC16A-E70D-45A0-B9E9-6DA13D9183DD}"/>
+              </a:ext>
+            </a:extLst>
+          </p:cNvPr>
+          <p:cNvSpPr txBox="1"/>
+          <p:nvPr/>
+        </p:nvSpPr>
+        <p:spPr>
+          <a:xfrm>
+            <a:off x="612395" y="5437523"/>
+            <a:ext cx="914399" cy="307777"/>
+          </a:xfrm>
+          <a:prstGeom prst="rect">
+            <a:avLst/>
+          </a:prstGeom>
+          <a:noFill/>
+        </p:spPr>
+        <p:txBody>
+          <a:bodyPr wrap="square" rtlCol="0">
+            <a:spAutoFit/>
+          </a:bodyPr>
+          <a:lstStyle/>
+          <a:p>
+            <a:r>
+              <a:rPr lang="en-US" altLang="zh-CN" sz="1400" dirty="0">
+                <a:solidFill>
+                  <a:schemeClr val="bg1">
+                    <a:lumMod val="65000"/>
+                  </a:schemeClr>
+                </a:solidFill>
+                <a:latin typeface="Times New Roman" panose="02020603050405020304" pitchFamily="18" charset="0"/>
+                <a:cs typeface="Times New Roman" panose="02020603050405020304" pitchFamily="18" charset="0"/>
+              </a:rPr>
+              <a:t>10000000</a:t>
+            </a:r>
+            <a:endParaRPr lang="zh-CN" altLang="en-US" sz="1400" dirty="0">
+              <a:solidFill>
+                <a:schemeClr val="bg1">
+                  <a:lumMod val="65000"/>
+                </a:schemeClr>
+              </a:solidFill>
+              <a:latin typeface="Times New Roman" panose="02020603050405020304" pitchFamily="18" charset="0"/>
+              <a:cs typeface="Times New Roman" panose="02020603050405020304" pitchFamily="18" charset="0"/>
+            </a:endParaRPr>
+          </a:p>
+        </p:txBody>
+      </p:sp>
+      <p:sp>
+        <p:nvSpPr>
+          <p:cNvPr id="22" name="文本框 21">
+            <a:extLst>
+              <a:ext uri="{FF2B5EF4-FFF2-40B4-BE49-F238E27FC236}">
+                <a16:creationId xmlns:a16="http://schemas.microsoft.com/office/drawing/2014/main" id="{90453F68-FEF7-45AC-B98A-D846D45FFE78}"/>
+              </a:ext>
+            </a:extLst>
+          </p:cNvPr>
+          <p:cNvSpPr txBox="1"/>
+          <p:nvPr/>
+        </p:nvSpPr>
+        <p:spPr>
+          <a:xfrm>
+            <a:off x="1435756" y="5777842"/>
+            <a:ext cx="444616" cy="338554"/>
+          </a:xfrm>
+          <a:prstGeom prst="rect">
+            <a:avLst/>
+          </a:prstGeom>
+          <a:noFill/>
+        </p:spPr>
+        <p:txBody>
+          <a:bodyPr wrap="square" rtlCol="0">
+            <a:spAutoFit/>
+          </a:bodyPr>
+          <a:lstStyle/>
+          <a:p>
+            <a:r>
+              <a:rPr lang="zh-CN" altLang="en-US" sz="1600" dirty="0">
+                <a:latin typeface="宋体" panose="02010600030101010101" pitchFamily="2" charset="-122"/>
+                <a:ea typeface="宋体" panose="02010600030101010101" pitchFamily="2" charset="-122"/>
+              </a:rPr>
+              <a:t>正</a:t>
+            </a:r>
+          </a:p>
+        </p:txBody>
+      </p:sp>
+      <p:sp>
+        <p:nvSpPr>
+          <p:cNvPr id="61" name="文本框 60">
+            <a:extLst>
+              <a:ext uri="{FF2B5EF4-FFF2-40B4-BE49-F238E27FC236}">
+                <a16:creationId xmlns:a16="http://schemas.microsoft.com/office/drawing/2014/main" id="{449756BA-9BC3-45B6-9E2B-962630C55ED7}"/>
+              </a:ext>
+            </a:extLst>
+          </p:cNvPr>
+          <p:cNvSpPr txBox="1"/>
+          <p:nvPr/>
+        </p:nvSpPr>
+        <p:spPr>
+          <a:xfrm>
+            <a:off x="1435756" y="5056538"/>
+            <a:ext cx="444616" cy="338554"/>
+          </a:xfrm>
+          <a:prstGeom prst="rect">
+            <a:avLst/>
+          </a:prstGeom>
+          <a:noFill/>
+        </p:spPr>
+        <p:txBody>
+          <a:bodyPr wrap="square" rtlCol="0">
+            <a:spAutoFit/>
+          </a:bodyPr>
+          <a:lstStyle/>
+          <a:p>
+            <a:r>
+              <a:rPr lang="zh-CN" altLang="en-US" sz="1600" dirty="0">
+                <a:solidFill>
+                  <a:schemeClr val="bg1">
+                    <a:lumMod val="65000"/>
+                  </a:schemeClr>
+                </a:solidFill>
+                <a:latin typeface="宋体" panose="02010600030101010101" pitchFamily="2" charset="-122"/>
+                <a:ea typeface="宋体" panose="02010600030101010101" pitchFamily="2" charset="-122"/>
+              </a:rPr>
+              <a:t>负</a:t>
+            </a:r>
+          </a:p>
+        </p:txBody>
+      </p:sp>
+      <p:sp>
+        <p:nvSpPr>
+          <p:cNvPr id="62" name="文本框 61">
+            <a:extLst>
+              <a:ext uri="{FF2B5EF4-FFF2-40B4-BE49-F238E27FC236}">
+                <a16:creationId xmlns:a16="http://schemas.microsoft.com/office/drawing/2014/main" id="{A065ACAC-C315-49AE-A79D-2EC6F4B7B283}"/>
+              </a:ext>
+            </a:extLst>
+          </p:cNvPr>
+          <p:cNvSpPr txBox="1"/>
+          <p:nvPr/>
+        </p:nvSpPr>
+        <p:spPr>
+          <a:xfrm>
+            <a:off x="1435756" y="4336868"/>
+            <a:ext cx="444616" cy="338554"/>
+          </a:xfrm>
+          <a:prstGeom prst="rect">
+            <a:avLst/>
+          </a:prstGeom>
+          <a:noFill/>
+        </p:spPr>
+        <p:txBody>
+          <a:bodyPr wrap="square" rtlCol="0">
+            <a:spAutoFit/>
+          </a:bodyPr>
+          <a:lstStyle/>
+          <a:p>
+            <a:r>
+              <a:rPr lang="zh-CN" altLang="en-US" sz="1600" dirty="0">
+                <a:latin typeface="宋体" panose="02010600030101010101" pitchFamily="2" charset="-122"/>
+                <a:ea typeface="宋体" panose="02010600030101010101" pitchFamily="2" charset="-122"/>
+              </a:rPr>
+              <a:t>正</a:t>
+            </a:r>
+          </a:p>
+        </p:txBody>
+      </p:sp>
+      <p:sp>
+        <p:nvSpPr>
+          <p:cNvPr id="63" name="文本框 62">
+            <a:extLst>
+              <a:ext uri="{FF2B5EF4-FFF2-40B4-BE49-F238E27FC236}">
+                <a16:creationId xmlns:a16="http://schemas.microsoft.com/office/drawing/2014/main" id="{5257FF93-D9F3-4888-B2D1-08DB7E34CC23}"/>
+              </a:ext>
+            </a:extLst>
+          </p:cNvPr>
+          <p:cNvSpPr txBox="1"/>
+          <p:nvPr/>
+        </p:nvSpPr>
+        <p:spPr>
+          <a:xfrm>
+            <a:off x="1435756" y="3617190"/>
+            <a:ext cx="444616" cy="338554"/>
+          </a:xfrm>
+          <a:prstGeom prst="rect">
+            <a:avLst/>
+          </a:prstGeom>
+          <a:noFill/>
+        </p:spPr>
+        <p:txBody>
+          <a:bodyPr wrap="square" rtlCol="0">
+            <a:spAutoFit/>
+          </a:bodyPr>
+          <a:lstStyle/>
+          <a:p>
+            <a:r>
+              <a:rPr lang="zh-CN" altLang="en-US" sz="1600" dirty="0">
+                <a:solidFill>
+                  <a:schemeClr val="bg1">
+                    <a:lumMod val="65000"/>
+                  </a:schemeClr>
+                </a:solidFill>
+                <a:latin typeface="宋体" panose="02010600030101010101" pitchFamily="2" charset="-122"/>
+                <a:ea typeface="宋体" panose="02010600030101010101" pitchFamily="2" charset="-122"/>
+              </a:rPr>
+              <a:t>负</a:t>
+            </a:r>
+          </a:p>
+        </p:txBody>
+      </p:sp>
+      <p:sp>
+        <p:nvSpPr>
+          <p:cNvPr id="64" name="文本框 63">
+            <a:extLst>
+              <a:ext uri="{FF2B5EF4-FFF2-40B4-BE49-F238E27FC236}">
+                <a16:creationId xmlns:a16="http://schemas.microsoft.com/office/drawing/2014/main" id="{8E15F0C8-5CE3-4B32-9A9C-65712078845D}"/>
+              </a:ext>
+            </a:extLst>
+          </p:cNvPr>
+          <p:cNvSpPr txBox="1"/>
+          <p:nvPr/>
+        </p:nvSpPr>
+        <p:spPr>
+          <a:xfrm>
+            <a:off x="1435756" y="2897421"/>
+            <a:ext cx="444616" cy="338554"/>
+          </a:xfrm>
+          <a:prstGeom prst="rect">
+            <a:avLst/>
+          </a:prstGeom>
+          <a:noFill/>
+        </p:spPr>
+        <p:txBody>
+          <a:bodyPr wrap="square" rtlCol="0">
+            <a:spAutoFit/>
+          </a:bodyPr>
+          <a:lstStyle/>
+          <a:p>
+            <a:r>
+              <a:rPr lang="zh-CN" altLang="en-US" sz="1600" dirty="0">
+                <a:latin typeface="宋体" panose="02010600030101010101" pitchFamily="2" charset="-122"/>
+                <a:ea typeface="宋体" panose="02010600030101010101" pitchFamily="2" charset="-122"/>
+              </a:rPr>
+              <a:t>正</a:t>
+            </a:r>
+          </a:p>
+        </p:txBody>
+      </p:sp>
+      <p:sp>
+        <p:nvSpPr>
+          <p:cNvPr id="65" name="文本框 64">
+            <a:extLst>
+              <a:ext uri="{FF2B5EF4-FFF2-40B4-BE49-F238E27FC236}">
+                <a16:creationId xmlns:a16="http://schemas.microsoft.com/office/drawing/2014/main" id="{AA1C1022-F022-4DA7-9D16-CCA0808A8AD4}"/>
+              </a:ext>
+            </a:extLst>
+          </p:cNvPr>
+          <p:cNvSpPr txBox="1"/>
+          <p:nvPr/>
+        </p:nvSpPr>
+        <p:spPr>
+          <a:xfrm>
+            <a:off x="1435756" y="2185535"/>
+            <a:ext cx="444616" cy="338554"/>
+          </a:xfrm>
+          <a:prstGeom prst="rect">
+            <a:avLst/>
+          </a:prstGeom>
+          <a:noFill/>
+        </p:spPr>
+        <p:txBody>
+          <a:bodyPr wrap="square" rtlCol="0">
+            <a:spAutoFit/>
+          </a:bodyPr>
+          <a:lstStyle/>
+          <a:p>
+            <a:r>
+              <a:rPr lang="zh-CN" altLang="en-US" sz="1600" dirty="0">
+                <a:solidFill>
+                  <a:schemeClr val="bg1">
+                    <a:lumMod val="65000"/>
+                  </a:schemeClr>
+                </a:solidFill>
+                <a:latin typeface="宋体" panose="02010600030101010101" pitchFamily="2" charset="-122"/>
+                <a:ea typeface="宋体" panose="02010600030101010101" pitchFamily="2" charset="-122"/>
+              </a:rPr>
+              <a:t>负</a:t>
+            </a:r>
+          </a:p>
+        </p:txBody>
+      </p:sp>
+      <p:sp>
+        <p:nvSpPr>
+          <p:cNvPr id="66" name="文本框 65">
+            <a:extLst>
+              <a:ext uri="{FF2B5EF4-FFF2-40B4-BE49-F238E27FC236}">
+                <a16:creationId xmlns:a16="http://schemas.microsoft.com/office/drawing/2014/main" id="{BF578254-692E-4BC9-9C78-213414CF817B}"/>
+              </a:ext>
+            </a:extLst>
+          </p:cNvPr>
+          <p:cNvSpPr txBox="1"/>
+          <p:nvPr/>
+        </p:nvSpPr>
+        <p:spPr>
+          <a:xfrm>
+            <a:off x="1435756" y="1473649"/>
+            <a:ext cx="444616" cy="338554"/>
+          </a:xfrm>
+          <a:prstGeom prst="rect">
+            <a:avLst/>
+          </a:prstGeom>
+          <a:noFill/>
+        </p:spPr>
+        <p:txBody>
+          <a:bodyPr wrap="square" rtlCol="0">
+            <a:spAutoFit/>
+          </a:bodyPr>
+          <a:lstStyle/>
+          <a:p>
+            <a:r>
+              <a:rPr lang="zh-CN" altLang="en-US" sz="1600" dirty="0">
+                <a:latin typeface="宋体" panose="02010600030101010101" pitchFamily="2" charset="-122"/>
+                <a:ea typeface="宋体" panose="02010600030101010101" pitchFamily="2" charset="-122"/>
+              </a:rPr>
+              <a:t>正</a:t>
+            </a:r>
+          </a:p>
+        </p:txBody>
+      </p:sp>
+      <p:sp>
+        <p:nvSpPr>
+          <p:cNvPr id="67" name="文本框 66">
+            <a:extLst>
+              <a:ext uri="{FF2B5EF4-FFF2-40B4-BE49-F238E27FC236}">
+                <a16:creationId xmlns:a16="http://schemas.microsoft.com/office/drawing/2014/main" id="{2B9BDBFE-0F24-4009-AD76-6BF66993E7E4}"/>
+              </a:ext>
+            </a:extLst>
+          </p:cNvPr>
+          <p:cNvSpPr txBox="1"/>
+          <p:nvPr/>
+        </p:nvSpPr>
+        <p:spPr>
+          <a:xfrm>
+            <a:off x="1435756" y="762490"/>
+            <a:ext cx="444616" cy="338554"/>
+          </a:xfrm>
+          <a:prstGeom prst="rect">
+            <a:avLst/>
+          </a:prstGeom>
+          <a:noFill/>
+        </p:spPr>
+        <p:txBody>
+          <a:bodyPr wrap="square" rtlCol="0">
+            <a:spAutoFit/>
+          </a:bodyPr>
+          <a:lstStyle/>
+          <a:p>
+            <a:r>
+              <a:rPr lang="zh-CN" altLang="en-US" sz="1600" dirty="0">
+                <a:solidFill>
+                  <a:schemeClr val="bg1">
+                    <a:lumMod val="65000"/>
+                  </a:schemeClr>
+                </a:solidFill>
+                <a:latin typeface="宋体" panose="02010600030101010101" pitchFamily="2" charset="-122"/>
+                <a:ea typeface="宋体" panose="02010600030101010101" pitchFamily="2" charset="-122"/>
+              </a:rPr>
+              <a:t>负</a:t>
+            </a:r>
+          </a:p>
+        </p:txBody>
+      </p:sp>
+      <p:sp>
+        <p:nvSpPr>
+          <p:cNvPr id="69" name="矩形 68">
+            <a:extLst>
+              <a:ext uri="{FF2B5EF4-FFF2-40B4-BE49-F238E27FC236}">
+                <a16:creationId xmlns:a16="http://schemas.microsoft.com/office/drawing/2014/main" id="{B506DA1C-3024-452E-877D-3A09EBCA4DE1}"/>
+              </a:ext>
+            </a:extLst>
+          </p:cNvPr>
+          <p:cNvSpPr/>
+          <p:nvPr/>
+        </p:nvSpPr>
+        <p:spPr>
+          <a:xfrm>
+            <a:off x="2713837" y="3143790"/>
+            <a:ext cx="1015068" cy="285222"/>
+          </a:xfrm>
+          <a:prstGeom prst="rect">
+            <a:avLst/>
+          </a:prstGeom>
+          <a:solidFill>
+            <a:schemeClr val="accent1">
+              <a:lumMod val="50000"/>
+            </a:schemeClr>
+          </a:solidFill>
+          <a:ln>
+            <a:noFill/>
+          </a:ln>
+        </p:spPr>
+        <p:style>
+          <a:lnRef idx="2">
+            <a:schemeClr val="accent1">
+              <a:shade val="50000"/>
+            </a:schemeClr>
+          </a:lnRef>
+          <a:fillRef idx="1">
+            <a:schemeClr val="accent1"/>
+          </a:fillRef>
+          <a:effectRef idx="0">
+            <a:schemeClr val="accent1"/>
+          </a:effectRef>
+          <a:fontRef idx="minor">
+            <a:schemeClr val="lt1"/>
+          </a:fontRef>
+        </p:style>
+        <p:txBody>
+          <a:bodyPr rtlCol="0" anchor="ctr"/>
+          <a:lstStyle/>
+          <a:p>
+            <a:pPr algn="ctr"/>
+            <a:r>
+              <a:rPr lang="zh-CN" altLang="en-US" sz="1600" dirty="0">
+                <a:latin typeface="宋体" panose="02010600030101010101" pitchFamily="2" charset="-122"/>
+                <a:ea typeface="宋体" panose="02010600030101010101" pitchFamily="2" charset="-122"/>
+              </a:rPr>
+              <a:t>正</a:t>
+            </a:r>
+          </a:p>
+        </p:txBody>
+      </p:sp>
+      <p:sp>
+        <p:nvSpPr>
+          <p:cNvPr id="70" name="矩形 69">
+            <a:extLst>
+              <a:ext uri="{FF2B5EF4-FFF2-40B4-BE49-F238E27FC236}">
+                <a16:creationId xmlns:a16="http://schemas.microsoft.com/office/drawing/2014/main" id="{FF4B8CB7-3E89-49EA-94DA-BC9987D178EB}"/>
+              </a:ext>
+            </a:extLst>
+          </p:cNvPr>
+          <p:cNvSpPr/>
+          <p:nvPr/>
+        </p:nvSpPr>
+        <p:spPr>
+          <a:xfrm>
+            <a:off x="4915948" y="3570851"/>
+            <a:ext cx="1015068" cy="1298261"/>
+          </a:xfrm>
+          <a:prstGeom prst="rect">
+            <a:avLst/>
+          </a:prstGeom>
+          <a:solidFill>
+            <a:srgbClr val="C00000"/>
+          </a:solidFill>
+          <a:ln>
+            <a:noFill/>
+          </a:ln>
+        </p:spPr>
+        <p:style>
+          <a:lnRef idx="2">
+            <a:schemeClr val="accent1">
+              <a:shade val="50000"/>
+            </a:schemeClr>
+          </a:lnRef>
+          <a:fillRef idx="1">
+            <a:schemeClr val="accent1"/>
+          </a:fillRef>
+          <a:effectRef idx="0">
+            <a:schemeClr val="accent1"/>
+          </a:effectRef>
+          <a:fontRef idx="minor">
+            <a:schemeClr val="lt1"/>
+          </a:fontRef>
+        </p:style>
+        <p:txBody>
+          <a:bodyPr rtlCol="0" anchor="ctr"/>
+          <a:lstStyle/>
+          <a:p>
+            <a:pPr algn="ctr"/>
+            <a:r>
+              <a:rPr lang="zh-CN" altLang="en-US" sz="1600" dirty="0">
+                <a:latin typeface="宋体" panose="02010600030101010101" pitchFamily="2" charset="-122"/>
+                <a:ea typeface="宋体" panose="02010600030101010101" pitchFamily="2" charset="-122"/>
+              </a:rPr>
+              <a:t>负</a:t>
+            </a:r>
+          </a:p>
+        </p:txBody>
+      </p:sp>
+      <p:sp>
+        <p:nvSpPr>
+          <p:cNvPr id="16" name="矩形 15">
+            <a:extLst>
+              <a:ext uri="{FF2B5EF4-FFF2-40B4-BE49-F238E27FC236}">
+                <a16:creationId xmlns:a16="http://schemas.microsoft.com/office/drawing/2014/main" id="{AD9F7AFD-B640-4F1D-8695-D7AC608848A7}"/>
+              </a:ext>
+            </a:extLst>
+          </p:cNvPr>
+          <p:cNvSpPr/>
+          <p:nvPr/>
+        </p:nvSpPr>
+        <p:spPr>
+          <a:xfrm>
+            <a:off x="2713837" y="2870274"/>
+            <a:ext cx="1015068" cy="285222"/>
+          </a:xfrm>
+          <a:prstGeom prst="rect">
+            <a:avLst/>
+          </a:prstGeom>
+          <a:solidFill>
+            <a:schemeClr val="accent1">
+              <a:lumMod val="75000"/>
+            </a:schemeClr>
+          </a:solidFill>
+          <a:ln>
+            <a:noFill/>
+          </a:ln>
+        </p:spPr>
+        <p:style>
+          <a:lnRef idx="2">
+            <a:schemeClr val="accent1">
+              <a:shade val="50000"/>
+            </a:schemeClr>
+          </a:lnRef>
+          <a:fillRef idx="1">
+            <a:schemeClr val="accent1"/>
+          </a:fillRef>
+          <a:effectRef idx="0">
+            <a:schemeClr val="accent1"/>
+          </a:effectRef>
+          <a:fontRef idx="minor">
+            <a:schemeClr val="lt1"/>
+          </a:fontRef>
+        </p:style>
+        <p:txBody>
+          <a:bodyPr rtlCol="0" anchor="ctr"/>
+          <a:lstStyle/>
+          <a:p>
+            <a:pPr algn="ctr"/>
+            <a:r>
+              <a:rPr lang="zh-CN" altLang="en-US" sz="1600" dirty="0">
+                <a:latin typeface="宋体" panose="02010600030101010101" pitchFamily="2" charset="-122"/>
+                <a:ea typeface="宋体" panose="02010600030101010101" pitchFamily="2" charset="-122"/>
+              </a:rPr>
+              <a:t>正</a:t>
+            </a:r>
+          </a:p>
+        </p:txBody>
+      </p:sp>
+      <p:sp>
+        <p:nvSpPr>
+          <p:cNvPr id="71" name="矩形 70">
+            <a:extLst>
+              <a:ext uri="{FF2B5EF4-FFF2-40B4-BE49-F238E27FC236}">
+                <a16:creationId xmlns:a16="http://schemas.microsoft.com/office/drawing/2014/main" id="{902083B3-3E0A-4994-B2D5-C23B82C06567}"/>
+              </a:ext>
+            </a:extLst>
+          </p:cNvPr>
+          <p:cNvSpPr/>
+          <p:nvPr/>
+        </p:nvSpPr>
+        <p:spPr>
+          <a:xfrm>
+            <a:off x="4915948" y="3036820"/>
+            <a:ext cx="1015068" cy="542419"/>
+          </a:xfrm>
+          <a:prstGeom prst="rect">
+            <a:avLst/>
+          </a:prstGeom>
+          <a:solidFill>
+            <a:schemeClr val="accent1">
+              <a:lumMod val="75000"/>
+            </a:schemeClr>
+          </a:solidFill>
+          <a:ln>
+            <a:noFill/>
+          </a:ln>
+        </p:spPr>
+        <p:style>
+          <a:lnRef idx="2">
+            <a:schemeClr val="accent1">
+              <a:shade val="50000"/>
+            </a:schemeClr>
+          </a:lnRef>
+          <a:fillRef idx="1">
+            <a:schemeClr val="accent1"/>
+          </a:fillRef>
+          <a:effectRef idx="0">
+            <a:schemeClr val="accent1"/>
+          </a:effectRef>
+          <a:fontRef idx="minor">
+            <a:schemeClr val="lt1"/>
+          </a:fontRef>
+        </p:style>
+        <p:txBody>
+          <a:bodyPr rtlCol="0" anchor="ctr"/>
+          <a:lstStyle/>
+          <a:p>
+            <a:pPr algn="ctr"/>
+            <a:r>
+              <a:rPr lang="zh-CN" altLang="en-US" sz="1600" dirty="0">
+                <a:latin typeface="宋体" panose="02010600030101010101" pitchFamily="2" charset="-122"/>
+                <a:ea typeface="宋体" panose="02010600030101010101" pitchFamily="2" charset="-122"/>
+              </a:rPr>
+              <a:t>正</a:t>
+            </a:r>
+          </a:p>
+        </p:txBody>
+      </p:sp>
+      <p:sp>
+        <p:nvSpPr>
+          <p:cNvPr id="72" name="矩形 71">
+            <a:extLst>
+              <a:ext uri="{FF2B5EF4-FFF2-40B4-BE49-F238E27FC236}">
+                <a16:creationId xmlns:a16="http://schemas.microsoft.com/office/drawing/2014/main" id="{967B46DA-70D1-4370-B274-C6B2A91A3225}"/>
+              </a:ext>
+            </a:extLst>
+          </p:cNvPr>
+          <p:cNvSpPr/>
+          <p:nvPr/>
+        </p:nvSpPr>
+        <p:spPr>
+          <a:xfrm>
+            <a:off x="7118057" y="3607654"/>
+            <a:ext cx="1015068" cy="372903"/>
+          </a:xfrm>
+          <a:prstGeom prst="rect">
+            <a:avLst/>
+          </a:prstGeom>
+          <a:solidFill>
+            <a:schemeClr val="accent1">
+              <a:lumMod val="75000"/>
+            </a:schemeClr>
+          </a:solidFill>
+          <a:ln>
+            <a:noFill/>
+          </a:ln>
+        </p:spPr>
+        <p:style>
+          <a:lnRef idx="2">
+            <a:schemeClr val="accent1">
+              <a:shade val="50000"/>
+            </a:schemeClr>
+          </a:lnRef>
+          <a:fillRef idx="1">
+            <a:schemeClr val="accent1"/>
+          </a:fillRef>
+          <a:effectRef idx="0">
+            <a:schemeClr val="accent1"/>
+          </a:effectRef>
+          <a:fontRef idx="minor">
+            <a:schemeClr val="lt1"/>
+          </a:fontRef>
+        </p:style>
+        <p:txBody>
+          <a:bodyPr rtlCol="0" anchor="ctr"/>
+          <a:lstStyle/>
+          <a:p>
+            <a:pPr algn="ctr"/>
+            <a:r>
+              <a:rPr lang="zh-CN" altLang="en-US" sz="1600" dirty="0">
+                <a:latin typeface="宋体" panose="02010600030101010101" pitchFamily="2" charset="-122"/>
+                <a:ea typeface="宋体" panose="02010600030101010101" pitchFamily="2" charset="-122"/>
+              </a:rPr>
+              <a:t>正</a:t>
+            </a:r>
+          </a:p>
+        </p:txBody>
+      </p:sp>
+      <p:sp>
+        <p:nvSpPr>
+          <p:cNvPr id="73" name="矩形 72">
+            <a:extLst>
+              <a:ext uri="{FF2B5EF4-FFF2-40B4-BE49-F238E27FC236}">
+                <a16:creationId xmlns:a16="http://schemas.microsoft.com/office/drawing/2014/main" id="{85022995-95E8-4224-BE8E-7C94AFD3337F}"/>
+              </a:ext>
+            </a:extLst>
+          </p:cNvPr>
+          <p:cNvSpPr/>
+          <p:nvPr/>
+        </p:nvSpPr>
+        <p:spPr>
+          <a:xfrm>
+            <a:off x="7118057" y="3978139"/>
+            <a:ext cx="1015068" cy="890972"/>
+          </a:xfrm>
+          <a:prstGeom prst="rect">
+            <a:avLst/>
+          </a:prstGeom>
+          <a:solidFill>
+            <a:srgbClr val="C00000"/>
+          </a:solidFill>
+          <a:ln>
+            <a:noFill/>
+          </a:ln>
+        </p:spPr>
+        <p:style>
+          <a:lnRef idx="2">
+            <a:schemeClr val="accent1">
+              <a:shade val="50000"/>
+            </a:schemeClr>
+          </a:lnRef>
+          <a:fillRef idx="1">
+            <a:schemeClr val="accent1"/>
+          </a:fillRef>
+          <a:effectRef idx="0">
+            <a:schemeClr val="accent1"/>
+          </a:effectRef>
+          <a:fontRef idx="minor">
+            <a:schemeClr val="lt1"/>
+          </a:fontRef>
+        </p:style>
+        <p:txBody>
+          <a:bodyPr rtlCol="0" anchor="ctr"/>
+          <a:lstStyle/>
+          <a:p>
+            <a:pPr algn="ctr"/>
+            <a:r>
+              <a:rPr lang="zh-CN" altLang="en-US" sz="1600" dirty="0">
+                <a:latin typeface="宋体" panose="02010600030101010101" pitchFamily="2" charset="-122"/>
+                <a:ea typeface="宋体" panose="02010600030101010101" pitchFamily="2" charset="-122"/>
+              </a:rPr>
+              <a:t>负</a:t>
+            </a:r>
+          </a:p>
+        </p:txBody>
+      </p:sp>
+      <p:sp>
+        <p:nvSpPr>
+          <p:cNvPr id="74" name="矩形 73">
+            <a:extLst>
+              <a:ext uri="{FF2B5EF4-FFF2-40B4-BE49-F238E27FC236}">
+                <a16:creationId xmlns:a16="http://schemas.microsoft.com/office/drawing/2014/main" id="{FB432138-64CC-4C2F-A169-F9E270048801}"/>
+              </a:ext>
+            </a:extLst>
+          </p:cNvPr>
+          <p:cNvSpPr/>
+          <p:nvPr/>
+        </p:nvSpPr>
+        <p:spPr>
+          <a:xfrm>
+            <a:off x="9320166" y="3601784"/>
+            <a:ext cx="1015068" cy="1267327"/>
+          </a:xfrm>
+          <a:prstGeom prst="rect">
+            <a:avLst/>
+          </a:prstGeom>
+          <a:solidFill>
+            <a:srgbClr val="C00000"/>
+          </a:solidFill>
+          <a:ln>
+            <a:noFill/>
+          </a:ln>
+        </p:spPr>
+        <p:style>
+          <a:lnRef idx="2">
+            <a:schemeClr val="accent1">
+              <a:shade val="50000"/>
+            </a:schemeClr>
+          </a:lnRef>
+          <a:fillRef idx="1">
+            <a:schemeClr val="accent1"/>
+          </a:fillRef>
+          <a:effectRef idx="0">
+            <a:schemeClr val="accent1"/>
+          </a:effectRef>
+          <a:fontRef idx="minor">
+            <a:schemeClr val="lt1"/>
+          </a:fontRef>
+        </p:style>
+        <p:txBody>
+          <a:bodyPr rtlCol="0" anchor="ctr"/>
+          <a:lstStyle/>
+          <a:p>
+            <a:pPr algn="ctr"/>
+            <a:r>
+              <a:rPr lang="zh-CN" altLang="en-US" sz="1600" dirty="0">
+                <a:latin typeface="宋体" panose="02010600030101010101" pitchFamily="2" charset="-122"/>
+                <a:ea typeface="宋体" panose="02010600030101010101" pitchFamily="2" charset="-122"/>
+              </a:rPr>
+              <a:t>负</a:t>
+            </a:r>
+          </a:p>
+        </p:txBody>
+      </p:sp>
+      <p:sp>
+        <p:nvSpPr>
+          <p:cNvPr id="75" name="矩形 74">
+            <a:extLst>
+              <a:ext uri="{FF2B5EF4-FFF2-40B4-BE49-F238E27FC236}">
+                <a16:creationId xmlns:a16="http://schemas.microsoft.com/office/drawing/2014/main" id="{D2742E40-C645-4B62-B754-13384E937A8D}"/>
+              </a:ext>
+            </a:extLst>
+          </p:cNvPr>
+          <p:cNvSpPr/>
+          <p:nvPr/>
+        </p:nvSpPr>
+        <p:spPr>
+          <a:xfrm>
+            <a:off x="9320166" y="2303523"/>
+            <a:ext cx="1015068" cy="1298261"/>
+          </a:xfrm>
+          <a:prstGeom prst="rect">
+            <a:avLst/>
+          </a:prstGeom>
+          <a:solidFill>
+            <a:srgbClr val="FF0000"/>
+          </a:solidFill>
+          <a:ln>
+            <a:noFill/>
+          </a:ln>
+        </p:spPr>
+        <p:style>
+          <a:lnRef idx="2">
+            <a:schemeClr val="accent1">
+              <a:shade val="50000"/>
+            </a:schemeClr>
+          </a:lnRef>
+          <a:fillRef idx="1">
+            <a:schemeClr val="accent1"/>
+          </a:fillRef>
+          <a:effectRef idx="0">
+            <a:schemeClr val="accent1"/>
+          </a:effectRef>
+          <a:fontRef idx="minor">
+            <a:schemeClr val="lt1"/>
+          </a:fontRef>
+        </p:style>
+        <p:txBody>
+          <a:bodyPr rtlCol="0" anchor="ctr"/>
+          <a:lstStyle/>
+          <a:p>
+            <a:pPr algn="ctr"/>
+            <a:r>
+              <a:rPr lang="zh-CN" altLang="en-US" sz="1600" dirty="0">
+                <a:latin typeface="宋体" panose="02010600030101010101" pitchFamily="2" charset="-122"/>
+                <a:ea typeface="宋体" panose="02010600030101010101" pitchFamily="2" charset="-122"/>
+              </a:rPr>
+              <a:t>负</a:t>
+            </a:r>
+          </a:p>
+        </p:txBody>
+      </p:sp>
+      <p:sp>
+        <p:nvSpPr>
+          <p:cNvPr id="23" name="文本框 22">
+            <a:extLst>
+              <a:ext uri="{FF2B5EF4-FFF2-40B4-BE49-F238E27FC236}">
+                <a16:creationId xmlns:a16="http://schemas.microsoft.com/office/drawing/2014/main" id="{420020F8-346F-4081-A7F5-4426892AD3AE}"/>
+              </a:ext>
+            </a:extLst>
+          </p:cNvPr>
+          <p:cNvSpPr txBox="1"/>
+          <p:nvPr/>
+        </p:nvSpPr>
+        <p:spPr>
+          <a:xfrm>
+            <a:off x="2709642" y="1329933"/>
+            <a:ext cx="1019263" cy="338554"/>
+          </a:xfrm>
+          <a:prstGeom prst="rect">
+            <a:avLst/>
+          </a:prstGeom>
+          <a:noFill/>
+        </p:spPr>
+        <p:txBody>
+          <a:bodyPr wrap="square" rtlCol="0">
+            <a:spAutoFit/>
+          </a:bodyPr>
+          <a:lstStyle/>
+          <a:p>
+            <a:r>
+              <a:rPr lang="zh-CN" altLang="en-US" sz="1600" dirty="0">
+                <a:latin typeface="宋体" panose="02010600030101010101" pitchFamily="2" charset="-122"/>
+                <a:ea typeface="宋体" panose="02010600030101010101" pitchFamily="2" charset="-122"/>
+              </a:rPr>
+              <a:t>正正得正</a:t>
+            </a:r>
+          </a:p>
+        </p:txBody>
+      </p:sp>
+      <p:sp>
+        <p:nvSpPr>
+          <p:cNvPr id="76" name="文本框 75">
+            <a:extLst>
+              <a:ext uri="{FF2B5EF4-FFF2-40B4-BE49-F238E27FC236}">
+                <a16:creationId xmlns:a16="http://schemas.microsoft.com/office/drawing/2014/main" id="{F8CE17DB-F61F-4A58-A0C2-5E202B42D5AF}"/>
+              </a:ext>
+            </a:extLst>
+          </p:cNvPr>
+          <p:cNvSpPr txBox="1"/>
+          <p:nvPr/>
+        </p:nvSpPr>
+        <p:spPr>
+          <a:xfrm>
+            <a:off x="4913850" y="1341639"/>
+            <a:ext cx="1019263" cy="338554"/>
+          </a:xfrm>
+          <a:prstGeom prst="rect">
+            <a:avLst/>
+          </a:prstGeom>
+          <a:noFill/>
+        </p:spPr>
+        <p:txBody>
+          <a:bodyPr wrap="square" rtlCol="0">
+            <a:spAutoFit/>
+          </a:bodyPr>
+          <a:lstStyle/>
+          <a:p>
+            <a:r>
+              <a:rPr lang="zh-CN" altLang="en-US" sz="1600" dirty="0">
+                <a:latin typeface="宋体" panose="02010600030101010101" pitchFamily="2" charset="-122"/>
+                <a:ea typeface="宋体" panose="02010600030101010101" pitchFamily="2" charset="-122"/>
+              </a:rPr>
+              <a:t>正负得正</a:t>
+            </a:r>
+          </a:p>
+        </p:txBody>
+      </p:sp>
+      <p:sp>
+        <p:nvSpPr>
+          <p:cNvPr id="77" name="文本框 76">
+            <a:extLst>
+              <a:ext uri="{FF2B5EF4-FFF2-40B4-BE49-F238E27FC236}">
+                <a16:creationId xmlns:a16="http://schemas.microsoft.com/office/drawing/2014/main" id="{15B490EB-3C13-400A-9F9B-9E3EB110D083}"/>
+              </a:ext>
+            </a:extLst>
+          </p:cNvPr>
+          <p:cNvSpPr txBox="1"/>
+          <p:nvPr/>
+        </p:nvSpPr>
+        <p:spPr>
+          <a:xfrm>
+            <a:off x="7113862" y="1329933"/>
+            <a:ext cx="1019263" cy="338554"/>
+          </a:xfrm>
+          <a:prstGeom prst="rect">
+            <a:avLst/>
+          </a:prstGeom>
+          <a:noFill/>
+        </p:spPr>
+        <p:txBody>
+          <a:bodyPr wrap="square" rtlCol="0">
+            <a:spAutoFit/>
+          </a:bodyPr>
+          <a:lstStyle/>
+          <a:p>
+            <a:r>
+              <a:rPr lang="zh-CN" altLang="en-US" sz="1600" dirty="0">
+                <a:latin typeface="宋体" panose="02010600030101010101" pitchFamily="2" charset="-122"/>
+                <a:ea typeface="宋体" panose="02010600030101010101" pitchFamily="2" charset="-122"/>
+              </a:rPr>
+              <a:t>正负得负</a:t>
+            </a:r>
+          </a:p>
+        </p:txBody>
+      </p:sp>
+      <p:sp>
+        <p:nvSpPr>
+          <p:cNvPr id="78" name="文本框 77">
+            <a:extLst>
+              <a:ext uri="{FF2B5EF4-FFF2-40B4-BE49-F238E27FC236}">
+                <a16:creationId xmlns:a16="http://schemas.microsoft.com/office/drawing/2014/main" id="{7471CAAA-053B-47FB-8F67-E29A94EF13D1}"/>
+              </a:ext>
+            </a:extLst>
+          </p:cNvPr>
+          <p:cNvSpPr txBox="1"/>
+          <p:nvPr/>
+        </p:nvSpPr>
+        <p:spPr>
+          <a:xfrm>
+            <a:off x="9313874" y="1341639"/>
+            <a:ext cx="1019263" cy="338554"/>
+          </a:xfrm>
+          <a:prstGeom prst="rect">
+            <a:avLst/>
+          </a:prstGeom>
+          <a:noFill/>
+        </p:spPr>
+        <p:txBody>
+          <a:bodyPr wrap="square" rtlCol="0">
+            <a:spAutoFit/>
+          </a:bodyPr>
+          <a:lstStyle/>
+          <a:p>
+            <a:r>
+              <a:rPr lang="zh-CN" altLang="en-US" sz="1600" dirty="0">
+                <a:latin typeface="宋体" panose="02010600030101010101" pitchFamily="2" charset="-122"/>
+                <a:ea typeface="宋体" panose="02010600030101010101" pitchFamily="2" charset="-122"/>
+              </a:rPr>
+              <a:t>负负得负</a:t>
+            </a:r>
+          </a:p>
+        </p:txBody>
+      </p:sp>
+    </p:spTree>
+    <p:extLst>
+      <p:ext uri="{BB962C8B-B14F-4D97-AF65-F5344CB8AC3E}">
+        <p14:creationId xmlns:p14="http://schemas.microsoft.com/office/powerpoint/2010/main" val="1930609681"/>
+      </p:ext>
+    </p:extLst>
+  </p:cSld>
+  <p:clrMapOvr>
+    <a:masterClrMapping/>
+  </p:clrMapOvr>
+</p:sld>
+</file>
+
 <file path=ppt/theme/theme1.xml><?xml version="1.0" encoding="utf-8"?>
 <a:theme xmlns:a="http://schemas.openxmlformats.org/drawingml/2006/main" name="Office 主题​​">
   <a:themeElements>

--- a/img/plot.pptx
+++ b/img/plot.pptx
@@ -10,6 +10,7 @@
     <p:sldId id="258" r:id="rId4"/>
     <p:sldId id="259" r:id="rId5"/>
     <p:sldId id="260" r:id="rId6"/>
+    <p:sldId id="261" r:id="rId7"/>
   </p:sldIdLst>
   <p:sldSz cx="12192000" cy="6858000"/>
   <p:notesSz cx="6858000" cy="9144000"/>
@@ -263,7 +264,7 @@
           <a:p>
             <a:fld id="{B654FC95-7D04-4169-8BD3-25ECC6121B6D}" type="datetimeFigureOut">
               <a:rPr lang="zh-CN" altLang="en-US" smtClean="0"/>
-              <a:t>2019/9/1</a:t>
+              <a:t>2019/11/8</a:t>
             </a:fld>
             <a:endParaRPr lang="zh-CN" altLang="en-US"/>
           </a:p>
@@ -461,7 +462,7 @@
           <a:p>
             <a:fld id="{B654FC95-7D04-4169-8BD3-25ECC6121B6D}" type="datetimeFigureOut">
               <a:rPr lang="zh-CN" altLang="en-US" smtClean="0"/>
-              <a:t>2019/9/1</a:t>
+              <a:t>2019/11/8</a:t>
             </a:fld>
             <a:endParaRPr lang="zh-CN" altLang="en-US"/>
           </a:p>
@@ -669,7 +670,7 @@
           <a:p>
             <a:fld id="{B654FC95-7D04-4169-8BD3-25ECC6121B6D}" type="datetimeFigureOut">
               <a:rPr lang="zh-CN" altLang="en-US" smtClean="0"/>
-              <a:t>2019/9/1</a:t>
+              <a:t>2019/11/8</a:t>
             </a:fld>
             <a:endParaRPr lang="zh-CN" altLang="en-US"/>
           </a:p>
@@ -867,7 +868,7 @@
           <a:p>
             <a:fld id="{B654FC95-7D04-4169-8BD3-25ECC6121B6D}" type="datetimeFigureOut">
               <a:rPr lang="zh-CN" altLang="en-US" smtClean="0"/>
-              <a:t>2019/9/1</a:t>
+              <a:t>2019/11/8</a:t>
             </a:fld>
             <a:endParaRPr lang="zh-CN" altLang="en-US"/>
           </a:p>
@@ -1142,7 +1143,7 @@
           <a:p>
             <a:fld id="{B654FC95-7D04-4169-8BD3-25ECC6121B6D}" type="datetimeFigureOut">
               <a:rPr lang="zh-CN" altLang="en-US" smtClean="0"/>
-              <a:t>2019/9/1</a:t>
+              <a:t>2019/11/8</a:t>
             </a:fld>
             <a:endParaRPr lang="zh-CN" altLang="en-US"/>
           </a:p>
@@ -1407,7 +1408,7 @@
           <a:p>
             <a:fld id="{B654FC95-7D04-4169-8BD3-25ECC6121B6D}" type="datetimeFigureOut">
               <a:rPr lang="zh-CN" altLang="en-US" smtClean="0"/>
-              <a:t>2019/9/1</a:t>
+              <a:t>2019/11/8</a:t>
             </a:fld>
             <a:endParaRPr lang="zh-CN" altLang="en-US"/>
           </a:p>
@@ -1819,7 +1820,7 @@
           <a:p>
             <a:fld id="{B654FC95-7D04-4169-8BD3-25ECC6121B6D}" type="datetimeFigureOut">
               <a:rPr lang="zh-CN" altLang="en-US" smtClean="0"/>
-              <a:t>2019/9/1</a:t>
+              <a:t>2019/11/8</a:t>
             </a:fld>
             <a:endParaRPr lang="zh-CN" altLang="en-US"/>
           </a:p>
@@ -1960,7 +1961,7 @@
           <a:p>
             <a:fld id="{B654FC95-7D04-4169-8BD3-25ECC6121B6D}" type="datetimeFigureOut">
               <a:rPr lang="zh-CN" altLang="en-US" smtClean="0"/>
-              <a:t>2019/9/1</a:t>
+              <a:t>2019/11/8</a:t>
             </a:fld>
             <a:endParaRPr lang="zh-CN" altLang="en-US"/>
           </a:p>
@@ -2073,7 +2074,7 @@
           <a:p>
             <a:fld id="{B654FC95-7D04-4169-8BD3-25ECC6121B6D}" type="datetimeFigureOut">
               <a:rPr lang="zh-CN" altLang="en-US" smtClean="0"/>
-              <a:t>2019/9/1</a:t>
+              <a:t>2019/11/8</a:t>
             </a:fld>
             <a:endParaRPr lang="zh-CN" altLang="en-US"/>
           </a:p>
@@ -2384,7 +2385,7 @@
           <a:p>
             <a:fld id="{B654FC95-7D04-4169-8BD3-25ECC6121B6D}" type="datetimeFigureOut">
               <a:rPr lang="zh-CN" altLang="en-US" smtClean="0"/>
-              <a:t>2019/9/1</a:t>
+              <a:t>2019/11/8</a:t>
             </a:fld>
             <a:endParaRPr lang="zh-CN" altLang="en-US"/>
           </a:p>
@@ -2672,7 +2673,7 @@
           <a:p>
             <a:fld id="{B654FC95-7D04-4169-8BD3-25ECC6121B6D}" type="datetimeFigureOut">
               <a:rPr lang="zh-CN" altLang="en-US" smtClean="0"/>
-              <a:t>2019/9/1</a:t>
+              <a:t>2019/11/8</a:t>
             </a:fld>
             <a:endParaRPr lang="zh-CN" altLang="en-US"/>
           </a:p>
@@ -2913,7 +2914,7 @@
           <a:p>
             <a:fld id="{B654FC95-7D04-4169-8BD3-25ECC6121B6D}" type="datetimeFigureOut">
               <a:rPr lang="zh-CN" altLang="en-US" smtClean="0"/>
-              <a:t>2019/9/1</a:t>
+              <a:t>2019/11/8</a:t>
             </a:fld>
             <a:endParaRPr lang="zh-CN" altLang="en-US"/>
           </a:p>
@@ -7919,6 +7920,768 @@
 </p:sld>
 </file>
 
+<file path=ppt/slides/slide6.xml><?xml version="1.0" encoding="utf-8"?>
+<p:sld xmlns:a="http://schemas.openxmlformats.org/drawingml/2006/main" xmlns:r="http://schemas.openxmlformats.org/officeDocument/2006/relationships" xmlns:p="http://schemas.openxmlformats.org/presentationml/2006/main">
+  <p:cSld>
+    <p:spTree>
+      <p:nvGrpSpPr>
+        <p:cNvPr id="1" name=""/>
+        <p:cNvGrpSpPr/>
+        <p:nvPr/>
+      </p:nvGrpSpPr>
+      <p:grpSpPr>
+        <a:xfrm>
+          <a:off x="0" y="0"/>
+          <a:ext cx="0" cy="0"/>
+          <a:chOff x="0" y="0"/>
+          <a:chExt cx="0" cy="0"/>
+        </a:xfrm>
+      </p:grpSpPr>
+      <p:sp>
+        <p:nvSpPr>
+          <p:cNvPr id="15" name="文本框 14">
+            <a:extLst>
+              <a:ext uri="{FF2B5EF4-FFF2-40B4-BE49-F238E27FC236}">
+                <a16:creationId xmlns:a16="http://schemas.microsoft.com/office/drawing/2014/main" id="{B8679BC0-AD18-43E0-9FEF-EECD8ECBF163}"/>
+              </a:ext>
+            </a:extLst>
+          </p:cNvPr>
+          <p:cNvSpPr txBox="1"/>
+          <p:nvPr/>
+        </p:nvSpPr>
+        <p:spPr>
+          <a:xfrm>
+            <a:off x="3853619" y="2647381"/>
+            <a:ext cx="836624" cy="369332"/>
+          </a:xfrm>
+          <a:prstGeom prst="rect">
+            <a:avLst/>
+          </a:prstGeom>
+          <a:noFill/>
+        </p:spPr>
+        <p:txBody>
+          <a:bodyPr wrap="square" rtlCol="0">
+            <a:spAutoFit/>
+          </a:bodyPr>
+          <a:lstStyle/>
+          <a:p>
+            <a:r>
+              <a:rPr lang="en-US" altLang="zh-CN" dirty="0">
+                <a:latin typeface="Times New Roman" panose="02020603050405020304" pitchFamily="18" charset="0"/>
+                <a:cs typeface="Times New Roman" panose="02020603050405020304" pitchFamily="18" charset="0"/>
+              </a:rPr>
+              <a:t>Tensor</a:t>
+            </a:r>
+            <a:endParaRPr lang="zh-CN" altLang="en-US" dirty="0">
+              <a:latin typeface="Times New Roman" panose="02020603050405020304" pitchFamily="18" charset="0"/>
+              <a:cs typeface="Times New Roman" panose="02020603050405020304" pitchFamily="18" charset="0"/>
+            </a:endParaRPr>
+          </a:p>
+        </p:txBody>
+      </p:sp>
+      <p:sp>
+        <p:nvSpPr>
+          <p:cNvPr id="17" name="文本框 16">
+            <a:extLst>
+              <a:ext uri="{FF2B5EF4-FFF2-40B4-BE49-F238E27FC236}">
+                <a16:creationId xmlns:a16="http://schemas.microsoft.com/office/drawing/2014/main" id="{C080F28A-E192-4B0E-BACF-60145CDFD50F}"/>
+              </a:ext>
+            </a:extLst>
+          </p:cNvPr>
+          <p:cNvSpPr txBox="1"/>
+          <p:nvPr/>
+        </p:nvSpPr>
+        <p:spPr>
+          <a:xfrm>
+            <a:off x="2564875" y="3440211"/>
+            <a:ext cx="738001" cy="369332"/>
+          </a:xfrm>
+          <a:prstGeom prst="rect">
+            <a:avLst/>
+          </a:prstGeom>
+          <a:noFill/>
+        </p:spPr>
+        <p:txBody>
+          <a:bodyPr wrap="square" rtlCol="0">
+            <a:spAutoFit/>
+          </a:bodyPr>
+          <a:lstStyle/>
+          <a:p>
+            <a:r>
+              <a:rPr lang="en-US" altLang="zh-CN" dirty="0">
+                <a:latin typeface="Times New Roman" panose="02020603050405020304" pitchFamily="18" charset="0"/>
+                <a:cs typeface="Times New Roman" panose="02020603050405020304" pitchFamily="18" charset="0"/>
+              </a:rPr>
+              <a:t>Index</a:t>
+            </a:r>
+            <a:endParaRPr lang="zh-CN" altLang="en-US" dirty="0">
+              <a:latin typeface="Times New Roman" panose="02020603050405020304" pitchFamily="18" charset="0"/>
+              <a:cs typeface="Times New Roman" panose="02020603050405020304" pitchFamily="18" charset="0"/>
+            </a:endParaRPr>
+          </a:p>
+        </p:txBody>
+      </p:sp>
+      <p:sp>
+        <p:nvSpPr>
+          <p:cNvPr id="20" name="矩形 19">
+            <a:extLst>
+              <a:ext uri="{FF2B5EF4-FFF2-40B4-BE49-F238E27FC236}">
+                <a16:creationId xmlns:a16="http://schemas.microsoft.com/office/drawing/2014/main" id="{37BDB7E9-6284-45D7-808C-01BD8356D21A}"/>
+              </a:ext>
+            </a:extLst>
+          </p:cNvPr>
+          <p:cNvSpPr/>
+          <p:nvPr/>
+        </p:nvSpPr>
+        <p:spPr>
+          <a:xfrm>
+            <a:off x="1361967" y="2903517"/>
+            <a:ext cx="1279284" cy="1442720"/>
+          </a:xfrm>
+          <a:prstGeom prst="rect">
+            <a:avLst/>
+          </a:prstGeom>
+          <a:pattFill prst="lgGrid">
+            <a:fgClr>
+              <a:schemeClr val="accent1"/>
+            </a:fgClr>
+            <a:bgClr>
+              <a:schemeClr val="bg1"/>
+            </a:bgClr>
+          </a:pattFill>
+          <a:ln cmpd="sng">
+            <a:solidFill>
+              <a:schemeClr val="bg2">
+                <a:lumMod val="50000"/>
+                <a:alpha val="50000"/>
+              </a:schemeClr>
+            </a:solidFill>
+            <a:prstDash val="solid"/>
+          </a:ln>
+          <a:scene3d>
+            <a:camera prst="isometricLeftDown"/>
+            <a:lightRig rig="threePt" dir="t"/>
+          </a:scene3d>
+          <a:sp3d extrusionH="3810000"/>
+        </p:spPr>
+        <p:style>
+          <a:lnRef idx="2">
+            <a:schemeClr val="accent1">
+              <a:shade val="50000"/>
+            </a:schemeClr>
+          </a:lnRef>
+          <a:fillRef idx="1">
+            <a:schemeClr val="accent1"/>
+          </a:fillRef>
+          <a:effectRef idx="0">
+            <a:schemeClr val="accent1"/>
+          </a:effectRef>
+          <a:fontRef idx="minor">
+            <a:schemeClr val="lt1"/>
+          </a:fontRef>
+        </p:style>
+        <p:txBody>
+          <a:bodyPr rtlCol="0" anchor="ctr"/>
+          <a:lstStyle/>
+          <a:p>
+            <a:pPr algn="ctr"/>
+            <a:endParaRPr lang="zh-CN" altLang="en-US" dirty="0"/>
+          </a:p>
+        </p:txBody>
+      </p:sp>
+      <p:sp>
+        <p:nvSpPr>
+          <p:cNvPr id="21" name="矩形 20">
+            <a:extLst>
+              <a:ext uri="{FF2B5EF4-FFF2-40B4-BE49-F238E27FC236}">
+                <a16:creationId xmlns:a16="http://schemas.microsoft.com/office/drawing/2014/main" id="{F9CF63E0-9368-44AA-A674-FB116F36AF36}"/>
+              </a:ext>
+            </a:extLst>
+          </p:cNvPr>
+          <p:cNvSpPr/>
+          <p:nvPr/>
+        </p:nvSpPr>
+        <p:spPr>
+          <a:xfrm>
+            <a:off x="1361967" y="2903517"/>
+            <a:ext cx="1279284" cy="1442720"/>
+          </a:xfrm>
+          <a:prstGeom prst="rect">
+            <a:avLst/>
+          </a:prstGeom>
+          <a:pattFill prst="lgGrid">
+            <a:fgClr>
+              <a:srgbClr val="C00000"/>
+            </a:fgClr>
+            <a:bgClr>
+              <a:schemeClr val="bg1"/>
+            </a:bgClr>
+          </a:pattFill>
+          <a:ln cmpd="sng">
+            <a:solidFill>
+              <a:schemeClr val="bg2">
+                <a:lumMod val="50000"/>
+                <a:alpha val="0"/>
+              </a:schemeClr>
+            </a:solidFill>
+            <a:prstDash val="solid"/>
+          </a:ln>
+          <a:scene3d>
+            <a:camera prst="isometricLeftDown"/>
+            <a:lightRig rig="threePt" dir="t"/>
+          </a:scene3d>
+          <a:sp3d extrusionH="1270000"/>
+        </p:spPr>
+        <p:style>
+          <a:lnRef idx="2">
+            <a:schemeClr val="accent1">
+              <a:shade val="50000"/>
+            </a:schemeClr>
+          </a:lnRef>
+          <a:fillRef idx="1">
+            <a:schemeClr val="accent1"/>
+          </a:fillRef>
+          <a:effectRef idx="0">
+            <a:schemeClr val="accent1"/>
+          </a:effectRef>
+          <a:fontRef idx="minor">
+            <a:schemeClr val="lt1"/>
+          </a:fontRef>
+        </p:style>
+        <p:txBody>
+          <a:bodyPr rtlCol="0" anchor="ctr"/>
+          <a:lstStyle/>
+          <a:p>
+            <a:pPr algn="ctr"/>
+            <a:endParaRPr lang="zh-CN" altLang="en-US" dirty="0"/>
+          </a:p>
+        </p:txBody>
+      </p:sp>
+      <p:sp>
+        <p:nvSpPr>
+          <p:cNvPr id="22" name="矩形 21">
+            <a:extLst>
+              <a:ext uri="{FF2B5EF4-FFF2-40B4-BE49-F238E27FC236}">
+                <a16:creationId xmlns:a16="http://schemas.microsoft.com/office/drawing/2014/main" id="{53E01749-3CD2-406C-8E6A-1239E1E48B9E}"/>
+              </a:ext>
+            </a:extLst>
+          </p:cNvPr>
+          <p:cNvSpPr/>
+          <p:nvPr/>
+        </p:nvSpPr>
+        <p:spPr>
+          <a:xfrm>
+            <a:off x="6462811" y="2903517"/>
+            <a:ext cx="1279284" cy="1442720"/>
+          </a:xfrm>
+          <a:prstGeom prst="rect">
+            <a:avLst/>
+          </a:prstGeom>
+          <a:pattFill prst="lgGrid">
+            <a:fgClr>
+              <a:schemeClr val="accent1"/>
+            </a:fgClr>
+            <a:bgClr>
+              <a:schemeClr val="bg1"/>
+            </a:bgClr>
+          </a:pattFill>
+          <a:ln cmpd="sng">
+            <a:solidFill>
+              <a:schemeClr val="bg2">
+                <a:lumMod val="50000"/>
+                <a:alpha val="50000"/>
+              </a:schemeClr>
+            </a:solidFill>
+            <a:prstDash val="solid"/>
+          </a:ln>
+          <a:scene3d>
+            <a:camera prst="isometricLeftDown"/>
+            <a:lightRig rig="threePt" dir="t"/>
+          </a:scene3d>
+          <a:sp3d extrusionH="3810000"/>
+        </p:spPr>
+        <p:style>
+          <a:lnRef idx="2">
+            <a:schemeClr val="accent1">
+              <a:shade val="50000"/>
+            </a:schemeClr>
+          </a:lnRef>
+          <a:fillRef idx="1">
+            <a:schemeClr val="accent1"/>
+          </a:fillRef>
+          <a:effectRef idx="0">
+            <a:schemeClr val="accent1"/>
+          </a:effectRef>
+          <a:fontRef idx="minor">
+            <a:schemeClr val="lt1"/>
+          </a:fontRef>
+        </p:style>
+        <p:txBody>
+          <a:bodyPr rtlCol="0" anchor="ctr"/>
+          <a:lstStyle/>
+          <a:p>
+            <a:pPr algn="ctr"/>
+            <a:endParaRPr lang="zh-CN" altLang="en-US" dirty="0"/>
+          </a:p>
+        </p:txBody>
+      </p:sp>
+      <p:sp>
+        <p:nvSpPr>
+          <p:cNvPr id="23" name="矩形 22">
+            <a:extLst>
+              <a:ext uri="{FF2B5EF4-FFF2-40B4-BE49-F238E27FC236}">
+                <a16:creationId xmlns:a16="http://schemas.microsoft.com/office/drawing/2014/main" id="{C22C4D08-29B8-4F40-A2DA-4C444819B02E}"/>
+              </a:ext>
+            </a:extLst>
+          </p:cNvPr>
+          <p:cNvSpPr/>
+          <p:nvPr/>
+        </p:nvSpPr>
+        <p:spPr>
+          <a:xfrm>
+            <a:off x="6462811" y="2903517"/>
+            <a:ext cx="1279284" cy="1442720"/>
+          </a:xfrm>
+          <a:prstGeom prst="rect">
+            <a:avLst/>
+          </a:prstGeom>
+          <a:pattFill prst="lgGrid">
+            <a:fgClr>
+              <a:srgbClr val="C00000"/>
+            </a:fgClr>
+            <a:bgClr>
+              <a:schemeClr val="bg1"/>
+            </a:bgClr>
+          </a:pattFill>
+          <a:ln cmpd="sng">
+            <a:solidFill>
+              <a:schemeClr val="bg2">
+                <a:lumMod val="50000"/>
+                <a:alpha val="0"/>
+              </a:schemeClr>
+            </a:solidFill>
+            <a:prstDash val="solid"/>
+          </a:ln>
+          <a:scene3d>
+            <a:camera prst="isometricLeftDown"/>
+            <a:lightRig rig="threePt" dir="t"/>
+          </a:scene3d>
+          <a:sp3d extrusionH="127000"/>
+        </p:spPr>
+        <p:style>
+          <a:lnRef idx="2">
+            <a:schemeClr val="accent1">
+              <a:shade val="50000"/>
+            </a:schemeClr>
+          </a:lnRef>
+          <a:fillRef idx="1">
+            <a:schemeClr val="accent1"/>
+          </a:fillRef>
+          <a:effectRef idx="0">
+            <a:schemeClr val="accent1"/>
+          </a:effectRef>
+          <a:fontRef idx="minor">
+            <a:schemeClr val="lt1"/>
+          </a:fontRef>
+        </p:style>
+        <p:txBody>
+          <a:bodyPr rtlCol="0" anchor="ctr"/>
+          <a:lstStyle/>
+          <a:p>
+            <a:pPr algn="ctr"/>
+            <a:endParaRPr lang="zh-CN" altLang="en-US" dirty="0"/>
+          </a:p>
+        </p:txBody>
+      </p:sp>
+      <p:grpSp>
+        <p:nvGrpSpPr>
+          <p:cNvPr id="29" name="组合 28">
+            <a:extLst>
+              <a:ext uri="{FF2B5EF4-FFF2-40B4-BE49-F238E27FC236}">
+                <a16:creationId xmlns:a16="http://schemas.microsoft.com/office/drawing/2014/main" id="{F33C88F0-8531-4A67-8A08-C538CB2109DD}"/>
+              </a:ext>
+            </a:extLst>
+          </p:cNvPr>
+          <p:cNvGrpSpPr/>
+          <p:nvPr/>
+        </p:nvGrpSpPr>
+        <p:grpSpPr>
+          <a:xfrm>
+            <a:off x="6612934" y="1385228"/>
+            <a:ext cx="1894840" cy="1097280"/>
+            <a:chOff x="5643354" y="909128"/>
+            <a:chExt cx="1894840" cy="1097280"/>
+          </a:xfrm>
+        </p:grpSpPr>
+        <p:cxnSp>
+          <p:nvCxnSpPr>
+            <p:cNvPr id="27" name="直接箭头连接符 26">
+              <a:extLst>
+                <a:ext uri="{FF2B5EF4-FFF2-40B4-BE49-F238E27FC236}">
+                  <a16:creationId xmlns:a16="http://schemas.microsoft.com/office/drawing/2014/main" id="{2760089C-56CB-43CE-B0F6-2B70788F942D}"/>
+                </a:ext>
+              </a:extLst>
+            </p:cNvPr>
+            <p:cNvCxnSpPr>
+              <a:cxnSpLocks/>
+            </p:cNvCxnSpPr>
+            <p:nvPr/>
+          </p:nvCxnSpPr>
+          <p:spPr>
+            <a:xfrm flipV="1">
+              <a:off x="5643354" y="909128"/>
+              <a:ext cx="1894840" cy="1097280"/>
+            </a:xfrm>
+            <a:prstGeom prst="straightConnector1">
+              <a:avLst/>
+            </a:prstGeom>
+            <a:ln>
+              <a:tailEnd type="triangle"/>
+            </a:ln>
+          </p:spPr>
+          <p:style>
+            <a:lnRef idx="1">
+              <a:schemeClr val="dk1"/>
+            </a:lnRef>
+            <a:fillRef idx="0">
+              <a:schemeClr val="dk1"/>
+            </a:fillRef>
+            <a:effectRef idx="0">
+              <a:schemeClr val="dk1"/>
+            </a:effectRef>
+            <a:fontRef idx="minor">
+              <a:schemeClr val="tx1"/>
+            </a:fontRef>
+          </p:style>
+        </p:cxnSp>
+        <p:sp>
+          <p:nvSpPr>
+            <p:cNvPr id="28" name="文本框 27">
+              <a:extLst>
+                <a:ext uri="{FF2B5EF4-FFF2-40B4-BE49-F238E27FC236}">
+                  <a16:creationId xmlns:a16="http://schemas.microsoft.com/office/drawing/2014/main" id="{5F0AECDC-6ADA-41B3-99BC-6CC5B127C419}"/>
+                </a:ext>
+              </a:extLst>
+            </p:cNvPr>
+            <p:cNvSpPr txBox="1"/>
+            <p:nvPr/>
+          </p:nvSpPr>
+          <p:spPr>
+            <a:xfrm>
+              <a:off x="5991772" y="1033256"/>
+              <a:ext cx="669947" cy="369332"/>
+            </a:xfrm>
+            <a:prstGeom prst="rect">
+              <a:avLst/>
+            </a:prstGeom>
+            <a:noFill/>
+          </p:spPr>
+          <p:txBody>
+            <a:bodyPr wrap="square" rtlCol="0">
+              <a:spAutoFit/>
+            </a:bodyPr>
+            <a:lstStyle/>
+            <a:p>
+              <a:r>
+                <a:rPr lang="en-US" altLang="zh-CN" dirty="0">
+                  <a:latin typeface="Times New Roman" panose="02020603050405020304" pitchFamily="18" charset="0"/>
+                  <a:cs typeface="Times New Roman" panose="02020603050405020304" pitchFamily="18" charset="0"/>
+                </a:rPr>
+                <a:t>Axis</a:t>
+              </a:r>
+              <a:endParaRPr lang="zh-CN" altLang="en-US" dirty="0">
+                <a:latin typeface="Times New Roman" panose="02020603050405020304" pitchFamily="18" charset="0"/>
+                <a:cs typeface="Times New Roman" panose="02020603050405020304" pitchFamily="18" charset="0"/>
+              </a:endParaRPr>
+            </a:p>
+          </p:txBody>
+        </p:sp>
+      </p:grpSp>
+      <p:grpSp>
+        <p:nvGrpSpPr>
+          <p:cNvPr id="30" name="组合 29">
+            <a:extLst>
+              <a:ext uri="{FF2B5EF4-FFF2-40B4-BE49-F238E27FC236}">
+                <a16:creationId xmlns:a16="http://schemas.microsoft.com/office/drawing/2014/main" id="{1C5B1A1B-9B54-464E-85F0-AFC46FFAF662}"/>
+              </a:ext>
+            </a:extLst>
+          </p:cNvPr>
+          <p:cNvGrpSpPr/>
+          <p:nvPr/>
+        </p:nvGrpSpPr>
+        <p:grpSpPr>
+          <a:xfrm>
+            <a:off x="1693831" y="1261100"/>
+            <a:ext cx="1894840" cy="1097280"/>
+            <a:chOff x="5643354" y="909128"/>
+            <a:chExt cx="1894840" cy="1097280"/>
+          </a:xfrm>
+        </p:grpSpPr>
+        <p:cxnSp>
+          <p:nvCxnSpPr>
+            <p:cNvPr id="31" name="直接箭头连接符 30">
+              <a:extLst>
+                <a:ext uri="{FF2B5EF4-FFF2-40B4-BE49-F238E27FC236}">
+                  <a16:creationId xmlns:a16="http://schemas.microsoft.com/office/drawing/2014/main" id="{3AEC79F4-9C4A-452B-B5A7-46119DF76909}"/>
+                </a:ext>
+              </a:extLst>
+            </p:cNvPr>
+            <p:cNvCxnSpPr>
+              <a:cxnSpLocks/>
+            </p:cNvCxnSpPr>
+            <p:nvPr/>
+          </p:nvCxnSpPr>
+          <p:spPr>
+            <a:xfrm flipV="1">
+              <a:off x="5643354" y="909128"/>
+              <a:ext cx="1894840" cy="1097280"/>
+            </a:xfrm>
+            <a:prstGeom prst="straightConnector1">
+              <a:avLst/>
+            </a:prstGeom>
+            <a:ln>
+              <a:tailEnd type="triangle"/>
+            </a:ln>
+          </p:spPr>
+          <p:style>
+            <a:lnRef idx="1">
+              <a:schemeClr val="dk1"/>
+            </a:lnRef>
+            <a:fillRef idx="0">
+              <a:schemeClr val="dk1"/>
+            </a:fillRef>
+            <a:effectRef idx="0">
+              <a:schemeClr val="dk1"/>
+            </a:effectRef>
+            <a:fontRef idx="minor">
+              <a:schemeClr val="tx1"/>
+            </a:fontRef>
+          </p:style>
+        </p:cxnSp>
+        <p:sp>
+          <p:nvSpPr>
+            <p:cNvPr id="32" name="文本框 31">
+              <a:extLst>
+                <a:ext uri="{FF2B5EF4-FFF2-40B4-BE49-F238E27FC236}">
+                  <a16:creationId xmlns:a16="http://schemas.microsoft.com/office/drawing/2014/main" id="{AFD85BE4-DA35-435F-B74D-FDBD902400FE}"/>
+                </a:ext>
+              </a:extLst>
+            </p:cNvPr>
+            <p:cNvSpPr txBox="1"/>
+            <p:nvPr/>
+          </p:nvSpPr>
+          <p:spPr>
+            <a:xfrm>
+              <a:off x="5991772" y="1033256"/>
+              <a:ext cx="669947" cy="369332"/>
+            </a:xfrm>
+            <a:prstGeom prst="rect">
+              <a:avLst/>
+            </a:prstGeom>
+            <a:noFill/>
+          </p:spPr>
+          <p:txBody>
+            <a:bodyPr wrap="square" rtlCol="0">
+              <a:spAutoFit/>
+            </a:bodyPr>
+            <a:lstStyle/>
+            <a:p>
+              <a:r>
+                <a:rPr lang="en-US" altLang="zh-CN" dirty="0">
+                  <a:latin typeface="Times New Roman" panose="02020603050405020304" pitchFamily="18" charset="0"/>
+                  <a:cs typeface="Times New Roman" panose="02020603050405020304" pitchFamily="18" charset="0"/>
+                </a:rPr>
+                <a:t>Axis</a:t>
+              </a:r>
+              <a:endParaRPr lang="zh-CN" altLang="en-US" dirty="0">
+                <a:latin typeface="Times New Roman" panose="02020603050405020304" pitchFamily="18" charset="0"/>
+                <a:cs typeface="Times New Roman" panose="02020603050405020304" pitchFamily="18" charset="0"/>
+              </a:endParaRPr>
+            </a:p>
+          </p:txBody>
+        </p:sp>
+      </p:grpSp>
+      <p:sp>
+        <p:nvSpPr>
+          <p:cNvPr id="36" name="文本框 35">
+            <a:extLst>
+              <a:ext uri="{FF2B5EF4-FFF2-40B4-BE49-F238E27FC236}">
+                <a16:creationId xmlns:a16="http://schemas.microsoft.com/office/drawing/2014/main" id="{B7AAC1DF-036E-42FE-83D4-12B799B5584A}"/>
+              </a:ext>
+            </a:extLst>
+          </p:cNvPr>
+          <p:cNvSpPr txBox="1"/>
+          <p:nvPr/>
+        </p:nvSpPr>
+        <p:spPr>
+          <a:xfrm>
+            <a:off x="9027336" y="2647381"/>
+            <a:ext cx="836624" cy="369332"/>
+          </a:xfrm>
+          <a:prstGeom prst="rect">
+            <a:avLst/>
+          </a:prstGeom>
+          <a:noFill/>
+        </p:spPr>
+        <p:txBody>
+          <a:bodyPr wrap="square" rtlCol="0">
+            <a:spAutoFit/>
+          </a:bodyPr>
+          <a:lstStyle/>
+          <a:p>
+            <a:r>
+              <a:rPr lang="en-US" altLang="zh-CN" dirty="0">
+                <a:latin typeface="Times New Roman" panose="02020603050405020304" pitchFamily="18" charset="0"/>
+                <a:cs typeface="Times New Roman" panose="02020603050405020304" pitchFamily="18" charset="0"/>
+              </a:rPr>
+              <a:t>Tensor</a:t>
+            </a:r>
+            <a:endParaRPr lang="zh-CN" altLang="en-US" dirty="0">
+              <a:latin typeface="Times New Roman" panose="02020603050405020304" pitchFamily="18" charset="0"/>
+              <a:cs typeface="Times New Roman" panose="02020603050405020304" pitchFamily="18" charset="0"/>
+            </a:endParaRPr>
+          </a:p>
+        </p:txBody>
+      </p:sp>
+      <p:cxnSp>
+        <p:nvCxnSpPr>
+          <p:cNvPr id="38" name="直接箭头连接符 37">
+            <a:extLst>
+              <a:ext uri="{FF2B5EF4-FFF2-40B4-BE49-F238E27FC236}">
+                <a16:creationId xmlns:a16="http://schemas.microsoft.com/office/drawing/2014/main" id="{59CF4A03-E807-43AC-9ACE-B7BBBFB4493D}"/>
+              </a:ext>
+            </a:extLst>
+          </p:cNvPr>
+          <p:cNvCxnSpPr>
+            <a:cxnSpLocks/>
+            <a:endCxn id="41" idx="0"/>
+          </p:cNvCxnSpPr>
+          <p:nvPr/>
+        </p:nvCxnSpPr>
+        <p:spPr>
+          <a:xfrm flipH="1">
+            <a:off x="6033290" y="3016713"/>
+            <a:ext cx="945054" cy="1745319"/>
+          </a:xfrm>
+          <a:prstGeom prst="straightConnector1">
+            <a:avLst/>
+          </a:prstGeom>
+          <a:ln>
+            <a:tailEnd type="triangle"/>
+          </a:ln>
+        </p:spPr>
+        <p:style>
+          <a:lnRef idx="1">
+            <a:schemeClr val="dk1"/>
+          </a:lnRef>
+          <a:fillRef idx="0">
+            <a:schemeClr val="dk1"/>
+          </a:fillRef>
+          <a:effectRef idx="0">
+            <a:schemeClr val="dk1"/>
+          </a:effectRef>
+          <a:fontRef idx="minor">
+            <a:schemeClr val="tx1"/>
+          </a:fontRef>
+        </p:style>
+      </p:cxnSp>
+      <p:sp>
+        <p:nvSpPr>
+          <p:cNvPr id="41" name="文本框 40">
+            <a:extLst>
+              <a:ext uri="{FF2B5EF4-FFF2-40B4-BE49-F238E27FC236}">
+                <a16:creationId xmlns:a16="http://schemas.microsoft.com/office/drawing/2014/main" id="{B787BE9B-EC3D-43C3-B921-797DC70A9C92}"/>
+              </a:ext>
+            </a:extLst>
+          </p:cNvPr>
+          <p:cNvSpPr txBox="1"/>
+          <p:nvPr/>
+        </p:nvSpPr>
+        <p:spPr>
+          <a:xfrm>
+            <a:off x="1693831" y="4762032"/>
+            <a:ext cx="8678917" cy="923330"/>
+          </a:xfrm>
+          <a:prstGeom prst="rect">
+            <a:avLst/>
+          </a:prstGeom>
+          <a:noFill/>
+        </p:spPr>
+        <p:txBody>
+          <a:bodyPr wrap="square" rtlCol="0">
+            <a:spAutoFit/>
+          </a:bodyPr>
+          <a:lstStyle/>
+          <a:p>
+            <a:r>
+              <a:rPr lang="en-US" altLang="zh-CN" dirty="0">
+                <a:latin typeface="Times New Roman" panose="02020603050405020304" pitchFamily="18" charset="0"/>
+                <a:cs typeface="Times New Roman" panose="02020603050405020304" pitchFamily="18" charset="0"/>
+              </a:rPr>
+              <a:t>Along the axis which item should be chosen in the </a:t>
+            </a:r>
+            <a:r>
+              <a:rPr lang="en-US" altLang="zh-CN" b="1" dirty="0">
+                <a:latin typeface="Times New Roman" panose="02020603050405020304" pitchFamily="18" charset="0"/>
+                <a:cs typeface="Times New Roman" panose="02020603050405020304" pitchFamily="18" charset="0"/>
+              </a:rPr>
+              <a:t>Tensor</a:t>
+            </a:r>
+            <a:r>
+              <a:rPr lang="en-US" altLang="zh-CN" dirty="0">
+                <a:latin typeface="Times New Roman" panose="02020603050405020304" pitchFamily="18" charset="0"/>
+                <a:cs typeface="Times New Roman" panose="02020603050405020304" pitchFamily="18" charset="0"/>
+              </a:rPr>
+              <a:t> is specified by the index number contained in this cell, then collect all the layers in the </a:t>
+            </a:r>
+            <a:r>
+              <a:rPr lang="en-US" altLang="zh-CN" b="1" dirty="0">
+                <a:latin typeface="Times New Roman" panose="02020603050405020304" pitchFamily="18" charset="0"/>
+                <a:cs typeface="Times New Roman" panose="02020603050405020304" pitchFamily="18" charset="0"/>
+              </a:rPr>
+              <a:t>Index</a:t>
+            </a:r>
+            <a:r>
+              <a:rPr lang="en-US" altLang="zh-CN" dirty="0">
+                <a:latin typeface="Times New Roman" panose="02020603050405020304" pitchFamily="18" charset="0"/>
+                <a:cs typeface="Times New Roman" panose="02020603050405020304" pitchFamily="18" charset="0"/>
+              </a:rPr>
+              <a:t> we will get the result tensor which has the same shape with </a:t>
+            </a:r>
+            <a:r>
+              <a:rPr lang="en-US" altLang="zh-CN" b="1" dirty="0">
+                <a:latin typeface="Times New Roman" panose="02020603050405020304" pitchFamily="18" charset="0"/>
+                <a:cs typeface="Times New Roman" panose="02020603050405020304" pitchFamily="18" charset="0"/>
+              </a:rPr>
+              <a:t>Index</a:t>
+            </a:r>
+            <a:r>
+              <a:rPr lang="en-US" altLang="zh-CN" dirty="0">
+                <a:latin typeface="Times New Roman" panose="02020603050405020304" pitchFamily="18" charset="0"/>
+                <a:cs typeface="Times New Roman" panose="02020603050405020304" pitchFamily="18" charset="0"/>
+              </a:rPr>
+              <a:t>.</a:t>
+            </a:r>
+            <a:endParaRPr lang="zh-CN" altLang="en-US" dirty="0">
+              <a:latin typeface="Times New Roman" panose="02020603050405020304" pitchFamily="18" charset="0"/>
+              <a:cs typeface="Times New Roman" panose="02020603050405020304" pitchFamily="18" charset="0"/>
+            </a:endParaRPr>
+          </a:p>
+        </p:txBody>
+      </p:sp>
+    </p:spTree>
+    <p:extLst>
+      <p:ext uri="{BB962C8B-B14F-4D97-AF65-F5344CB8AC3E}">
+        <p14:creationId xmlns:p14="http://schemas.microsoft.com/office/powerpoint/2010/main" val="2383413901"/>
+      </p:ext>
+    </p:extLst>
+  </p:cSld>
+  <p:clrMapOvr>
+    <a:masterClrMapping/>
+  </p:clrMapOvr>
+</p:sld>
+</file>
+
 <file path=ppt/theme/theme1.xml><?xml version="1.0" encoding="utf-8"?>
 <a:theme xmlns:a="http://schemas.openxmlformats.org/drawingml/2006/main" name="Office 主题​​">
   <a:themeElements>

--- a/img/plot.pptx
+++ b/img/plot.pptx
@@ -11,6 +11,7 @@
     <p:sldId id="259" r:id="rId5"/>
     <p:sldId id="260" r:id="rId6"/>
     <p:sldId id="261" r:id="rId7"/>
+    <p:sldId id="262" r:id="rId8"/>
   </p:sldIdLst>
   <p:sldSz cx="12192000" cy="6858000"/>
   <p:notesSz cx="6858000" cy="9144000"/>
@@ -264,7 +265,7 @@
           <a:p>
             <a:fld id="{B654FC95-7D04-4169-8BD3-25ECC6121B6D}" type="datetimeFigureOut">
               <a:rPr lang="zh-CN" altLang="en-US" smtClean="0"/>
-              <a:t>2019/11/8</a:t>
+              <a:t>2019/11/9</a:t>
             </a:fld>
             <a:endParaRPr lang="zh-CN" altLang="en-US"/>
           </a:p>
@@ -462,7 +463,7 @@
           <a:p>
             <a:fld id="{B654FC95-7D04-4169-8BD3-25ECC6121B6D}" type="datetimeFigureOut">
               <a:rPr lang="zh-CN" altLang="en-US" smtClean="0"/>
-              <a:t>2019/11/8</a:t>
+              <a:t>2019/11/9</a:t>
             </a:fld>
             <a:endParaRPr lang="zh-CN" altLang="en-US"/>
           </a:p>
@@ -670,7 +671,7 @@
           <a:p>
             <a:fld id="{B654FC95-7D04-4169-8BD3-25ECC6121B6D}" type="datetimeFigureOut">
               <a:rPr lang="zh-CN" altLang="en-US" smtClean="0"/>
-              <a:t>2019/11/8</a:t>
+              <a:t>2019/11/9</a:t>
             </a:fld>
             <a:endParaRPr lang="zh-CN" altLang="en-US"/>
           </a:p>
@@ -868,7 +869,7 @@
           <a:p>
             <a:fld id="{B654FC95-7D04-4169-8BD3-25ECC6121B6D}" type="datetimeFigureOut">
               <a:rPr lang="zh-CN" altLang="en-US" smtClean="0"/>
-              <a:t>2019/11/8</a:t>
+              <a:t>2019/11/9</a:t>
             </a:fld>
             <a:endParaRPr lang="zh-CN" altLang="en-US"/>
           </a:p>
@@ -1143,7 +1144,7 @@
           <a:p>
             <a:fld id="{B654FC95-7D04-4169-8BD3-25ECC6121B6D}" type="datetimeFigureOut">
               <a:rPr lang="zh-CN" altLang="en-US" smtClean="0"/>
-              <a:t>2019/11/8</a:t>
+              <a:t>2019/11/9</a:t>
             </a:fld>
             <a:endParaRPr lang="zh-CN" altLang="en-US"/>
           </a:p>
@@ -1408,7 +1409,7 @@
           <a:p>
             <a:fld id="{B654FC95-7D04-4169-8BD3-25ECC6121B6D}" type="datetimeFigureOut">
               <a:rPr lang="zh-CN" altLang="en-US" smtClean="0"/>
-              <a:t>2019/11/8</a:t>
+              <a:t>2019/11/9</a:t>
             </a:fld>
             <a:endParaRPr lang="zh-CN" altLang="en-US"/>
           </a:p>
@@ -1820,7 +1821,7 @@
           <a:p>
             <a:fld id="{B654FC95-7D04-4169-8BD3-25ECC6121B6D}" type="datetimeFigureOut">
               <a:rPr lang="zh-CN" altLang="en-US" smtClean="0"/>
-              <a:t>2019/11/8</a:t>
+              <a:t>2019/11/9</a:t>
             </a:fld>
             <a:endParaRPr lang="zh-CN" altLang="en-US"/>
           </a:p>
@@ -1961,7 +1962,7 @@
           <a:p>
             <a:fld id="{B654FC95-7D04-4169-8BD3-25ECC6121B6D}" type="datetimeFigureOut">
               <a:rPr lang="zh-CN" altLang="en-US" smtClean="0"/>
-              <a:t>2019/11/8</a:t>
+              <a:t>2019/11/9</a:t>
             </a:fld>
             <a:endParaRPr lang="zh-CN" altLang="en-US"/>
           </a:p>
@@ -2074,7 +2075,7 @@
           <a:p>
             <a:fld id="{B654FC95-7D04-4169-8BD3-25ECC6121B6D}" type="datetimeFigureOut">
               <a:rPr lang="zh-CN" altLang="en-US" smtClean="0"/>
-              <a:t>2019/11/8</a:t>
+              <a:t>2019/11/9</a:t>
             </a:fld>
             <a:endParaRPr lang="zh-CN" altLang="en-US"/>
           </a:p>
@@ -2385,7 +2386,7 @@
           <a:p>
             <a:fld id="{B654FC95-7D04-4169-8BD3-25ECC6121B6D}" type="datetimeFigureOut">
               <a:rPr lang="zh-CN" altLang="en-US" smtClean="0"/>
-              <a:t>2019/11/8</a:t>
+              <a:t>2019/11/9</a:t>
             </a:fld>
             <a:endParaRPr lang="zh-CN" altLang="en-US"/>
           </a:p>
@@ -2673,7 +2674,7 @@
           <a:p>
             <a:fld id="{B654FC95-7D04-4169-8BD3-25ECC6121B6D}" type="datetimeFigureOut">
               <a:rPr lang="zh-CN" altLang="en-US" smtClean="0"/>
-              <a:t>2019/11/8</a:t>
+              <a:t>2019/11/9</a:t>
             </a:fld>
             <a:endParaRPr lang="zh-CN" altLang="en-US"/>
           </a:p>
@@ -2914,7 +2915,7 @@
           <a:p>
             <a:fld id="{B654FC95-7D04-4169-8BD3-25ECC6121B6D}" type="datetimeFigureOut">
               <a:rPr lang="zh-CN" altLang="en-US" smtClean="0"/>
-              <a:t>2019/11/8</a:t>
+              <a:t>2019/11/9</a:t>
             </a:fld>
             <a:endParaRPr lang="zh-CN" altLang="en-US"/>
           </a:p>
@@ -8682,6 +8683,1834 @@
 </p:sld>
 </file>
 
+<file path=ppt/slides/slide7.xml><?xml version="1.0" encoding="utf-8"?>
+<p:sld xmlns:a="http://schemas.openxmlformats.org/drawingml/2006/main" xmlns:r="http://schemas.openxmlformats.org/officeDocument/2006/relationships" xmlns:p="http://schemas.openxmlformats.org/presentationml/2006/main">
+  <p:cSld>
+    <p:spTree>
+      <p:nvGrpSpPr>
+        <p:cNvPr id="1" name=""/>
+        <p:cNvGrpSpPr/>
+        <p:nvPr/>
+      </p:nvGrpSpPr>
+      <p:grpSpPr>
+        <a:xfrm>
+          <a:off x="0" y="0"/>
+          <a:ext cx="0" cy="0"/>
+          <a:chOff x="0" y="0"/>
+          <a:chExt cx="0" cy="0"/>
+        </a:xfrm>
+      </p:grpSpPr>
+      <p:sp>
+        <p:nvSpPr>
+          <p:cNvPr id="41" name="文本框 40">
+            <a:extLst>
+              <a:ext uri="{FF2B5EF4-FFF2-40B4-BE49-F238E27FC236}">
+                <a16:creationId xmlns:a16="http://schemas.microsoft.com/office/drawing/2014/main" id="{B787BE9B-EC3D-43C3-B921-797DC70A9C92}"/>
+              </a:ext>
+            </a:extLst>
+          </p:cNvPr>
+          <p:cNvSpPr txBox="1"/>
+          <p:nvPr/>
+        </p:nvSpPr>
+        <p:spPr>
+          <a:xfrm>
+            <a:off x="2459371" y="4197979"/>
+            <a:ext cx="6981076" cy="923330"/>
+          </a:xfrm>
+          <a:prstGeom prst="rect">
+            <a:avLst/>
+          </a:prstGeom>
+          <a:noFill/>
+        </p:spPr>
+        <p:txBody>
+          <a:bodyPr wrap="square" rtlCol="0">
+            <a:spAutoFit/>
+          </a:bodyPr>
+          <a:lstStyle/>
+          <a:p>
+            <a:r>
+              <a:rPr lang="en-US" altLang="zh-CN" dirty="0">
+                <a:latin typeface="Times New Roman" panose="02020603050405020304" pitchFamily="18" charset="0"/>
+                <a:cs typeface="Times New Roman" panose="02020603050405020304" pitchFamily="18" charset="0"/>
+              </a:rPr>
+              <a:t>Along the axis function </a:t>
+            </a:r>
+            <a:r>
+              <a:rPr lang="en-US" altLang="zh-CN" b="1" dirty="0">
+                <a:latin typeface="Times New Roman" panose="02020603050405020304" pitchFamily="18" charset="0"/>
+                <a:cs typeface="Times New Roman" panose="02020603050405020304" pitchFamily="18" charset="0"/>
+              </a:rPr>
+              <a:t>index_select </a:t>
+            </a:r>
+            <a:r>
+              <a:rPr lang="en-US" altLang="zh-CN" dirty="0">
+                <a:latin typeface="Times New Roman" panose="02020603050405020304" pitchFamily="18" charset="0"/>
+                <a:cs typeface="Times New Roman" panose="02020603050405020304" pitchFamily="18" charset="0"/>
+              </a:rPr>
+              <a:t>only select the total slice of the specified tensor by the </a:t>
+            </a:r>
+            <a:r>
+              <a:rPr lang="en-US" altLang="zh-CN" b="1" dirty="0">
+                <a:latin typeface="Times New Roman" panose="02020603050405020304" pitchFamily="18" charset="0"/>
+                <a:cs typeface="Times New Roman" panose="02020603050405020304" pitchFamily="18" charset="0"/>
+              </a:rPr>
+              <a:t>index number</a:t>
+            </a:r>
+            <a:r>
+              <a:rPr lang="en-US" altLang="zh-CN" dirty="0">
+                <a:latin typeface="Times New Roman" panose="02020603050405020304" pitchFamily="18" charset="0"/>
+                <a:cs typeface="Times New Roman" panose="02020603050405020304" pitchFamily="18" charset="0"/>
+              </a:rPr>
+              <a:t>, but function </a:t>
+            </a:r>
+            <a:r>
+              <a:rPr lang="en-US" altLang="zh-CN" b="1" dirty="0">
+                <a:latin typeface="Times New Roman" panose="02020603050405020304" pitchFamily="18" charset="0"/>
+                <a:cs typeface="Times New Roman" panose="02020603050405020304" pitchFamily="18" charset="0"/>
+              </a:rPr>
+              <a:t>gather</a:t>
+            </a:r>
+            <a:r>
+              <a:rPr lang="en-US" altLang="zh-CN" dirty="0">
+                <a:latin typeface="Times New Roman" panose="02020603050405020304" pitchFamily="18" charset="0"/>
+                <a:cs typeface="Times New Roman" panose="02020603050405020304" pitchFamily="18" charset="0"/>
+              </a:rPr>
+              <a:t> will focus on the precision of cell data and select them by the </a:t>
+            </a:r>
+            <a:r>
+              <a:rPr lang="en-US" altLang="zh-CN" b="1" dirty="0">
+                <a:latin typeface="Times New Roman" panose="02020603050405020304" pitchFamily="18" charset="0"/>
+                <a:cs typeface="Times New Roman" panose="02020603050405020304" pitchFamily="18" charset="0"/>
+              </a:rPr>
+              <a:t>index tensor</a:t>
+            </a:r>
+            <a:r>
+              <a:rPr lang="en-US" altLang="zh-CN" dirty="0">
+                <a:latin typeface="Times New Roman" panose="02020603050405020304" pitchFamily="18" charset="0"/>
+                <a:cs typeface="Times New Roman" panose="02020603050405020304" pitchFamily="18" charset="0"/>
+              </a:rPr>
+              <a:t>.</a:t>
+            </a:r>
+            <a:endParaRPr lang="zh-CN" altLang="en-US" dirty="0">
+              <a:latin typeface="Times New Roman" panose="02020603050405020304" pitchFamily="18" charset="0"/>
+              <a:cs typeface="Times New Roman" panose="02020603050405020304" pitchFamily="18" charset="0"/>
+            </a:endParaRPr>
+          </a:p>
+        </p:txBody>
+      </p:sp>
+      <p:sp>
+        <p:nvSpPr>
+          <p:cNvPr id="2" name="矩形 1">
+            <a:extLst>
+              <a:ext uri="{FF2B5EF4-FFF2-40B4-BE49-F238E27FC236}">
+                <a16:creationId xmlns:a16="http://schemas.microsoft.com/office/drawing/2014/main" id="{570CD5BA-55C1-46B4-8174-B05AEEDCD187}"/>
+              </a:ext>
+            </a:extLst>
+          </p:cNvPr>
+          <p:cNvSpPr/>
+          <p:nvPr/>
+        </p:nvSpPr>
+        <p:spPr>
+          <a:xfrm>
+            <a:off x="2814319" y="2185800"/>
+            <a:ext cx="1800000" cy="1800000"/>
+          </a:xfrm>
+          <a:prstGeom prst="rect">
+            <a:avLst/>
+          </a:prstGeom>
+          <a:pattFill prst="lgGrid">
+            <a:fgClr>
+              <a:schemeClr val="accent1"/>
+            </a:fgClr>
+            <a:bgClr>
+              <a:schemeClr val="bg1"/>
+            </a:bgClr>
+          </a:pattFill>
+          <a:ln>
+            <a:solidFill>
+              <a:srgbClr val="A1B8E1"/>
+            </a:solidFill>
+          </a:ln>
+        </p:spPr>
+        <p:style>
+          <a:lnRef idx="2">
+            <a:schemeClr val="accent1">
+              <a:shade val="50000"/>
+            </a:schemeClr>
+          </a:lnRef>
+          <a:fillRef idx="1">
+            <a:schemeClr val="accent1"/>
+          </a:fillRef>
+          <a:effectRef idx="0">
+            <a:schemeClr val="accent1"/>
+          </a:effectRef>
+          <a:fontRef idx="minor">
+            <a:schemeClr val="lt1"/>
+          </a:fontRef>
+        </p:style>
+        <p:txBody>
+          <a:bodyPr rtlCol="0" anchor="ctr"/>
+          <a:lstStyle/>
+          <a:p>
+            <a:pPr algn="ctr"/>
+            <a:endParaRPr lang="zh-CN" altLang="en-US"/>
+          </a:p>
+        </p:txBody>
+      </p:sp>
+      <p:sp>
+        <p:nvSpPr>
+          <p:cNvPr id="3" name="矩形 2">
+            <a:extLst>
+              <a:ext uri="{FF2B5EF4-FFF2-40B4-BE49-F238E27FC236}">
+                <a16:creationId xmlns:a16="http://schemas.microsoft.com/office/drawing/2014/main" id="{4E1B71FD-5256-4C96-9632-FDA860229887}"/>
+              </a:ext>
+            </a:extLst>
+          </p:cNvPr>
+          <p:cNvSpPr/>
+          <p:nvPr/>
+        </p:nvSpPr>
+        <p:spPr>
+          <a:xfrm>
+            <a:off x="2814319" y="2466583"/>
+            <a:ext cx="1800000" cy="90000"/>
+          </a:xfrm>
+          <a:prstGeom prst="rect">
+            <a:avLst/>
+          </a:prstGeom>
+          <a:ln>
+            <a:noFill/>
+          </a:ln>
+        </p:spPr>
+        <p:style>
+          <a:lnRef idx="2">
+            <a:schemeClr val="accent1">
+              <a:shade val="50000"/>
+            </a:schemeClr>
+          </a:lnRef>
+          <a:fillRef idx="1">
+            <a:schemeClr val="accent1"/>
+          </a:fillRef>
+          <a:effectRef idx="0">
+            <a:schemeClr val="accent1"/>
+          </a:effectRef>
+          <a:fontRef idx="minor">
+            <a:schemeClr val="lt1"/>
+          </a:fontRef>
+        </p:style>
+        <p:txBody>
+          <a:bodyPr rtlCol="0" anchor="ctr"/>
+          <a:lstStyle/>
+          <a:p>
+            <a:pPr algn="ctr"/>
+            <a:endParaRPr lang="zh-CN" altLang="en-US"/>
+          </a:p>
+        </p:txBody>
+      </p:sp>
+      <p:cxnSp>
+        <p:nvCxnSpPr>
+          <p:cNvPr id="5" name="直接箭头连接符 4">
+            <a:extLst>
+              <a:ext uri="{FF2B5EF4-FFF2-40B4-BE49-F238E27FC236}">
+                <a16:creationId xmlns:a16="http://schemas.microsoft.com/office/drawing/2014/main" id="{796633BB-E45E-4FC1-A93B-EEC81B1DD8B0}"/>
+              </a:ext>
+            </a:extLst>
+          </p:cNvPr>
+          <p:cNvCxnSpPr/>
+          <p:nvPr/>
+        </p:nvCxnSpPr>
+        <p:spPr>
+          <a:xfrm>
+            <a:off x="7094482" y="2187424"/>
+            <a:ext cx="0" cy="1800000"/>
+          </a:xfrm>
+          <a:prstGeom prst="straightConnector1">
+            <a:avLst/>
+          </a:prstGeom>
+          <a:ln>
+            <a:tailEnd type="triangle"/>
+          </a:ln>
+        </p:spPr>
+        <p:style>
+          <a:lnRef idx="1">
+            <a:schemeClr val="accent1"/>
+          </a:lnRef>
+          <a:fillRef idx="0">
+            <a:schemeClr val="accent1"/>
+          </a:fillRef>
+          <a:effectRef idx="0">
+            <a:schemeClr val="accent1"/>
+          </a:effectRef>
+          <a:fontRef idx="minor">
+            <a:schemeClr val="tx1"/>
+          </a:fontRef>
+        </p:style>
+      </p:cxnSp>
+      <p:cxnSp>
+        <p:nvCxnSpPr>
+          <p:cNvPr id="24" name="直接箭头连接符 23">
+            <a:extLst>
+              <a:ext uri="{FF2B5EF4-FFF2-40B4-BE49-F238E27FC236}">
+                <a16:creationId xmlns:a16="http://schemas.microsoft.com/office/drawing/2014/main" id="{E8F3DA52-B8D7-44A2-85F7-31EA54E88B2E}"/>
+              </a:ext>
+            </a:extLst>
+          </p:cNvPr>
+          <p:cNvCxnSpPr/>
+          <p:nvPr/>
+        </p:nvCxnSpPr>
+        <p:spPr>
+          <a:xfrm>
+            <a:off x="2588173" y="2185800"/>
+            <a:ext cx="0" cy="1800000"/>
+          </a:xfrm>
+          <a:prstGeom prst="straightConnector1">
+            <a:avLst/>
+          </a:prstGeom>
+          <a:ln>
+            <a:tailEnd type="triangle"/>
+          </a:ln>
+        </p:spPr>
+        <p:style>
+          <a:lnRef idx="1">
+            <a:schemeClr val="accent1"/>
+          </a:lnRef>
+          <a:fillRef idx="0">
+            <a:schemeClr val="accent1"/>
+          </a:fillRef>
+          <a:effectRef idx="0">
+            <a:schemeClr val="accent1"/>
+          </a:effectRef>
+          <a:fontRef idx="minor">
+            <a:schemeClr val="tx1"/>
+          </a:fontRef>
+        </p:style>
+      </p:cxnSp>
+      <p:sp>
+        <p:nvSpPr>
+          <p:cNvPr id="6" name="文本框 5">
+            <a:extLst>
+              <a:ext uri="{FF2B5EF4-FFF2-40B4-BE49-F238E27FC236}">
+                <a16:creationId xmlns:a16="http://schemas.microsoft.com/office/drawing/2014/main" id="{26B95624-05D5-40AD-ADDD-C0DB83478717}"/>
+              </a:ext>
+            </a:extLst>
+          </p:cNvPr>
+          <p:cNvSpPr txBox="1"/>
+          <p:nvPr/>
+        </p:nvSpPr>
+        <p:spPr>
+          <a:xfrm>
+            <a:off x="1758993" y="2872106"/>
+            <a:ext cx="819807" cy="369332"/>
+          </a:xfrm>
+          <a:prstGeom prst="rect">
+            <a:avLst/>
+          </a:prstGeom>
+          <a:noFill/>
+        </p:spPr>
+        <p:txBody>
+          <a:bodyPr wrap="square" rtlCol="0">
+            <a:spAutoFit/>
+          </a:bodyPr>
+          <a:lstStyle/>
+          <a:p>
+            <a:r>
+              <a:rPr lang="en-US" altLang="zh-CN" dirty="0">
+                <a:solidFill>
+                  <a:srgbClr val="4472C4"/>
+                </a:solidFill>
+                <a:latin typeface="Times New Roman" panose="02020603050405020304" pitchFamily="18" charset="0"/>
+                <a:cs typeface="Times New Roman" panose="02020603050405020304" pitchFamily="18" charset="0"/>
+              </a:rPr>
+              <a:t>Axis 0</a:t>
+            </a:r>
+            <a:endParaRPr lang="zh-CN" altLang="en-US" dirty="0">
+              <a:solidFill>
+                <a:srgbClr val="4472C4"/>
+              </a:solidFill>
+              <a:latin typeface="Times New Roman" panose="02020603050405020304" pitchFamily="18" charset="0"/>
+              <a:cs typeface="Times New Roman" panose="02020603050405020304" pitchFamily="18" charset="0"/>
+            </a:endParaRPr>
+          </a:p>
+        </p:txBody>
+      </p:sp>
+      <p:sp>
+        <p:nvSpPr>
+          <p:cNvPr id="25" name="文本框 24">
+            <a:extLst>
+              <a:ext uri="{FF2B5EF4-FFF2-40B4-BE49-F238E27FC236}">
+                <a16:creationId xmlns:a16="http://schemas.microsoft.com/office/drawing/2014/main" id="{E52EC996-D197-4D97-A900-0742C8E44504}"/>
+              </a:ext>
+            </a:extLst>
+          </p:cNvPr>
+          <p:cNvSpPr txBox="1"/>
+          <p:nvPr/>
+        </p:nvSpPr>
+        <p:spPr>
+          <a:xfrm>
+            <a:off x="6265301" y="2872106"/>
+            <a:ext cx="819807" cy="369332"/>
+          </a:xfrm>
+          <a:prstGeom prst="rect">
+            <a:avLst/>
+          </a:prstGeom>
+          <a:noFill/>
+        </p:spPr>
+        <p:txBody>
+          <a:bodyPr wrap="square" rtlCol="0">
+            <a:spAutoFit/>
+          </a:bodyPr>
+          <a:lstStyle/>
+          <a:p>
+            <a:r>
+              <a:rPr lang="en-US" altLang="zh-CN" dirty="0">
+                <a:solidFill>
+                  <a:srgbClr val="4472C4"/>
+                </a:solidFill>
+                <a:latin typeface="Times New Roman" panose="02020603050405020304" pitchFamily="18" charset="0"/>
+                <a:cs typeface="Times New Roman" panose="02020603050405020304" pitchFamily="18" charset="0"/>
+              </a:rPr>
+              <a:t>Axis 0</a:t>
+            </a:r>
+            <a:endParaRPr lang="zh-CN" altLang="en-US" dirty="0">
+              <a:solidFill>
+                <a:srgbClr val="4472C4"/>
+              </a:solidFill>
+              <a:latin typeface="Times New Roman" panose="02020603050405020304" pitchFamily="18" charset="0"/>
+              <a:cs typeface="Times New Roman" panose="02020603050405020304" pitchFamily="18" charset="0"/>
+            </a:endParaRPr>
+          </a:p>
+        </p:txBody>
+      </p:sp>
+      <p:sp>
+        <p:nvSpPr>
+          <p:cNvPr id="26" name="文本框 25">
+            <a:extLst>
+              <a:ext uri="{FF2B5EF4-FFF2-40B4-BE49-F238E27FC236}">
+                <a16:creationId xmlns:a16="http://schemas.microsoft.com/office/drawing/2014/main" id="{AC4E34D8-96D9-48A3-B742-7D1E2C6E3DF0}"/>
+              </a:ext>
+            </a:extLst>
+          </p:cNvPr>
+          <p:cNvSpPr txBox="1"/>
+          <p:nvPr/>
+        </p:nvSpPr>
+        <p:spPr>
+          <a:xfrm>
+            <a:off x="3039576" y="1620322"/>
+            <a:ext cx="1349484" cy="369332"/>
+          </a:xfrm>
+          <a:prstGeom prst="rect">
+            <a:avLst/>
+          </a:prstGeom>
+          <a:noFill/>
+        </p:spPr>
+        <p:txBody>
+          <a:bodyPr wrap="square" rtlCol="0">
+            <a:spAutoFit/>
+          </a:bodyPr>
+          <a:lstStyle/>
+          <a:p>
+            <a:r>
+              <a:rPr lang="en-US" altLang="zh-CN" i="1" dirty="0">
+                <a:solidFill>
+                  <a:srgbClr val="4472C4"/>
+                </a:solidFill>
+                <a:latin typeface="Times New Roman" panose="02020603050405020304" pitchFamily="18" charset="0"/>
+                <a:cs typeface="Times New Roman" panose="02020603050405020304" pitchFamily="18" charset="0"/>
+              </a:rPr>
+              <a:t>index_select</a:t>
+            </a:r>
+            <a:endParaRPr lang="zh-CN" altLang="en-US" i="1" dirty="0">
+              <a:solidFill>
+                <a:srgbClr val="4472C4"/>
+              </a:solidFill>
+              <a:latin typeface="Times New Roman" panose="02020603050405020304" pitchFamily="18" charset="0"/>
+              <a:cs typeface="Times New Roman" panose="02020603050405020304" pitchFamily="18" charset="0"/>
+            </a:endParaRPr>
+          </a:p>
+        </p:txBody>
+      </p:sp>
+      <p:sp>
+        <p:nvSpPr>
+          <p:cNvPr id="33" name="文本框 32">
+            <a:extLst>
+              <a:ext uri="{FF2B5EF4-FFF2-40B4-BE49-F238E27FC236}">
+                <a16:creationId xmlns:a16="http://schemas.microsoft.com/office/drawing/2014/main" id="{173784F0-2DC8-4B7E-A22F-602FE0CAB7DF}"/>
+              </a:ext>
+            </a:extLst>
+          </p:cNvPr>
+          <p:cNvSpPr txBox="1"/>
+          <p:nvPr/>
+        </p:nvSpPr>
+        <p:spPr>
+          <a:xfrm>
+            <a:off x="7830463" y="1620158"/>
+            <a:ext cx="781383" cy="369332"/>
+          </a:xfrm>
+          <a:prstGeom prst="rect">
+            <a:avLst/>
+          </a:prstGeom>
+          <a:noFill/>
+        </p:spPr>
+        <p:txBody>
+          <a:bodyPr wrap="square" rtlCol="0">
+            <a:spAutoFit/>
+          </a:bodyPr>
+          <a:lstStyle/>
+          <a:p>
+            <a:r>
+              <a:rPr lang="en-US" altLang="zh-CN" i="1" dirty="0">
+                <a:solidFill>
+                  <a:srgbClr val="4472C4"/>
+                </a:solidFill>
+                <a:latin typeface="Times New Roman" panose="02020603050405020304" pitchFamily="18" charset="0"/>
+                <a:cs typeface="Times New Roman" panose="02020603050405020304" pitchFamily="18" charset="0"/>
+              </a:rPr>
+              <a:t>gather</a:t>
+            </a:r>
+            <a:endParaRPr lang="zh-CN" altLang="en-US" i="1" dirty="0">
+              <a:solidFill>
+                <a:srgbClr val="4472C4"/>
+              </a:solidFill>
+              <a:latin typeface="Times New Roman" panose="02020603050405020304" pitchFamily="18" charset="0"/>
+              <a:cs typeface="Times New Roman" panose="02020603050405020304" pitchFamily="18" charset="0"/>
+            </a:endParaRPr>
+          </a:p>
+        </p:txBody>
+      </p:sp>
+      <p:sp>
+        <p:nvSpPr>
+          <p:cNvPr id="34" name="矩形 33">
+            <a:extLst>
+              <a:ext uri="{FF2B5EF4-FFF2-40B4-BE49-F238E27FC236}">
+                <a16:creationId xmlns:a16="http://schemas.microsoft.com/office/drawing/2014/main" id="{3154E1C1-7413-4E15-A1CB-B853A2AD054D}"/>
+              </a:ext>
+            </a:extLst>
+          </p:cNvPr>
+          <p:cNvSpPr/>
+          <p:nvPr/>
+        </p:nvSpPr>
+        <p:spPr>
+          <a:xfrm>
+            <a:off x="2814319" y="2935205"/>
+            <a:ext cx="1800000" cy="90000"/>
+          </a:xfrm>
+          <a:prstGeom prst="rect">
+            <a:avLst/>
+          </a:prstGeom>
+          <a:ln>
+            <a:noFill/>
+          </a:ln>
+        </p:spPr>
+        <p:style>
+          <a:lnRef idx="2">
+            <a:schemeClr val="accent1">
+              <a:shade val="50000"/>
+            </a:schemeClr>
+          </a:lnRef>
+          <a:fillRef idx="1">
+            <a:schemeClr val="accent1"/>
+          </a:fillRef>
+          <a:effectRef idx="0">
+            <a:schemeClr val="accent1"/>
+          </a:effectRef>
+          <a:fontRef idx="minor">
+            <a:schemeClr val="lt1"/>
+          </a:fontRef>
+        </p:style>
+        <p:txBody>
+          <a:bodyPr rtlCol="0" anchor="ctr"/>
+          <a:lstStyle/>
+          <a:p>
+            <a:pPr algn="ctr"/>
+            <a:endParaRPr lang="zh-CN" altLang="en-US"/>
+          </a:p>
+        </p:txBody>
+      </p:sp>
+      <p:sp>
+        <p:nvSpPr>
+          <p:cNvPr id="35" name="矩形 34">
+            <a:extLst>
+              <a:ext uri="{FF2B5EF4-FFF2-40B4-BE49-F238E27FC236}">
+                <a16:creationId xmlns:a16="http://schemas.microsoft.com/office/drawing/2014/main" id="{9F9D872C-668D-4E5B-8F21-7A95D8B30F94}"/>
+              </a:ext>
+            </a:extLst>
+          </p:cNvPr>
+          <p:cNvSpPr/>
+          <p:nvPr/>
+        </p:nvSpPr>
+        <p:spPr>
+          <a:xfrm>
+            <a:off x="2814318" y="3500683"/>
+            <a:ext cx="1800000" cy="90000"/>
+          </a:xfrm>
+          <a:prstGeom prst="rect">
+            <a:avLst/>
+          </a:prstGeom>
+          <a:ln>
+            <a:noFill/>
+          </a:ln>
+        </p:spPr>
+        <p:style>
+          <a:lnRef idx="2">
+            <a:schemeClr val="accent1">
+              <a:shade val="50000"/>
+            </a:schemeClr>
+          </a:lnRef>
+          <a:fillRef idx="1">
+            <a:schemeClr val="accent1"/>
+          </a:fillRef>
+          <a:effectRef idx="0">
+            <a:schemeClr val="accent1"/>
+          </a:effectRef>
+          <a:fontRef idx="minor">
+            <a:schemeClr val="lt1"/>
+          </a:fontRef>
+        </p:style>
+        <p:txBody>
+          <a:bodyPr rtlCol="0" anchor="ctr"/>
+          <a:lstStyle/>
+          <a:p>
+            <a:pPr algn="ctr"/>
+            <a:endParaRPr lang="zh-CN" altLang="en-US"/>
+          </a:p>
+        </p:txBody>
+      </p:sp>
+      <p:grpSp>
+        <p:nvGrpSpPr>
+          <p:cNvPr id="9" name="组合 8">
+            <a:extLst>
+              <a:ext uri="{FF2B5EF4-FFF2-40B4-BE49-F238E27FC236}">
+                <a16:creationId xmlns:a16="http://schemas.microsoft.com/office/drawing/2014/main" id="{65B15DEB-E629-4A05-A4B7-E57BC34E1412}"/>
+              </a:ext>
+            </a:extLst>
+          </p:cNvPr>
+          <p:cNvGrpSpPr/>
+          <p:nvPr/>
+        </p:nvGrpSpPr>
+        <p:grpSpPr>
+          <a:xfrm>
+            <a:off x="7289385" y="2185800"/>
+            <a:ext cx="1825141" cy="1800000"/>
+            <a:chOff x="7289385" y="2185800"/>
+            <a:chExt cx="1825141" cy="1800000"/>
+          </a:xfrm>
+        </p:grpSpPr>
+        <p:sp>
+          <p:nvSpPr>
+            <p:cNvPr id="18" name="矩形 17">
+              <a:extLst>
+                <a:ext uri="{FF2B5EF4-FFF2-40B4-BE49-F238E27FC236}">
+                  <a16:creationId xmlns:a16="http://schemas.microsoft.com/office/drawing/2014/main" id="{3FEAB974-9F51-43A7-8889-B6F3D861AC26}"/>
+                </a:ext>
+              </a:extLst>
+            </p:cNvPr>
+            <p:cNvSpPr/>
+            <p:nvPr/>
+          </p:nvSpPr>
+          <p:spPr>
+            <a:xfrm>
+              <a:off x="7314526" y="2185800"/>
+              <a:ext cx="1800000" cy="1800000"/>
+            </a:xfrm>
+            <a:prstGeom prst="rect">
+              <a:avLst/>
+            </a:prstGeom>
+            <a:pattFill prst="lgGrid">
+              <a:fgClr>
+                <a:schemeClr val="accent1"/>
+              </a:fgClr>
+              <a:bgClr>
+                <a:schemeClr val="bg1"/>
+              </a:bgClr>
+            </a:pattFill>
+            <a:ln>
+              <a:solidFill>
+                <a:srgbClr val="4472C4"/>
+              </a:solidFill>
+            </a:ln>
+          </p:spPr>
+          <p:style>
+            <a:lnRef idx="2">
+              <a:schemeClr val="accent1">
+                <a:shade val="50000"/>
+              </a:schemeClr>
+            </a:lnRef>
+            <a:fillRef idx="1">
+              <a:schemeClr val="accent1"/>
+            </a:fillRef>
+            <a:effectRef idx="0">
+              <a:schemeClr val="accent1"/>
+            </a:effectRef>
+            <a:fontRef idx="minor">
+              <a:schemeClr val="lt1"/>
+            </a:fontRef>
+          </p:style>
+          <p:txBody>
+            <a:bodyPr rtlCol="0" anchor="ctr"/>
+            <a:lstStyle/>
+            <a:p>
+              <a:pPr algn="ctr"/>
+              <a:endParaRPr lang="zh-CN" altLang="en-US"/>
+            </a:p>
+          </p:txBody>
+        </p:sp>
+        <p:grpSp>
+          <p:nvGrpSpPr>
+            <p:cNvPr id="8" name="组合 7">
+              <a:extLst>
+                <a:ext uri="{FF2B5EF4-FFF2-40B4-BE49-F238E27FC236}">
+                  <a16:creationId xmlns:a16="http://schemas.microsoft.com/office/drawing/2014/main" id="{7713ACC5-2A54-426C-B325-A083A356493C}"/>
+                </a:ext>
+              </a:extLst>
+            </p:cNvPr>
+            <p:cNvGrpSpPr/>
+            <p:nvPr/>
+          </p:nvGrpSpPr>
+          <p:grpSpPr>
+            <a:xfrm>
+              <a:off x="7289385" y="2286286"/>
+              <a:ext cx="1791589" cy="1599028"/>
+              <a:chOff x="7321155" y="2262934"/>
+              <a:chExt cx="1791589" cy="1599028"/>
+            </a:xfrm>
+          </p:grpSpPr>
+          <p:sp>
+            <p:nvSpPr>
+              <p:cNvPr id="40" name="矩形 39">
+                <a:extLst>
+                  <a:ext uri="{FF2B5EF4-FFF2-40B4-BE49-F238E27FC236}">
+                    <a16:creationId xmlns:a16="http://schemas.microsoft.com/office/drawing/2014/main" id="{3DA25814-E171-4374-B5B3-F3AAB9C1188B}"/>
+                  </a:ext>
+                </a:extLst>
+              </p:cNvPr>
+              <p:cNvSpPr/>
+              <p:nvPr/>
+            </p:nvSpPr>
+            <p:spPr>
+              <a:xfrm>
+                <a:off x="7883760" y="3394917"/>
+                <a:ext cx="90000" cy="90000"/>
+              </a:xfrm>
+              <a:prstGeom prst="rect">
+                <a:avLst/>
+              </a:prstGeom>
+              <a:ln>
+                <a:noFill/>
+              </a:ln>
+            </p:spPr>
+            <p:style>
+              <a:lnRef idx="2">
+                <a:schemeClr val="accent1">
+                  <a:shade val="50000"/>
+                </a:schemeClr>
+              </a:lnRef>
+              <a:fillRef idx="1">
+                <a:schemeClr val="accent1"/>
+              </a:fillRef>
+              <a:effectRef idx="0">
+                <a:schemeClr val="accent1"/>
+              </a:effectRef>
+              <a:fontRef idx="minor">
+                <a:schemeClr val="lt1"/>
+              </a:fontRef>
+            </p:style>
+            <p:txBody>
+              <a:bodyPr rtlCol="0" anchor="ctr"/>
+              <a:lstStyle/>
+              <a:p>
+                <a:pPr algn="ctr"/>
+                <a:endParaRPr lang="zh-CN" altLang="en-US"/>
+              </a:p>
+            </p:txBody>
+          </p:sp>
+          <p:sp>
+            <p:nvSpPr>
+              <p:cNvPr id="42" name="矩形 41">
+                <a:extLst>
+                  <a:ext uri="{FF2B5EF4-FFF2-40B4-BE49-F238E27FC236}">
+                    <a16:creationId xmlns:a16="http://schemas.microsoft.com/office/drawing/2014/main" id="{66C14207-AE33-4761-A195-5E10B9052A26}"/>
+                  </a:ext>
+                </a:extLst>
+              </p:cNvPr>
+              <p:cNvSpPr/>
+              <p:nvPr/>
+            </p:nvSpPr>
+            <p:spPr>
+              <a:xfrm>
+                <a:off x="7793760" y="2442934"/>
+                <a:ext cx="90000" cy="90000"/>
+              </a:xfrm>
+              <a:prstGeom prst="rect">
+                <a:avLst/>
+              </a:prstGeom>
+              <a:ln>
+                <a:noFill/>
+              </a:ln>
+            </p:spPr>
+            <p:style>
+              <a:lnRef idx="2">
+                <a:schemeClr val="accent1">
+                  <a:shade val="50000"/>
+                </a:schemeClr>
+              </a:lnRef>
+              <a:fillRef idx="1">
+                <a:schemeClr val="accent1"/>
+              </a:fillRef>
+              <a:effectRef idx="0">
+                <a:schemeClr val="accent1"/>
+              </a:effectRef>
+              <a:fontRef idx="minor">
+                <a:schemeClr val="lt1"/>
+              </a:fontRef>
+            </p:style>
+            <p:txBody>
+              <a:bodyPr rtlCol="0" anchor="ctr"/>
+              <a:lstStyle/>
+              <a:p>
+                <a:pPr algn="ctr"/>
+                <a:endParaRPr lang="zh-CN" altLang="en-US"/>
+              </a:p>
+            </p:txBody>
+          </p:sp>
+          <p:sp>
+            <p:nvSpPr>
+              <p:cNvPr id="43" name="矩形 42">
+                <a:extLst>
+                  <a:ext uri="{FF2B5EF4-FFF2-40B4-BE49-F238E27FC236}">
+                    <a16:creationId xmlns:a16="http://schemas.microsoft.com/office/drawing/2014/main" id="{CC12EA50-8217-495C-A443-B54D8FDBF3D7}"/>
+                  </a:ext>
+                </a:extLst>
+              </p:cNvPr>
+              <p:cNvSpPr/>
+              <p:nvPr/>
+            </p:nvSpPr>
+            <p:spPr>
+              <a:xfrm>
+                <a:off x="7321155" y="2352934"/>
+                <a:ext cx="90000" cy="90000"/>
+              </a:xfrm>
+              <a:prstGeom prst="rect">
+                <a:avLst/>
+              </a:prstGeom>
+              <a:ln>
+                <a:noFill/>
+              </a:ln>
+            </p:spPr>
+            <p:style>
+              <a:lnRef idx="2">
+                <a:schemeClr val="accent1">
+                  <a:shade val="50000"/>
+                </a:schemeClr>
+              </a:lnRef>
+              <a:fillRef idx="1">
+                <a:schemeClr val="accent1"/>
+              </a:fillRef>
+              <a:effectRef idx="0">
+                <a:schemeClr val="accent1"/>
+              </a:effectRef>
+              <a:fontRef idx="minor">
+                <a:schemeClr val="lt1"/>
+              </a:fontRef>
+            </p:style>
+            <p:txBody>
+              <a:bodyPr rtlCol="0" anchor="ctr"/>
+              <a:lstStyle/>
+              <a:p>
+                <a:pPr algn="ctr"/>
+                <a:endParaRPr lang="zh-CN" altLang="en-US"/>
+              </a:p>
+            </p:txBody>
+          </p:sp>
+          <p:sp>
+            <p:nvSpPr>
+              <p:cNvPr id="44" name="矩形 43">
+                <a:extLst>
+                  <a:ext uri="{FF2B5EF4-FFF2-40B4-BE49-F238E27FC236}">
+                    <a16:creationId xmlns:a16="http://schemas.microsoft.com/office/drawing/2014/main" id="{D3DCD99E-3A34-40BB-A380-BAAAD0459DA5}"/>
+                  </a:ext>
+                </a:extLst>
+              </p:cNvPr>
+              <p:cNvSpPr/>
+              <p:nvPr/>
+            </p:nvSpPr>
+            <p:spPr>
+              <a:xfrm>
+                <a:off x="7695877" y="2532934"/>
+                <a:ext cx="90000" cy="90000"/>
+              </a:xfrm>
+              <a:prstGeom prst="rect">
+                <a:avLst/>
+              </a:prstGeom>
+              <a:ln>
+                <a:noFill/>
+              </a:ln>
+            </p:spPr>
+            <p:style>
+              <a:lnRef idx="2">
+                <a:schemeClr val="accent1">
+                  <a:shade val="50000"/>
+                </a:schemeClr>
+              </a:lnRef>
+              <a:fillRef idx="1">
+                <a:schemeClr val="accent1"/>
+              </a:fillRef>
+              <a:effectRef idx="0">
+                <a:schemeClr val="accent1"/>
+              </a:effectRef>
+              <a:fontRef idx="minor">
+                <a:schemeClr val="lt1"/>
+              </a:fontRef>
+            </p:style>
+            <p:txBody>
+              <a:bodyPr rtlCol="0" anchor="ctr"/>
+              <a:lstStyle/>
+              <a:p>
+                <a:pPr algn="ctr"/>
+                <a:endParaRPr lang="zh-CN" altLang="en-US"/>
+              </a:p>
+            </p:txBody>
+          </p:sp>
+          <p:sp>
+            <p:nvSpPr>
+              <p:cNvPr id="45" name="矩形 44">
+                <a:extLst>
+                  <a:ext uri="{FF2B5EF4-FFF2-40B4-BE49-F238E27FC236}">
+                    <a16:creationId xmlns:a16="http://schemas.microsoft.com/office/drawing/2014/main" id="{F50143A2-696C-4AE4-91E7-7ADEA3728CD8}"/>
+                  </a:ext>
+                </a:extLst>
+              </p:cNvPr>
+              <p:cNvSpPr/>
+              <p:nvPr/>
+            </p:nvSpPr>
+            <p:spPr>
+              <a:xfrm>
+                <a:off x="7512926" y="2262934"/>
+                <a:ext cx="90000" cy="90000"/>
+              </a:xfrm>
+              <a:prstGeom prst="rect">
+                <a:avLst/>
+              </a:prstGeom>
+              <a:ln>
+                <a:noFill/>
+              </a:ln>
+            </p:spPr>
+            <p:style>
+              <a:lnRef idx="2">
+                <a:schemeClr val="accent1">
+                  <a:shade val="50000"/>
+                </a:schemeClr>
+              </a:lnRef>
+              <a:fillRef idx="1">
+                <a:schemeClr val="accent1"/>
+              </a:fillRef>
+              <a:effectRef idx="0">
+                <a:schemeClr val="accent1"/>
+              </a:effectRef>
+              <a:fontRef idx="minor">
+                <a:schemeClr val="lt1"/>
+              </a:fontRef>
+            </p:style>
+            <p:txBody>
+              <a:bodyPr rtlCol="0" anchor="ctr"/>
+              <a:lstStyle/>
+              <a:p>
+                <a:pPr algn="ctr"/>
+                <a:endParaRPr lang="zh-CN" altLang="en-US"/>
+              </a:p>
+            </p:txBody>
+          </p:sp>
+          <p:sp>
+            <p:nvSpPr>
+              <p:cNvPr id="46" name="矩形 45">
+                <a:extLst>
+                  <a:ext uri="{FF2B5EF4-FFF2-40B4-BE49-F238E27FC236}">
+                    <a16:creationId xmlns:a16="http://schemas.microsoft.com/office/drawing/2014/main" id="{466607B9-65D0-4045-BF10-8803FF16C6D6}"/>
+                  </a:ext>
+                </a:extLst>
+              </p:cNvPr>
+              <p:cNvSpPr/>
+              <p:nvPr/>
+            </p:nvSpPr>
+            <p:spPr>
+              <a:xfrm>
+                <a:off x="7411155" y="2532934"/>
+                <a:ext cx="90000" cy="90000"/>
+              </a:xfrm>
+              <a:prstGeom prst="rect">
+                <a:avLst/>
+              </a:prstGeom>
+              <a:ln>
+                <a:noFill/>
+              </a:ln>
+            </p:spPr>
+            <p:style>
+              <a:lnRef idx="2">
+                <a:schemeClr val="accent1">
+                  <a:shade val="50000"/>
+                </a:schemeClr>
+              </a:lnRef>
+              <a:fillRef idx="1">
+                <a:schemeClr val="accent1"/>
+              </a:fillRef>
+              <a:effectRef idx="0">
+                <a:schemeClr val="accent1"/>
+              </a:effectRef>
+              <a:fontRef idx="minor">
+                <a:schemeClr val="lt1"/>
+              </a:fontRef>
+            </p:style>
+            <p:txBody>
+              <a:bodyPr rtlCol="0" anchor="ctr"/>
+              <a:lstStyle/>
+              <a:p>
+                <a:pPr algn="ctr"/>
+                <a:endParaRPr lang="zh-CN" altLang="en-US"/>
+              </a:p>
+            </p:txBody>
+          </p:sp>
+          <p:sp>
+            <p:nvSpPr>
+              <p:cNvPr id="47" name="矩形 46">
+                <a:extLst>
+                  <a:ext uri="{FF2B5EF4-FFF2-40B4-BE49-F238E27FC236}">
+                    <a16:creationId xmlns:a16="http://schemas.microsoft.com/office/drawing/2014/main" id="{D4E3C018-7C60-4B57-9293-32B41A59B6F3}"/>
+                  </a:ext>
+                </a:extLst>
+              </p:cNvPr>
+              <p:cNvSpPr/>
+              <p:nvPr/>
+            </p:nvSpPr>
+            <p:spPr>
+              <a:xfrm>
+                <a:off x="7605877" y="2823934"/>
+                <a:ext cx="90000" cy="90000"/>
+              </a:xfrm>
+              <a:prstGeom prst="rect">
+                <a:avLst/>
+              </a:prstGeom>
+              <a:ln>
+                <a:noFill/>
+              </a:ln>
+            </p:spPr>
+            <p:style>
+              <a:lnRef idx="2">
+                <a:schemeClr val="accent1">
+                  <a:shade val="50000"/>
+                </a:schemeClr>
+              </a:lnRef>
+              <a:fillRef idx="1">
+                <a:schemeClr val="accent1"/>
+              </a:fillRef>
+              <a:effectRef idx="0">
+                <a:schemeClr val="accent1"/>
+              </a:effectRef>
+              <a:fontRef idx="minor">
+                <a:schemeClr val="lt1"/>
+              </a:fontRef>
+            </p:style>
+            <p:txBody>
+              <a:bodyPr rtlCol="0" anchor="ctr"/>
+              <a:lstStyle/>
+              <a:p>
+                <a:pPr algn="ctr"/>
+                <a:endParaRPr lang="zh-CN" altLang="en-US"/>
+              </a:p>
+            </p:txBody>
+          </p:sp>
+          <p:sp>
+            <p:nvSpPr>
+              <p:cNvPr id="48" name="矩形 47">
+                <a:extLst>
+                  <a:ext uri="{FF2B5EF4-FFF2-40B4-BE49-F238E27FC236}">
+                    <a16:creationId xmlns:a16="http://schemas.microsoft.com/office/drawing/2014/main" id="{ADD3DFCC-63CF-446D-B2DE-F1F467D350FB}"/>
+                  </a:ext>
+                </a:extLst>
+              </p:cNvPr>
+              <p:cNvSpPr/>
+              <p:nvPr/>
+            </p:nvSpPr>
+            <p:spPr>
+              <a:xfrm>
+                <a:off x="9022744" y="2920702"/>
+                <a:ext cx="90000" cy="90000"/>
+              </a:xfrm>
+              <a:prstGeom prst="rect">
+                <a:avLst/>
+              </a:prstGeom>
+              <a:ln>
+                <a:noFill/>
+              </a:ln>
+            </p:spPr>
+            <p:style>
+              <a:lnRef idx="2">
+                <a:schemeClr val="accent1">
+                  <a:shade val="50000"/>
+                </a:schemeClr>
+              </a:lnRef>
+              <a:fillRef idx="1">
+                <a:schemeClr val="accent1"/>
+              </a:fillRef>
+              <a:effectRef idx="0">
+                <a:schemeClr val="accent1"/>
+              </a:effectRef>
+              <a:fontRef idx="minor">
+                <a:schemeClr val="lt1"/>
+              </a:fontRef>
+            </p:style>
+            <p:txBody>
+              <a:bodyPr rtlCol="0" anchor="ctr"/>
+              <a:lstStyle/>
+              <a:p>
+                <a:pPr algn="ctr"/>
+                <a:endParaRPr lang="zh-CN" altLang="en-US"/>
+              </a:p>
+            </p:txBody>
+          </p:sp>
+          <p:sp>
+            <p:nvSpPr>
+              <p:cNvPr id="49" name="矩形 48">
+                <a:extLst>
+                  <a:ext uri="{FF2B5EF4-FFF2-40B4-BE49-F238E27FC236}">
+                    <a16:creationId xmlns:a16="http://schemas.microsoft.com/office/drawing/2014/main" id="{A8F005C3-9F4B-439C-80EF-95F7A9FB7C72}"/>
+                  </a:ext>
+                </a:extLst>
+              </p:cNvPr>
+              <p:cNvSpPr/>
+              <p:nvPr/>
+            </p:nvSpPr>
+            <p:spPr>
+              <a:xfrm>
+                <a:off x="8934753" y="3484917"/>
+                <a:ext cx="90000" cy="90000"/>
+              </a:xfrm>
+              <a:prstGeom prst="rect">
+                <a:avLst/>
+              </a:prstGeom>
+              <a:ln>
+                <a:noFill/>
+              </a:ln>
+            </p:spPr>
+            <p:style>
+              <a:lnRef idx="2">
+                <a:schemeClr val="accent1">
+                  <a:shade val="50000"/>
+                </a:schemeClr>
+              </a:lnRef>
+              <a:fillRef idx="1">
+                <a:schemeClr val="accent1"/>
+              </a:fillRef>
+              <a:effectRef idx="0">
+                <a:schemeClr val="accent1"/>
+              </a:effectRef>
+              <a:fontRef idx="minor">
+                <a:schemeClr val="lt1"/>
+              </a:fontRef>
+            </p:style>
+            <p:txBody>
+              <a:bodyPr rtlCol="0" anchor="ctr"/>
+              <a:lstStyle/>
+              <a:p>
+                <a:pPr algn="ctr"/>
+                <a:endParaRPr lang="zh-CN" altLang="en-US"/>
+              </a:p>
+            </p:txBody>
+          </p:sp>
+          <p:sp>
+            <p:nvSpPr>
+              <p:cNvPr id="50" name="矩形 49">
+                <a:extLst>
+                  <a:ext uri="{FF2B5EF4-FFF2-40B4-BE49-F238E27FC236}">
+                    <a16:creationId xmlns:a16="http://schemas.microsoft.com/office/drawing/2014/main" id="{9AD57266-CF5C-4570-8A95-6BCD745E565F}"/>
+                  </a:ext>
+                </a:extLst>
+              </p:cNvPr>
+              <p:cNvSpPr/>
+              <p:nvPr/>
+            </p:nvSpPr>
+            <p:spPr>
+              <a:xfrm>
+                <a:off x="8834898" y="2728620"/>
+                <a:ext cx="90000" cy="90000"/>
+              </a:xfrm>
+              <a:prstGeom prst="rect">
+                <a:avLst/>
+              </a:prstGeom>
+              <a:ln>
+                <a:noFill/>
+              </a:ln>
+            </p:spPr>
+            <p:style>
+              <a:lnRef idx="2">
+                <a:schemeClr val="accent1">
+                  <a:shade val="50000"/>
+                </a:schemeClr>
+              </a:lnRef>
+              <a:fillRef idx="1">
+                <a:schemeClr val="accent1"/>
+              </a:fillRef>
+              <a:effectRef idx="0">
+                <a:schemeClr val="accent1"/>
+              </a:effectRef>
+              <a:fontRef idx="minor">
+                <a:schemeClr val="lt1"/>
+              </a:fontRef>
+            </p:style>
+            <p:txBody>
+              <a:bodyPr rtlCol="0" anchor="ctr"/>
+              <a:lstStyle/>
+              <a:p>
+                <a:pPr algn="ctr"/>
+                <a:endParaRPr lang="zh-CN" altLang="en-US"/>
+              </a:p>
+            </p:txBody>
+          </p:sp>
+          <p:sp>
+            <p:nvSpPr>
+              <p:cNvPr id="51" name="矩形 50">
+                <a:extLst>
+                  <a:ext uri="{FF2B5EF4-FFF2-40B4-BE49-F238E27FC236}">
+                    <a16:creationId xmlns:a16="http://schemas.microsoft.com/office/drawing/2014/main" id="{5C128DB4-60F3-4266-9B97-699121B5830C}"/>
+                  </a:ext>
+                </a:extLst>
+              </p:cNvPr>
+              <p:cNvSpPr/>
+              <p:nvPr/>
+            </p:nvSpPr>
+            <p:spPr>
+              <a:xfrm>
+                <a:off x="8735999" y="2344017"/>
+                <a:ext cx="90000" cy="90000"/>
+              </a:xfrm>
+              <a:prstGeom prst="rect">
+                <a:avLst/>
+              </a:prstGeom>
+              <a:ln>
+                <a:noFill/>
+              </a:ln>
+            </p:spPr>
+            <p:style>
+              <a:lnRef idx="2">
+                <a:schemeClr val="accent1">
+                  <a:shade val="50000"/>
+                </a:schemeClr>
+              </a:lnRef>
+              <a:fillRef idx="1">
+                <a:schemeClr val="accent1"/>
+              </a:fillRef>
+              <a:effectRef idx="0">
+                <a:schemeClr val="accent1"/>
+              </a:effectRef>
+              <a:fontRef idx="minor">
+                <a:schemeClr val="lt1"/>
+              </a:fontRef>
+            </p:style>
+            <p:txBody>
+              <a:bodyPr rtlCol="0" anchor="ctr"/>
+              <a:lstStyle/>
+              <a:p>
+                <a:pPr algn="ctr"/>
+                <a:endParaRPr lang="zh-CN" altLang="en-US"/>
+              </a:p>
+            </p:txBody>
+          </p:sp>
+          <p:sp>
+            <p:nvSpPr>
+              <p:cNvPr id="52" name="矩形 51">
+                <a:extLst>
+                  <a:ext uri="{FF2B5EF4-FFF2-40B4-BE49-F238E27FC236}">
+                    <a16:creationId xmlns:a16="http://schemas.microsoft.com/office/drawing/2014/main" id="{E8C8940D-27E6-406B-98D7-A101F5A040B7}"/>
+                  </a:ext>
+                </a:extLst>
+              </p:cNvPr>
+              <p:cNvSpPr/>
+              <p:nvPr/>
+            </p:nvSpPr>
+            <p:spPr>
+              <a:xfrm>
+                <a:off x="8548116" y="3771962"/>
+                <a:ext cx="90000" cy="90000"/>
+              </a:xfrm>
+              <a:prstGeom prst="rect">
+                <a:avLst/>
+              </a:prstGeom>
+              <a:ln>
+                <a:noFill/>
+              </a:ln>
+            </p:spPr>
+            <p:style>
+              <a:lnRef idx="2">
+                <a:schemeClr val="accent1">
+                  <a:shade val="50000"/>
+                </a:schemeClr>
+              </a:lnRef>
+              <a:fillRef idx="1">
+                <a:schemeClr val="accent1"/>
+              </a:fillRef>
+              <a:effectRef idx="0">
+                <a:schemeClr val="accent1"/>
+              </a:effectRef>
+              <a:fontRef idx="minor">
+                <a:schemeClr val="lt1"/>
+              </a:fontRef>
+            </p:style>
+            <p:txBody>
+              <a:bodyPr rtlCol="0" anchor="ctr"/>
+              <a:lstStyle/>
+              <a:p>
+                <a:pPr algn="ctr"/>
+                <a:endParaRPr lang="zh-CN" altLang="en-US"/>
+              </a:p>
+            </p:txBody>
+          </p:sp>
+          <p:sp>
+            <p:nvSpPr>
+              <p:cNvPr id="53" name="矩形 52">
+                <a:extLst>
+                  <a:ext uri="{FF2B5EF4-FFF2-40B4-BE49-F238E27FC236}">
+                    <a16:creationId xmlns:a16="http://schemas.microsoft.com/office/drawing/2014/main" id="{808F9AF7-3185-4CE2-8240-2CA6FB4C4AE8}"/>
+                  </a:ext>
+                </a:extLst>
+              </p:cNvPr>
+              <p:cNvSpPr/>
+              <p:nvPr/>
+            </p:nvSpPr>
+            <p:spPr>
+              <a:xfrm>
+                <a:off x="8079526" y="3009539"/>
+                <a:ext cx="90000" cy="90000"/>
+              </a:xfrm>
+              <a:prstGeom prst="rect">
+                <a:avLst/>
+              </a:prstGeom>
+              <a:ln>
+                <a:noFill/>
+              </a:ln>
+            </p:spPr>
+            <p:style>
+              <a:lnRef idx="2">
+                <a:schemeClr val="accent1">
+                  <a:shade val="50000"/>
+                </a:schemeClr>
+              </a:lnRef>
+              <a:fillRef idx="1">
+                <a:schemeClr val="accent1"/>
+              </a:fillRef>
+              <a:effectRef idx="0">
+                <a:schemeClr val="accent1"/>
+              </a:effectRef>
+              <a:fontRef idx="minor">
+                <a:schemeClr val="lt1"/>
+              </a:fontRef>
+            </p:style>
+            <p:txBody>
+              <a:bodyPr rtlCol="0" anchor="ctr"/>
+              <a:lstStyle/>
+              <a:p>
+                <a:pPr algn="ctr"/>
+                <a:endParaRPr lang="zh-CN" altLang="en-US"/>
+              </a:p>
+            </p:txBody>
+          </p:sp>
+          <p:sp>
+            <p:nvSpPr>
+              <p:cNvPr id="54" name="矩形 53">
+                <a:extLst>
+                  <a:ext uri="{FF2B5EF4-FFF2-40B4-BE49-F238E27FC236}">
+                    <a16:creationId xmlns:a16="http://schemas.microsoft.com/office/drawing/2014/main" id="{5C1360CA-EE52-4E9F-8F67-70A28943064A}"/>
+                  </a:ext>
+                </a:extLst>
+              </p:cNvPr>
+              <p:cNvSpPr/>
+              <p:nvPr/>
+            </p:nvSpPr>
+            <p:spPr>
+              <a:xfrm>
+                <a:off x="7981643" y="3107422"/>
+                <a:ext cx="90000" cy="90000"/>
+              </a:xfrm>
+              <a:prstGeom prst="rect">
+                <a:avLst/>
+              </a:prstGeom>
+              <a:ln>
+                <a:noFill/>
+              </a:ln>
+            </p:spPr>
+            <p:style>
+              <a:lnRef idx="2">
+                <a:schemeClr val="accent1">
+                  <a:shade val="50000"/>
+                </a:schemeClr>
+              </a:lnRef>
+              <a:fillRef idx="1">
+                <a:schemeClr val="accent1"/>
+              </a:fillRef>
+              <a:effectRef idx="0">
+                <a:schemeClr val="accent1"/>
+              </a:effectRef>
+              <a:fontRef idx="minor">
+                <a:schemeClr val="lt1"/>
+              </a:fontRef>
+            </p:style>
+            <p:txBody>
+              <a:bodyPr rtlCol="0" anchor="ctr"/>
+              <a:lstStyle/>
+              <a:p>
+                <a:pPr algn="ctr"/>
+                <a:endParaRPr lang="zh-CN" altLang="en-US"/>
+              </a:p>
+            </p:txBody>
+          </p:sp>
+          <p:sp>
+            <p:nvSpPr>
+              <p:cNvPr id="55" name="矩形 54">
+                <a:extLst>
+                  <a:ext uri="{FF2B5EF4-FFF2-40B4-BE49-F238E27FC236}">
+                    <a16:creationId xmlns:a16="http://schemas.microsoft.com/office/drawing/2014/main" id="{04CE6CC8-7434-4785-8C39-043F01C98B94}"/>
+                  </a:ext>
+                </a:extLst>
+              </p:cNvPr>
+              <p:cNvSpPr/>
+              <p:nvPr/>
+            </p:nvSpPr>
+            <p:spPr>
+              <a:xfrm>
+                <a:off x="8169526" y="3484917"/>
+                <a:ext cx="90000" cy="90000"/>
+              </a:xfrm>
+              <a:prstGeom prst="rect">
+                <a:avLst/>
+              </a:prstGeom>
+              <a:ln>
+                <a:noFill/>
+              </a:ln>
+            </p:spPr>
+            <p:style>
+              <a:lnRef idx="2">
+                <a:schemeClr val="accent1">
+                  <a:shade val="50000"/>
+                </a:schemeClr>
+              </a:lnRef>
+              <a:fillRef idx="1">
+                <a:schemeClr val="accent1"/>
+              </a:fillRef>
+              <a:effectRef idx="0">
+                <a:schemeClr val="accent1"/>
+              </a:effectRef>
+              <a:fontRef idx="minor">
+                <a:schemeClr val="lt1"/>
+              </a:fontRef>
+            </p:style>
+            <p:txBody>
+              <a:bodyPr rtlCol="0" anchor="ctr"/>
+              <a:lstStyle/>
+              <a:p>
+                <a:pPr algn="ctr"/>
+                <a:endParaRPr lang="zh-CN" altLang="en-US"/>
+              </a:p>
+            </p:txBody>
+          </p:sp>
+          <p:sp>
+            <p:nvSpPr>
+              <p:cNvPr id="56" name="矩形 55">
+                <a:extLst>
+                  <a:ext uri="{FF2B5EF4-FFF2-40B4-BE49-F238E27FC236}">
+                    <a16:creationId xmlns:a16="http://schemas.microsoft.com/office/drawing/2014/main" id="{783CBE60-C749-4F47-8F1B-D5723C97CFE1}"/>
+                  </a:ext>
+                </a:extLst>
+              </p:cNvPr>
+              <p:cNvSpPr/>
+              <p:nvPr/>
+            </p:nvSpPr>
+            <p:spPr>
+              <a:xfrm>
+                <a:off x="8744898" y="3101566"/>
+                <a:ext cx="90000" cy="90000"/>
+              </a:xfrm>
+              <a:prstGeom prst="rect">
+                <a:avLst/>
+              </a:prstGeom>
+              <a:ln>
+                <a:noFill/>
+              </a:ln>
+            </p:spPr>
+            <p:style>
+              <a:lnRef idx="2">
+                <a:schemeClr val="accent1">
+                  <a:shade val="50000"/>
+                </a:schemeClr>
+              </a:lnRef>
+              <a:fillRef idx="1">
+                <a:schemeClr val="accent1"/>
+              </a:fillRef>
+              <a:effectRef idx="0">
+                <a:schemeClr val="accent1"/>
+              </a:effectRef>
+              <a:fontRef idx="minor">
+                <a:schemeClr val="lt1"/>
+              </a:fontRef>
+            </p:style>
+            <p:txBody>
+              <a:bodyPr rtlCol="0" anchor="ctr"/>
+              <a:lstStyle/>
+              <a:p>
+                <a:pPr algn="ctr"/>
+                <a:endParaRPr lang="zh-CN" altLang="en-US"/>
+              </a:p>
+            </p:txBody>
+          </p:sp>
+          <p:sp>
+            <p:nvSpPr>
+              <p:cNvPr id="57" name="矩形 56">
+                <a:extLst>
+                  <a:ext uri="{FF2B5EF4-FFF2-40B4-BE49-F238E27FC236}">
+                    <a16:creationId xmlns:a16="http://schemas.microsoft.com/office/drawing/2014/main" id="{1FBEE361-70FE-4A00-BA8E-0AEE337FC681}"/>
+                  </a:ext>
+                </a:extLst>
+              </p:cNvPr>
+              <p:cNvSpPr/>
+              <p:nvPr/>
+            </p:nvSpPr>
+            <p:spPr>
+              <a:xfrm>
+                <a:off x="8645999" y="3301764"/>
+                <a:ext cx="90000" cy="90000"/>
+              </a:xfrm>
+              <a:prstGeom prst="rect">
+                <a:avLst/>
+              </a:prstGeom>
+              <a:ln>
+                <a:noFill/>
+              </a:ln>
+            </p:spPr>
+            <p:style>
+              <a:lnRef idx="2">
+                <a:schemeClr val="accent1">
+                  <a:shade val="50000"/>
+                </a:schemeClr>
+              </a:lnRef>
+              <a:fillRef idx="1">
+                <a:schemeClr val="accent1"/>
+              </a:fillRef>
+              <a:effectRef idx="0">
+                <a:schemeClr val="accent1"/>
+              </a:effectRef>
+              <a:fontRef idx="minor">
+                <a:schemeClr val="lt1"/>
+              </a:fontRef>
+            </p:style>
+            <p:txBody>
+              <a:bodyPr rtlCol="0" anchor="ctr"/>
+              <a:lstStyle/>
+              <a:p>
+                <a:pPr algn="ctr"/>
+                <a:endParaRPr lang="zh-CN" altLang="en-US"/>
+              </a:p>
+            </p:txBody>
+          </p:sp>
+          <p:sp>
+            <p:nvSpPr>
+              <p:cNvPr id="58" name="矩形 57">
+                <a:extLst>
+                  <a:ext uri="{FF2B5EF4-FFF2-40B4-BE49-F238E27FC236}">
+                    <a16:creationId xmlns:a16="http://schemas.microsoft.com/office/drawing/2014/main" id="{C0F790F9-393A-4745-B53C-00B4F40C4F18}"/>
+                  </a:ext>
+                </a:extLst>
+              </p:cNvPr>
+              <p:cNvSpPr/>
+              <p:nvPr/>
+            </p:nvSpPr>
+            <p:spPr>
+              <a:xfrm>
+                <a:off x="8458116" y="3011566"/>
+                <a:ext cx="90000" cy="90000"/>
+              </a:xfrm>
+              <a:prstGeom prst="rect">
+                <a:avLst/>
+              </a:prstGeom>
+              <a:ln>
+                <a:noFill/>
+              </a:ln>
+            </p:spPr>
+            <p:style>
+              <a:lnRef idx="2">
+                <a:schemeClr val="accent1">
+                  <a:shade val="50000"/>
+                </a:schemeClr>
+              </a:lnRef>
+              <a:fillRef idx="1">
+                <a:schemeClr val="accent1"/>
+              </a:fillRef>
+              <a:effectRef idx="0">
+                <a:schemeClr val="accent1"/>
+              </a:effectRef>
+              <a:fontRef idx="minor">
+                <a:schemeClr val="lt1"/>
+              </a:fontRef>
+            </p:style>
+            <p:txBody>
+              <a:bodyPr rtlCol="0" anchor="ctr"/>
+              <a:lstStyle/>
+              <a:p>
+                <a:pPr algn="ctr"/>
+                <a:endParaRPr lang="zh-CN" altLang="en-US"/>
+              </a:p>
+            </p:txBody>
+          </p:sp>
+          <p:sp>
+            <p:nvSpPr>
+              <p:cNvPr id="59" name="矩形 58">
+                <a:extLst>
+                  <a:ext uri="{FF2B5EF4-FFF2-40B4-BE49-F238E27FC236}">
+                    <a16:creationId xmlns:a16="http://schemas.microsoft.com/office/drawing/2014/main" id="{B599291C-B213-45AC-94D7-41EECBFF6E02}"/>
+                  </a:ext>
+                </a:extLst>
+              </p:cNvPr>
+              <p:cNvSpPr/>
+              <p:nvPr/>
+            </p:nvSpPr>
+            <p:spPr>
+              <a:xfrm>
+                <a:off x="8363516" y="2535963"/>
+                <a:ext cx="90000" cy="90000"/>
+              </a:xfrm>
+              <a:prstGeom prst="rect">
+                <a:avLst/>
+              </a:prstGeom>
+              <a:ln>
+                <a:noFill/>
+              </a:ln>
+            </p:spPr>
+            <p:style>
+              <a:lnRef idx="2">
+                <a:schemeClr val="accent1">
+                  <a:shade val="50000"/>
+                </a:schemeClr>
+              </a:lnRef>
+              <a:fillRef idx="1">
+                <a:schemeClr val="accent1"/>
+              </a:fillRef>
+              <a:effectRef idx="0">
+                <a:schemeClr val="accent1"/>
+              </a:effectRef>
+              <a:fontRef idx="minor">
+                <a:schemeClr val="lt1"/>
+              </a:fontRef>
+            </p:style>
+            <p:txBody>
+              <a:bodyPr rtlCol="0" anchor="ctr"/>
+              <a:lstStyle/>
+              <a:p>
+                <a:pPr algn="ctr"/>
+                <a:endParaRPr lang="zh-CN" altLang="en-US"/>
+              </a:p>
+            </p:txBody>
+          </p:sp>
+          <p:sp>
+            <p:nvSpPr>
+              <p:cNvPr id="60" name="矩形 59">
+                <a:extLst>
+                  <a:ext uri="{FF2B5EF4-FFF2-40B4-BE49-F238E27FC236}">
+                    <a16:creationId xmlns:a16="http://schemas.microsoft.com/office/drawing/2014/main" id="{26129CFD-5BE9-4D42-9581-921E3E9DA58D}"/>
+                  </a:ext>
+                </a:extLst>
+              </p:cNvPr>
+              <p:cNvSpPr/>
+              <p:nvPr/>
+            </p:nvSpPr>
+            <p:spPr>
+              <a:xfrm>
+                <a:off x="8269382" y="2728620"/>
+                <a:ext cx="90000" cy="90000"/>
+              </a:xfrm>
+              <a:prstGeom prst="rect">
+                <a:avLst/>
+              </a:prstGeom>
+              <a:ln>
+                <a:noFill/>
+              </a:ln>
+            </p:spPr>
+            <p:style>
+              <a:lnRef idx="2">
+                <a:schemeClr val="accent1">
+                  <a:shade val="50000"/>
+                </a:schemeClr>
+              </a:lnRef>
+              <a:fillRef idx="1">
+                <a:schemeClr val="accent1"/>
+              </a:fillRef>
+              <a:effectRef idx="0">
+                <a:schemeClr val="accent1"/>
+              </a:effectRef>
+              <a:fontRef idx="minor">
+                <a:schemeClr val="lt1"/>
+              </a:fontRef>
+            </p:style>
+            <p:txBody>
+              <a:bodyPr rtlCol="0" anchor="ctr"/>
+              <a:lstStyle/>
+              <a:p>
+                <a:pPr algn="ctr"/>
+                <a:endParaRPr lang="zh-CN" altLang="en-US"/>
+              </a:p>
+            </p:txBody>
+          </p:sp>
+        </p:grpSp>
+      </p:grpSp>
+      <p:sp>
+        <p:nvSpPr>
+          <p:cNvPr id="7" name="右大括号 6">
+            <a:extLst>
+              <a:ext uri="{FF2B5EF4-FFF2-40B4-BE49-F238E27FC236}">
+                <a16:creationId xmlns:a16="http://schemas.microsoft.com/office/drawing/2014/main" id="{B717DF4C-62AF-4226-9641-BC5CE468EC76}"/>
+              </a:ext>
+            </a:extLst>
+          </p:cNvPr>
+          <p:cNvSpPr/>
+          <p:nvPr/>
+        </p:nvSpPr>
+        <p:spPr>
+          <a:xfrm>
+            <a:off x="4683940" y="2488447"/>
+            <a:ext cx="250199" cy="1041983"/>
+          </a:xfrm>
+          <a:prstGeom prst="rightBrace">
+            <a:avLst>
+              <a:gd name="adj1" fmla="val 102539"/>
+              <a:gd name="adj2" fmla="val 50757"/>
+            </a:avLst>
+          </a:prstGeom>
+        </p:spPr>
+        <p:style>
+          <a:lnRef idx="1">
+            <a:schemeClr val="accent1"/>
+          </a:lnRef>
+          <a:fillRef idx="0">
+            <a:schemeClr val="accent1"/>
+          </a:fillRef>
+          <a:effectRef idx="0">
+            <a:schemeClr val="accent1"/>
+          </a:effectRef>
+          <a:fontRef idx="minor">
+            <a:schemeClr val="tx1"/>
+          </a:fontRef>
+        </p:style>
+        <p:txBody>
+          <a:bodyPr rtlCol="0" anchor="ctr"/>
+          <a:lstStyle/>
+          <a:p>
+            <a:pPr algn="ctr"/>
+            <a:endParaRPr lang="zh-CN" altLang="en-US"/>
+          </a:p>
+        </p:txBody>
+      </p:sp>
+      <p:sp>
+        <p:nvSpPr>
+          <p:cNvPr id="61" name="文本框 60">
+            <a:extLst>
+              <a:ext uri="{FF2B5EF4-FFF2-40B4-BE49-F238E27FC236}">
+                <a16:creationId xmlns:a16="http://schemas.microsoft.com/office/drawing/2014/main" id="{87C02E4B-0CFD-4249-AEB8-8AC39031D577}"/>
+              </a:ext>
+            </a:extLst>
+          </p:cNvPr>
+          <p:cNvSpPr txBox="1"/>
+          <p:nvPr/>
+        </p:nvSpPr>
+        <p:spPr>
+          <a:xfrm>
+            <a:off x="4934139" y="2818620"/>
+            <a:ext cx="841422" cy="369332"/>
+          </a:xfrm>
+          <a:prstGeom prst="rect">
+            <a:avLst/>
+          </a:prstGeom>
+          <a:noFill/>
+        </p:spPr>
+        <p:txBody>
+          <a:bodyPr wrap="square" rtlCol="0">
+            <a:spAutoFit/>
+          </a:bodyPr>
+          <a:lstStyle/>
+          <a:p>
+            <a:r>
+              <a:rPr lang="en-US" altLang="zh-CN" dirty="0">
+                <a:solidFill>
+                  <a:srgbClr val="4472C4"/>
+                </a:solidFill>
+                <a:latin typeface="Times New Roman" panose="02020603050405020304" pitchFamily="18" charset="0"/>
+                <a:cs typeface="Times New Roman" panose="02020603050405020304" pitchFamily="18" charset="0"/>
+              </a:rPr>
+              <a:t>Total 3</a:t>
+            </a:r>
+            <a:endParaRPr lang="zh-CN" altLang="en-US" dirty="0">
+              <a:solidFill>
+                <a:srgbClr val="4472C4"/>
+              </a:solidFill>
+              <a:latin typeface="Times New Roman" panose="02020603050405020304" pitchFamily="18" charset="0"/>
+              <a:cs typeface="Times New Roman" panose="02020603050405020304" pitchFamily="18" charset="0"/>
+            </a:endParaRPr>
+          </a:p>
+        </p:txBody>
+      </p:sp>
+      <p:sp>
+        <p:nvSpPr>
+          <p:cNvPr id="63" name="文本框 62">
+            <a:extLst>
+              <a:ext uri="{FF2B5EF4-FFF2-40B4-BE49-F238E27FC236}">
+                <a16:creationId xmlns:a16="http://schemas.microsoft.com/office/drawing/2014/main" id="{353DB128-7725-4B6C-9226-0322E5B6C14F}"/>
+              </a:ext>
+            </a:extLst>
+          </p:cNvPr>
+          <p:cNvSpPr txBox="1"/>
+          <p:nvPr/>
+        </p:nvSpPr>
+        <p:spPr>
+          <a:xfrm>
+            <a:off x="9153164" y="2826036"/>
+            <a:ext cx="574566" cy="369332"/>
+          </a:xfrm>
+          <a:prstGeom prst="rect">
+            <a:avLst/>
+          </a:prstGeom>
+          <a:noFill/>
+        </p:spPr>
+        <p:txBody>
+          <a:bodyPr wrap="square" rtlCol="0">
+            <a:spAutoFit/>
+          </a:bodyPr>
+          <a:lstStyle/>
+          <a:p>
+            <a:r>
+              <a:rPr lang="en-US" altLang="zh-CN" dirty="0">
+                <a:solidFill>
+                  <a:srgbClr val="4472C4"/>
+                </a:solidFill>
+                <a:latin typeface="Times New Roman" panose="02020603050405020304" pitchFamily="18" charset="0"/>
+                <a:cs typeface="Times New Roman" panose="02020603050405020304" pitchFamily="18" charset="0"/>
+              </a:rPr>
+              <a:t>× 3</a:t>
+            </a:r>
+            <a:endParaRPr lang="zh-CN" altLang="en-US" dirty="0">
+              <a:solidFill>
+                <a:srgbClr val="4472C4"/>
+              </a:solidFill>
+              <a:latin typeface="Times New Roman" panose="02020603050405020304" pitchFamily="18" charset="0"/>
+              <a:cs typeface="Times New Roman" panose="02020603050405020304" pitchFamily="18" charset="0"/>
+            </a:endParaRPr>
+          </a:p>
+        </p:txBody>
+      </p:sp>
+    </p:spTree>
+    <p:extLst>
+      <p:ext uri="{BB962C8B-B14F-4D97-AF65-F5344CB8AC3E}">
+        <p14:creationId xmlns:p14="http://schemas.microsoft.com/office/powerpoint/2010/main" val="3245449756"/>
+      </p:ext>
+    </p:extLst>
+  </p:cSld>
+  <p:clrMapOvr>
+    <a:masterClrMapping/>
+  </p:clrMapOvr>
+</p:sld>
+</file>
+
 <file path=ppt/theme/theme1.xml><?xml version="1.0" encoding="utf-8"?>
 <a:theme xmlns:a="http://schemas.openxmlformats.org/drawingml/2006/main" name="Office 主题​​">
   <a:themeElements>

--- a/img/plot.pptx
+++ b/img/plot.pptx
@@ -12,6 +12,7 @@
     <p:sldId id="260" r:id="rId6"/>
     <p:sldId id="261" r:id="rId7"/>
     <p:sldId id="262" r:id="rId8"/>
+    <p:sldId id="263" r:id="rId9"/>
   </p:sldIdLst>
   <p:sldSz cx="12192000" cy="6858000"/>
   <p:notesSz cx="6858000" cy="9144000"/>
@@ -265,7 +266,7 @@
           <a:p>
             <a:fld id="{B654FC95-7D04-4169-8BD3-25ECC6121B6D}" type="datetimeFigureOut">
               <a:rPr lang="zh-CN" altLang="en-US" smtClean="0"/>
-              <a:t>2019/11/9</a:t>
+              <a:t>2020/6/16</a:t>
             </a:fld>
             <a:endParaRPr lang="zh-CN" altLang="en-US"/>
           </a:p>
@@ -463,7 +464,7 @@
           <a:p>
             <a:fld id="{B654FC95-7D04-4169-8BD3-25ECC6121B6D}" type="datetimeFigureOut">
               <a:rPr lang="zh-CN" altLang="en-US" smtClean="0"/>
-              <a:t>2019/11/9</a:t>
+              <a:t>2020/6/16</a:t>
             </a:fld>
             <a:endParaRPr lang="zh-CN" altLang="en-US"/>
           </a:p>
@@ -671,7 +672,7 @@
           <a:p>
             <a:fld id="{B654FC95-7D04-4169-8BD3-25ECC6121B6D}" type="datetimeFigureOut">
               <a:rPr lang="zh-CN" altLang="en-US" smtClean="0"/>
-              <a:t>2019/11/9</a:t>
+              <a:t>2020/6/16</a:t>
             </a:fld>
             <a:endParaRPr lang="zh-CN" altLang="en-US"/>
           </a:p>
@@ -869,7 +870,7 @@
           <a:p>
             <a:fld id="{B654FC95-7D04-4169-8BD3-25ECC6121B6D}" type="datetimeFigureOut">
               <a:rPr lang="zh-CN" altLang="en-US" smtClean="0"/>
-              <a:t>2019/11/9</a:t>
+              <a:t>2020/6/16</a:t>
             </a:fld>
             <a:endParaRPr lang="zh-CN" altLang="en-US"/>
           </a:p>
@@ -1144,7 +1145,7 @@
           <a:p>
             <a:fld id="{B654FC95-7D04-4169-8BD3-25ECC6121B6D}" type="datetimeFigureOut">
               <a:rPr lang="zh-CN" altLang="en-US" smtClean="0"/>
-              <a:t>2019/11/9</a:t>
+              <a:t>2020/6/16</a:t>
             </a:fld>
             <a:endParaRPr lang="zh-CN" altLang="en-US"/>
           </a:p>
@@ -1409,7 +1410,7 @@
           <a:p>
             <a:fld id="{B654FC95-7D04-4169-8BD3-25ECC6121B6D}" type="datetimeFigureOut">
               <a:rPr lang="zh-CN" altLang="en-US" smtClean="0"/>
-              <a:t>2019/11/9</a:t>
+              <a:t>2020/6/16</a:t>
             </a:fld>
             <a:endParaRPr lang="zh-CN" altLang="en-US"/>
           </a:p>
@@ -1821,7 +1822,7 @@
           <a:p>
             <a:fld id="{B654FC95-7D04-4169-8BD3-25ECC6121B6D}" type="datetimeFigureOut">
               <a:rPr lang="zh-CN" altLang="en-US" smtClean="0"/>
-              <a:t>2019/11/9</a:t>
+              <a:t>2020/6/16</a:t>
             </a:fld>
             <a:endParaRPr lang="zh-CN" altLang="en-US"/>
           </a:p>
@@ -1962,7 +1963,7 @@
           <a:p>
             <a:fld id="{B654FC95-7D04-4169-8BD3-25ECC6121B6D}" type="datetimeFigureOut">
               <a:rPr lang="zh-CN" altLang="en-US" smtClean="0"/>
-              <a:t>2019/11/9</a:t>
+              <a:t>2020/6/16</a:t>
             </a:fld>
             <a:endParaRPr lang="zh-CN" altLang="en-US"/>
           </a:p>
@@ -2075,7 +2076,7 @@
           <a:p>
             <a:fld id="{B654FC95-7D04-4169-8BD3-25ECC6121B6D}" type="datetimeFigureOut">
               <a:rPr lang="zh-CN" altLang="en-US" smtClean="0"/>
-              <a:t>2019/11/9</a:t>
+              <a:t>2020/6/16</a:t>
             </a:fld>
             <a:endParaRPr lang="zh-CN" altLang="en-US"/>
           </a:p>
@@ -2386,7 +2387,7 @@
           <a:p>
             <a:fld id="{B654FC95-7D04-4169-8BD3-25ECC6121B6D}" type="datetimeFigureOut">
               <a:rPr lang="zh-CN" altLang="en-US" smtClean="0"/>
-              <a:t>2019/11/9</a:t>
+              <a:t>2020/6/16</a:t>
             </a:fld>
             <a:endParaRPr lang="zh-CN" altLang="en-US"/>
           </a:p>
@@ -2674,7 +2675,7 @@
           <a:p>
             <a:fld id="{B654FC95-7D04-4169-8BD3-25ECC6121B6D}" type="datetimeFigureOut">
               <a:rPr lang="zh-CN" altLang="en-US" smtClean="0"/>
-              <a:t>2019/11/9</a:t>
+              <a:t>2020/6/16</a:t>
             </a:fld>
             <a:endParaRPr lang="zh-CN" altLang="en-US"/>
           </a:p>
@@ -2915,7 +2916,7 @@
           <a:p>
             <a:fld id="{B654FC95-7D04-4169-8BD3-25ECC6121B6D}" type="datetimeFigureOut">
               <a:rPr lang="zh-CN" altLang="en-US" smtClean="0"/>
-              <a:t>2019/11/9</a:t>
+              <a:t>2020/6/16</a:t>
             </a:fld>
             <a:endParaRPr lang="zh-CN" altLang="en-US"/>
           </a:p>
@@ -10511,6 +10512,1086 @@
 </p:sld>
 </file>
 
+<file path=ppt/slides/slide8.xml><?xml version="1.0" encoding="utf-8"?>
+<p:sld xmlns:a="http://schemas.openxmlformats.org/drawingml/2006/main" xmlns:r="http://schemas.openxmlformats.org/officeDocument/2006/relationships" xmlns:p="http://schemas.openxmlformats.org/presentationml/2006/main">
+  <p:cSld>
+    <p:spTree>
+      <p:nvGrpSpPr>
+        <p:cNvPr id="1" name=""/>
+        <p:cNvGrpSpPr/>
+        <p:nvPr/>
+      </p:nvGrpSpPr>
+      <p:grpSpPr>
+        <a:xfrm>
+          <a:off x="0" y="0"/>
+          <a:ext cx="0" cy="0"/>
+          <a:chOff x="0" y="0"/>
+          <a:chExt cx="0" cy="0"/>
+        </a:xfrm>
+      </p:grpSpPr>
+      <p:sp>
+        <p:nvSpPr>
+          <p:cNvPr id="4" name="矩形: 圆角 3">
+            <a:extLst>
+              <a:ext uri="{FF2B5EF4-FFF2-40B4-BE49-F238E27FC236}">
+                <a16:creationId xmlns:a16="http://schemas.microsoft.com/office/drawing/2014/main" id="{8BD8FCC1-EDED-447D-9070-5AA4AFE7B844}"/>
+              </a:ext>
+            </a:extLst>
+          </p:cNvPr>
+          <p:cNvSpPr/>
+          <p:nvPr/>
+        </p:nvSpPr>
+        <p:spPr>
+          <a:xfrm>
+            <a:off x="910356" y="2120111"/>
+            <a:ext cx="1836891" cy="655455"/>
+          </a:xfrm>
+          <a:prstGeom prst="roundRect">
+            <a:avLst/>
+          </a:prstGeom>
+          <a:noFill/>
+          <a:ln>
+            <a:solidFill>
+              <a:schemeClr val="tx1"/>
+            </a:solidFill>
+          </a:ln>
+        </p:spPr>
+        <p:style>
+          <a:lnRef idx="2">
+            <a:schemeClr val="accent1">
+              <a:shade val="50000"/>
+            </a:schemeClr>
+          </a:lnRef>
+          <a:fillRef idx="1">
+            <a:schemeClr val="accent1"/>
+          </a:fillRef>
+          <a:effectRef idx="0">
+            <a:schemeClr val="accent1"/>
+          </a:effectRef>
+          <a:fontRef idx="minor">
+            <a:schemeClr val="lt1"/>
+          </a:fontRef>
+        </p:style>
+        <p:txBody>
+          <a:bodyPr rtlCol="0" anchor="ctr"/>
+          <a:lstStyle/>
+          <a:p>
+            <a:pPr algn="ctr"/>
+            <a:endParaRPr lang="zh-CN" altLang="en-US"/>
+          </a:p>
+        </p:txBody>
+      </p:sp>
+      <p:sp>
+        <p:nvSpPr>
+          <p:cNvPr id="5" name="文本框 4">
+            <a:extLst>
+              <a:ext uri="{FF2B5EF4-FFF2-40B4-BE49-F238E27FC236}">
+                <a16:creationId xmlns:a16="http://schemas.microsoft.com/office/drawing/2014/main" id="{FE0BC724-E065-44A2-A83B-0B8F67173B18}"/>
+              </a:ext>
+            </a:extLst>
+          </p:cNvPr>
+          <p:cNvSpPr txBox="1"/>
+          <p:nvPr/>
+        </p:nvSpPr>
+        <p:spPr>
+          <a:xfrm>
+            <a:off x="979139" y="2217007"/>
+            <a:ext cx="1699326" cy="461665"/>
+          </a:xfrm>
+          <a:prstGeom prst="rect">
+            <a:avLst/>
+          </a:prstGeom>
+          <a:noFill/>
+        </p:spPr>
+        <p:txBody>
+          <a:bodyPr wrap="square" rtlCol="0">
+            <a:spAutoFit/>
+          </a:bodyPr>
+          <a:lstStyle/>
+          <a:p>
+            <a:pPr algn="ctr"/>
+            <a:r>
+              <a:rPr lang="en-US" altLang="zh-CN" sz="2400" dirty="0">
+                <a:latin typeface="Times New Roman" panose="02020603050405020304" pitchFamily="18" charset="0"/>
+                <a:cs typeface="Times New Roman" panose="02020603050405020304" pitchFamily="18" charset="0"/>
+              </a:rPr>
+              <a:t>configure.ac</a:t>
+            </a:r>
+            <a:endParaRPr lang="zh-CN" altLang="en-US" sz="2400" dirty="0">
+              <a:latin typeface="Times New Roman" panose="02020603050405020304" pitchFamily="18" charset="0"/>
+              <a:cs typeface="Times New Roman" panose="02020603050405020304" pitchFamily="18" charset="0"/>
+            </a:endParaRPr>
+          </a:p>
+        </p:txBody>
+      </p:sp>
+      <p:sp>
+        <p:nvSpPr>
+          <p:cNvPr id="6" name="矩形: 圆角 5">
+            <a:extLst>
+              <a:ext uri="{FF2B5EF4-FFF2-40B4-BE49-F238E27FC236}">
+                <a16:creationId xmlns:a16="http://schemas.microsoft.com/office/drawing/2014/main" id="{D8DBC632-28D0-49E2-ADE6-E4A69EF180FD}"/>
+              </a:ext>
+            </a:extLst>
+          </p:cNvPr>
+          <p:cNvSpPr/>
+          <p:nvPr/>
+        </p:nvSpPr>
+        <p:spPr>
+          <a:xfrm>
+            <a:off x="910356" y="4044667"/>
+            <a:ext cx="1836891" cy="655455"/>
+          </a:xfrm>
+          <a:prstGeom prst="roundRect">
+            <a:avLst/>
+          </a:prstGeom>
+          <a:noFill/>
+          <a:ln>
+            <a:solidFill>
+              <a:schemeClr val="tx1"/>
+            </a:solidFill>
+          </a:ln>
+        </p:spPr>
+        <p:style>
+          <a:lnRef idx="2">
+            <a:schemeClr val="accent1">
+              <a:shade val="50000"/>
+            </a:schemeClr>
+          </a:lnRef>
+          <a:fillRef idx="1">
+            <a:schemeClr val="accent1"/>
+          </a:fillRef>
+          <a:effectRef idx="0">
+            <a:schemeClr val="accent1"/>
+          </a:effectRef>
+          <a:fontRef idx="minor">
+            <a:schemeClr val="lt1"/>
+          </a:fontRef>
+        </p:style>
+        <p:txBody>
+          <a:bodyPr rtlCol="0" anchor="ctr"/>
+          <a:lstStyle/>
+          <a:p>
+            <a:pPr algn="ctr"/>
+            <a:endParaRPr lang="zh-CN" altLang="en-US"/>
+          </a:p>
+        </p:txBody>
+      </p:sp>
+      <p:sp>
+        <p:nvSpPr>
+          <p:cNvPr id="7" name="文本框 6">
+            <a:extLst>
+              <a:ext uri="{FF2B5EF4-FFF2-40B4-BE49-F238E27FC236}">
+                <a16:creationId xmlns:a16="http://schemas.microsoft.com/office/drawing/2014/main" id="{51D8307B-84E2-494B-B612-7AB758F43B1D}"/>
+              </a:ext>
+            </a:extLst>
+          </p:cNvPr>
+          <p:cNvSpPr txBox="1"/>
+          <p:nvPr/>
+        </p:nvSpPr>
+        <p:spPr>
+          <a:xfrm>
+            <a:off x="944747" y="4141561"/>
+            <a:ext cx="1768108" cy="461665"/>
+          </a:xfrm>
+          <a:prstGeom prst="rect">
+            <a:avLst/>
+          </a:prstGeom>
+          <a:noFill/>
+        </p:spPr>
+        <p:txBody>
+          <a:bodyPr wrap="square" rtlCol="0">
+            <a:spAutoFit/>
+          </a:bodyPr>
+          <a:lstStyle/>
+          <a:p>
+            <a:pPr algn="ctr"/>
+            <a:r>
+              <a:rPr lang="en-US" altLang="zh-CN" sz="2400" dirty="0">
+                <a:latin typeface="Times New Roman" panose="02020603050405020304" pitchFamily="18" charset="0"/>
+                <a:cs typeface="Times New Roman" panose="02020603050405020304" pitchFamily="18" charset="0"/>
+              </a:rPr>
+              <a:t>Makefile.am</a:t>
+            </a:r>
+            <a:endParaRPr lang="zh-CN" altLang="en-US" sz="2400" dirty="0">
+              <a:latin typeface="Times New Roman" panose="02020603050405020304" pitchFamily="18" charset="0"/>
+              <a:cs typeface="Times New Roman" panose="02020603050405020304" pitchFamily="18" charset="0"/>
+            </a:endParaRPr>
+          </a:p>
+        </p:txBody>
+      </p:sp>
+      <p:sp>
+        <p:nvSpPr>
+          <p:cNvPr id="8" name="矩形: 圆角 7">
+            <a:extLst>
+              <a:ext uri="{FF2B5EF4-FFF2-40B4-BE49-F238E27FC236}">
+                <a16:creationId xmlns:a16="http://schemas.microsoft.com/office/drawing/2014/main" id="{33EAC123-98A0-432F-ADBF-F6CF1CAFB611}"/>
+              </a:ext>
+            </a:extLst>
+          </p:cNvPr>
+          <p:cNvSpPr/>
+          <p:nvPr/>
+        </p:nvSpPr>
+        <p:spPr>
+          <a:xfrm>
+            <a:off x="4082434" y="2120111"/>
+            <a:ext cx="1836891" cy="655455"/>
+          </a:xfrm>
+          <a:prstGeom prst="roundRect">
+            <a:avLst/>
+          </a:prstGeom>
+          <a:noFill/>
+          <a:ln>
+            <a:solidFill>
+              <a:schemeClr val="tx1"/>
+            </a:solidFill>
+          </a:ln>
+        </p:spPr>
+        <p:style>
+          <a:lnRef idx="2">
+            <a:schemeClr val="accent1">
+              <a:shade val="50000"/>
+            </a:schemeClr>
+          </a:lnRef>
+          <a:fillRef idx="1">
+            <a:schemeClr val="accent1"/>
+          </a:fillRef>
+          <a:effectRef idx="0">
+            <a:schemeClr val="accent1"/>
+          </a:effectRef>
+          <a:fontRef idx="minor">
+            <a:schemeClr val="lt1"/>
+          </a:fontRef>
+        </p:style>
+        <p:txBody>
+          <a:bodyPr rtlCol="0" anchor="ctr"/>
+          <a:lstStyle/>
+          <a:p>
+            <a:pPr algn="ctr"/>
+            <a:endParaRPr lang="zh-CN" altLang="en-US"/>
+          </a:p>
+        </p:txBody>
+      </p:sp>
+      <p:sp>
+        <p:nvSpPr>
+          <p:cNvPr id="9" name="文本框 8">
+            <a:extLst>
+              <a:ext uri="{FF2B5EF4-FFF2-40B4-BE49-F238E27FC236}">
+                <a16:creationId xmlns:a16="http://schemas.microsoft.com/office/drawing/2014/main" id="{1CD7FE0F-EC54-4E54-9113-AA87FC81D2C5}"/>
+              </a:ext>
+            </a:extLst>
+          </p:cNvPr>
+          <p:cNvSpPr txBox="1"/>
+          <p:nvPr/>
+        </p:nvSpPr>
+        <p:spPr>
+          <a:xfrm>
+            <a:off x="4151217" y="2217007"/>
+            <a:ext cx="1699326" cy="461665"/>
+          </a:xfrm>
+          <a:prstGeom prst="rect">
+            <a:avLst/>
+          </a:prstGeom>
+          <a:noFill/>
+        </p:spPr>
+        <p:txBody>
+          <a:bodyPr wrap="square" rtlCol="0">
+            <a:spAutoFit/>
+          </a:bodyPr>
+          <a:lstStyle/>
+          <a:p>
+            <a:pPr algn="ctr"/>
+            <a:r>
+              <a:rPr lang="en-US" altLang="zh-CN" sz="2400" dirty="0">
+                <a:latin typeface="Times New Roman" panose="02020603050405020304" pitchFamily="18" charset="0"/>
+                <a:cs typeface="Times New Roman" panose="02020603050405020304" pitchFamily="18" charset="0"/>
+              </a:rPr>
+              <a:t>configure</a:t>
+            </a:r>
+            <a:endParaRPr lang="zh-CN" altLang="en-US" sz="2400" dirty="0">
+              <a:latin typeface="Times New Roman" panose="02020603050405020304" pitchFamily="18" charset="0"/>
+              <a:cs typeface="Times New Roman" panose="02020603050405020304" pitchFamily="18" charset="0"/>
+            </a:endParaRPr>
+          </a:p>
+        </p:txBody>
+      </p:sp>
+      <p:sp>
+        <p:nvSpPr>
+          <p:cNvPr id="10" name="矩形: 圆角 9">
+            <a:extLst>
+              <a:ext uri="{FF2B5EF4-FFF2-40B4-BE49-F238E27FC236}">
+                <a16:creationId xmlns:a16="http://schemas.microsoft.com/office/drawing/2014/main" id="{D6DDF4EC-7FBE-4B82-9EF9-DF355CB8170E}"/>
+              </a:ext>
+            </a:extLst>
+          </p:cNvPr>
+          <p:cNvSpPr/>
+          <p:nvPr/>
+        </p:nvSpPr>
+        <p:spPr>
+          <a:xfrm>
+            <a:off x="4082434" y="4044667"/>
+            <a:ext cx="1836891" cy="655455"/>
+          </a:xfrm>
+          <a:prstGeom prst="roundRect">
+            <a:avLst/>
+          </a:prstGeom>
+          <a:noFill/>
+          <a:ln>
+            <a:solidFill>
+              <a:schemeClr val="tx1"/>
+            </a:solidFill>
+          </a:ln>
+        </p:spPr>
+        <p:style>
+          <a:lnRef idx="2">
+            <a:schemeClr val="accent1">
+              <a:shade val="50000"/>
+            </a:schemeClr>
+          </a:lnRef>
+          <a:fillRef idx="1">
+            <a:schemeClr val="accent1"/>
+          </a:fillRef>
+          <a:effectRef idx="0">
+            <a:schemeClr val="accent1"/>
+          </a:effectRef>
+          <a:fontRef idx="minor">
+            <a:schemeClr val="lt1"/>
+          </a:fontRef>
+        </p:style>
+        <p:txBody>
+          <a:bodyPr rtlCol="0" anchor="ctr"/>
+          <a:lstStyle/>
+          <a:p>
+            <a:pPr algn="ctr"/>
+            <a:endParaRPr lang="zh-CN" altLang="en-US"/>
+          </a:p>
+        </p:txBody>
+      </p:sp>
+      <p:sp>
+        <p:nvSpPr>
+          <p:cNvPr id="11" name="文本框 10">
+            <a:extLst>
+              <a:ext uri="{FF2B5EF4-FFF2-40B4-BE49-F238E27FC236}">
+                <a16:creationId xmlns:a16="http://schemas.microsoft.com/office/drawing/2014/main" id="{1D04CB20-D255-48C7-97B7-63E3D3C9D6AB}"/>
+              </a:ext>
+            </a:extLst>
+          </p:cNvPr>
+          <p:cNvSpPr txBox="1"/>
+          <p:nvPr/>
+        </p:nvSpPr>
+        <p:spPr>
+          <a:xfrm>
+            <a:off x="4116825" y="4141561"/>
+            <a:ext cx="1768108" cy="461665"/>
+          </a:xfrm>
+          <a:prstGeom prst="rect">
+            <a:avLst/>
+          </a:prstGeom>
+          <a:noFill/>
+        </p:spPr>
+        <p:txBody>
+          <a:bodyPr wrap="square" rtlCol="0">
+            <a:spAutoFit/>
+          </a:bodyPr>
+          <a:lstStyle/>
+          <a:p>
+            <a:pPr algn="ctr"/>
+            <a:r>
+              <a:rPr lang="en-US" altLang="zh-CN" sz="2400" dirty="0">
+                <a:latin typeface="Times New Roman" panose="02020603050405020304" pitchFamily="18" charset="0"/>
+                <a:cs typeface="Times New Roman" panose="02020603050405020304" pitchFamily="18" charset="0"/>
+              </a:rPr>
+              <a:t>Makefile.in</a:t>
+            </a:r>
+            <a:endParaRPr lang="zh-CN" altLang="en-US" sz="2400" dirty="0">
+              <a:latin typeface="Times New Roman" panose="02020603050405020304" pitchFamily="18" charset="0"/>
+              <a:cs typeface="Times New Roman" panose="02020603050405020304" pitchFamily="18" charset="0"/>
+            </a:endParaRPr>
+          </a:p>
+        </p:txBody>
+      </p:sp>
+      <p:cxnSp>
+        <p:nvCxnSpPr>
+          <p:cNvPr id="12" name="直接箭头连接符 11">
+            <a:extLst>
+              <a:ext uri="{FF2B5EF4-FFF2-40B4-BE49-F238E27FC236}">
+                <a16:creationId xmlns:a16="http://schemas.microsoft.com/office/drawing/2014/main" id="{3112A469-C620-4B88-A5EC-C27DA7DB18C3}"/>
+              </a:ext>
+            </a:extLst>
+          </p:cNvPr>
+          <p:cNvCxnSpPr>
+            <a:cxnSpLocks/>
+            <a:stCxn id="4" idx="3"/>
+            <a:endCxn id="8" idx="1"/>
+          </p:cNvCxnSpPr>
+          <p:nvPr/>
+        </p:nvCxnSpPr>
+        <p:spPr>
+          <a:xfrm>
+            <a:off x="2747247" y="2447839"/>
+            <a:ext cx="1335187" cy="0"/>
+          </a:xfrm>
+          <a:prstGeom prst="straightConnector1">
+            <a:avLst/>
+          </a:prstGeom>
+          <a:ln>
+            <a:tailEnd type="triangle"/>
+          </a:ln>
+        </p:spPr>
+        <p:style>
+          <a:lnRef idx="1">
+            <a:schemeClr val="dk1"/>
+          </a:lnRef>
+          <a:fillRef idx="0">
+            <a:schemeClr val="dk1"/>
+          </a:fillRef>
+          <a:effectRef idx="0">
+            <a:schemeClr val="dk1"/>
+          </a:effectRef>
+          <a:fontRef idx="minor">
+            <a:schemeClr val="tx1"/>
+          </a:fontRef>
+        </p:style>
+      </p:cxnSp>
+      <p:sp>
+        <p:nvSpPr>
+          <p:cNvPr id="13" name="文本框 12">
+            <a:extLst>
+              <a:ext uri="{FF2B5EF4-FFF2-40B4-BE49-F238E27FC236}">
+                <a16:creationId xmlns:a16="http://schemas.microsoft.com/office/drawing/2014/main" id="{43ED2DAF-B76A-4644-A29F-9E0313512812}"/>
+              </a:ext>
+            </a:extLst>
+          </p:cNvPr>
+          <p:cNvSpPr txBox="1"/>
+          <p:nvPr/>
+        </p:nvSpPr>
+        <p:spPr>
+          <a:xfrm>
+            <a:off x="2697685" y="3956895"/>
+            <a:ext cx="1286633" cy="369332"/>
+          </a:xfrm>
+          <a:prstGeom prst="rect">
+            <a:avLst/>
+          </a:prstGeom>
+          <a:noFill/>
+        </p:spPr>
+        <p:txBody>
+          <a:bodyPr wrap="square" rtlCol="0">
+            <a:spAutoFit/>
+          </a:bodyPr>
+          <a:lstStyle/>
+          <a:p>
+            <a:pPr algn="ctr"/>
+            <a:r>
+              <a:rPr lang="en-US" altLang="zh-CN" dirty="0">
+                <a:latin typeface="Times New Roman" panose="02020603050405020304" pitchFamily="18" charset="0"/>
+                <a:cs typeface="Times New Roman" panose="02020603050405020304" pitchFamily="18" charset="0"/>
+              </a:rPr>
+              <a:t>automake</a:t>
+            </a:r>
+            <a:endParaRPr lang="zh-CN" altLang="en-US" dirty="0">
+              <a:latin typeface="Times New Roman" panose="02020603050405020304" pitchFamily="18" charset="0"/>
+              <a:cs typeface="Times New Roman" panose="02020603050405020304" pitchFamily="18" charset="0"/>
+            </a:endParaRPr>
+          </a:p>
+        </p:txBody>
+      </p:sp>
+      <p:sp>
+        <p:nvSpPr>
+          <p:cNvPr id="14" name="文本框 13">
+            <a:extLst>
+              <a:ext uri="{FF2B5EF4-FFF2-40B4-BE49-F238E27FC236}">
+                <a16:creationId xmlns:a16="http://schemas.microsoft.com/office/drawing/2014/main" id="{5D1233E9-B2C8-4843-8CD4-C82309357000}"/>
+              </a:ext>
+            </a:extLst>
+          </p:cNvPr>
+          <p:cNvSpPr txBox="1"/>
+          <p:nvPr/>
+        </p:nvSpPr>
+        <p:spPr>
+          <a:xfrm>
+            <a:off x="2690604" y="2057705"/>
+            <a:ext cx="1286633" cy="369332"/>
+          </a:xfrm>
+          <a:prstGeom prst="rect">
+            <a:avLst/>
+          </a:prstGeom>
+          <a:noFill/>
+        </p:spPr>
+        <p:txBody>
+          <a:bodyPr wrap="square" rtlCol="0">
+            <a:spAutoFit/>
+          </a:bodyPr>
+          <a:lstStyle/>
+          <a:p>
+            <a:pPr algn="ctr"/>
+            <a:r>
+              <a:rPr lang="en-US" altLang="zh-CN" dirty="0">
+                <a:latin typeface="Times New Roman" panose="02020603050405020304" pitchFamily="18" charset="0"/>
+                <a:cs typeface="Times New Roman" panose="02020603050405020304" pitchFamily="18" charset="0"/>
+              </a:rPr>
+              <a:t>autoconf</a:t>
+            </a:r>
+            <a:endParaRPr lang="zh-CN" altLang="en-US" dirty="0">
+              <a:latin typeface="Times New Roman" panose="02020603050405020304" pitchFamily="18" charset="0"/>
+              <a:cs typeface="Times New Roman" panose="02020603050405020304" pitchFamily="18" charset="0"/>
+            </a:endParaRPr>
+          </a:p>
+        </p:txBody>
+      </p:sp>
+      <p:cxnSp>
+        <p:nvCxnSpPr>
+          <p:cNvPr id="15" name="直接箭头连接符 14">
+            <a:extLst>
+              <a:ext uri="{FF2B5EF4-FFF2-40B4-BE49-F238E27FC236}">
+                <a16:creationId xmlns:a16="http://schemas.microsoft.com/office/drawing/2014/main" id="{F44B82FA-F59B-4732-A622-E0359017470A}"/>
+              </a:ext>
+            </a:extLst>
+          </p:cNvPr>
+          <p:cNvCxnSpPr>
+            <a:cxnSpLocks/>
+            <a:stCxn id="6" idx="3"/>
+            <a:endCxn id="10" idx="1"/>
+          </p:cNvCxnSpPr>
+          <p:nvPr/>
+        </p:nvCxnSpPr>
+        <p:spPr>
+          <a:xfrm>
+            <a:off x="2747247" y="4372395"/>
+            <a:ext cx="1335187" cy="0"/>
+          </a:xfrm>
+          <a:prstGeom prst="straightConnector1">
+            <a:avLst/>
+          </a:prstGeom>
+          <a:ln>
+            <a:tailEnd type="triangle"/>
+          </a:ln>
+        </p:spPr>
+        <p:style>
+          <a:lnRef idx="1">
+            <a:schemeClr val="dk1"/>
+          </a:lnRef>
+          <a:fillRef idx="0">
+            <a:schemeClr val="dk1"/>
+          </a:fillRef>
+          <a:effectRef idx="0">
+            <a:schemeClr val="dk1"/>
+          </a:effectRef>
+          <a:fontRef idx="minor">
+            <a:schemeClr val="tx1"/>
+          </a:fontRef>
+        </p:style>
+      </p:cxnSp>
+      <p:sp>
+        <p:nvSpPr>
+          <p:cNvPr id="16" name="矩形: 圆角 15">
+            <a:extLst>
+              <a:ext uri="{FF2B5EF4-FFF2-40B4-BE49-F238E27FC236}">
+                <a16:creationId xmlns:a16="http://schemas.microsoft.com/office/drawing/2014/main" id="{0829F662-3945-4F81-8DD9-7C0CD8AEF1B1}"/>
+              </a:ext>
+            </a:extLst>
+          </p:cNvPr>
+          <p:cNvSpPr/>
+          <p:nvPr/>
+        </p:nvSpPr>
+        <p:spPr>
+          <a:xfrm>
+            <a:off x="6501949" y="3082389"/>
+            <a:ext cx="1836891" cy="655455"/>
+          </a:xfrm>
+          <a:prstGeom prst="roundRect">
+            <a:avLst/>
+          </a:prstGeom>
+          <a:noFill/>
+          <a:ln>
+            <a:solidFill>
+              <a:schemeClr val="tx1"/>
+            </a:solidFill>
+          </a:ln>
+        </p:spPr>
+        <p:style>
+          <a:lnRef idx="2">
+            <a:schemeClr val="accent1">
+              <a:shade val="50000"/>
+            </a:schemeClr>
+          </a:lnRef>
+          <a:fillRef idx="1">
+            <a:schemeClr val="accent1"/>
+          </a:fillRef>
+          <a:effectRef idx="0">
+            <a:schemeClr val="accent1"/>
+          </a:effectRef>
+          <a:fontRef idx="minor">
+            <a:schemeClr val="lt1"/>
+          </a:fontRef>
+        </p:style>
+        <p:txBody>
+          <a:bodyPr rtlCol="0" anchor="ctr"/>
+          <a:lstStyle/>
+          <a:p>
+            <a:pPr algn="ctr"/>
+            <a:endParaRPr lang="zh-CN" altLang="en-US"/>
+          </a:p>
+        </p:txBody>
+      </p:sp>
+      <p:sp>
+        <p:nvSpPr>
+          <p:cNvPr id="17" name="文本框 16">
+            <a:extLst>
+              <a:ext uri="{FF2B5EF4-FFF2-40B4-BE49-F238E27FC236}">
+                <a16:creationId xmlns:a16="http://schemas.microsoft.com/office/drawing/2014/main" id="{0889D127-380C-40B7-8160-7866D151D9A3}"/>
+              </a:ext>
+            </a:extLst>
+          </p:cNvPr>
+          <p:cNvSpPr txBox="1"/>
+          <p:nvPr/>
+        </p:nvSpPr>
+        <p:spPr>
+          <a:xfrm>
+            <a:off x="6536340" y="3179283"/>
+            <a:ext cx="1768108" cy="461665"/>
+          </a:xfrm>
+          <a:prstGeom prst="rect">
+            <a:avLst/>
+          </a:prstGeom>
+          <a:noFill/>
+        </p:spPr>
+        <p:txBody>
+          <a:bodyPr wrap="square" rtlCol="0">
+            <a:spAutoFit/>
+          </a:bodyPr>
+          <a:lstStyle/>
+          <a:p>
+            <a:pPr algn="ctr"/>
+            <a:r>
+              <a:rPr lang="en-US" altLang="zh-CN" sz="2400" dirty="0">
+                <a:latin typeface="Times New Roman" panose="02020603050405020304" pitchFamily="18" charset="0"/>
+                <a:cs typeface="Times New Roman" panose="02020603050405020304" pitchFamily="18" charset="0"/>
+              </a:rPr>
+              <a:t>Makefile</a:t>
+            </a:r>
+            <a:endParaRPr lang="zh-CN" altLang="en-US" sz="2400" dirty="0">
+              <a:latin typeface="Times New Roman" panose="02020603050405020304" pitchFamily="18" charset="0"/>
+              <a:cs typeface="Times New Roman" panose="02020603050405020304" pitchFamily="18" charset="0"/>
+            </a:endParaRPr>
+          </a:p>
+        </p:txBody>
+      </p:sp>
+      <p:cxnSp>
+        <p:nvCxnSpPr>
+          <p:cNvPr id="18" name="连接符: 曲线 17">
+            <a:extLst>
+              <a:ext uri="{FF2B5EF4-FFF2-40B4-BE49-F238E27FC236}">
+                <a16:creationId xmlns:a16="http://schemas.microsoft.com/office/drawing/2014/main" id="{D1BDA8B5-4F62-463E-BD33-346FBBF34781}"/>
+              </a:ext>
+            </a:extLst>
+          </p:cNvPr>
+          <p:cNvCxnSpPr>
+            <a:cxnSpLocks/>
+            <a:stCxn id="8" idx="2"/>
+            <a:endCxn id="16" idx="1"/>
+          </p:cNvCxnSpPr>
+          <p:nvPr/>
+        </p:nvCxnSpPr>
+        <p:spPr>
+          <a:xfrm rot="16200000" flipH="1">
+            <a:off x="5434139" y="2342306"/>
+            <a:ext cx="634551" cy="1501069"/>
+          </a:xfrm>
+          <a:prstGeom prst="curvedConnector2">
+            <a:avLst/>
+          </a:prstGeom>
+          <a:ln>
+            <a:tailEnd type="triangle"/>
+          </a:ln>
+        </p:spPr>
+        <p:style>
+          <a:lnRef idx="1">
+            <a:schemeClr val="dk1"/>
+          </a:lnRef>
+          <a:fillRef idx="0">
+            <a:schemeClr val="dk1"/>
+          </a:fillRef>
+          <a:effectRef idx="0">
+            <a:schemeClr val="dk1"/>
+          </a:effectRef>
+          <a:fontRef idx="minor">
+            <a:schemeClr val="tx1"/>
+          </a:fontRef>
+        </p:style>
+      </p:cxnSp>
+      <p:cxnSp>
+        <p:nvCxnSpPr>
+          <p:cNvPr id="19" name="连接符: 曲线 18">
+            <a:extLst>
+              <a:ext uri="{FF2B5EF4-FFF2-40B4-BE49-F238E27FC236}">
+                <a16:creationId xmlns:a16="http://schemas.microsoft.com/office/drawing/2014/main" id="{6C500014-9559-4325-98F9-C153DEB41ED1}"/>
+              </a:ext>
+            </a:extLst>
+          </p:cNvPr>
+          <p:cNvCxnSpPr>
+            <a:cxnSpLocks/>
+            <a:stCxn id="10" idx="0"/>
+            <a:endCxn id="16" idx="1"/>
+          </p:cNvCxnSpPr>
+          <p:nvPr/>
+        </p:nvCxnSpPr>
+        <p:spPr>
+          <a:xfrm rot="5400000" flipH="1" flipV="1">
+            <a:off x="5434139" y="2976858"/>
+            <a:ext cx="634550" cy="1501069"/>
+          </a:xfrm>
+          <a:prstGeom prst="curvedConnector2">
+            <a:avLst/>
+          </a:prstGeom>
+          <a:ln>
+            <a:tailEnd type="triangle"/>
+          </a:ln>
+        </p:spPr>
+        <p:style>
+          <a:lnRef idx="1">
+            <a:schemeClr val="dk1"/>
+          </a:lnRef>
+          <a:fillRef idx="0">
+            <a:schemeClr val="dk1"/>
+          </a:fillRef>
+          <a:effectRef idx="0">
+            <a:schemeClr val="dk1"/>
+          </a:effectRef>
+          <a:fontRef idx="minor">
+            <a:schemeClr val="tx1"/>
+          </a:fontRef>
+        </p:style>
+      </p:cxnSp>
+      <p:sp>
+        <p:nvSpPr>
+          <p:cNvPr id="20" name="文本框 19">
+            <a:extLst>
+              <a:ext uri="{FF2B5EF4-FFF2-40B4-BE49-F238E27FC236}">
+                <a16:creationId xmlns:a16="http://schemas.microsoft.com/office/drawing/2014/main" id="{5575491B-A288-44E4-8372-EF4680C0A81A}"/>
+              </a:ext>
+            </a:extLst>
+          </p:cNvPr>
+          <p:cNvSpPr txBox="1"/>
+          <p:nvPr/>
+        </p:nvSpPr>
+        <p:spPr>
+          <a:xfrm>
+            <a:off x="4323170" y="3225450"/>
+            <a:ext cx="1286633" cy="369332"/>
+          </a:xfrm>
+          <a:prstGeom prst="rect">
+            <a:avLst/>
+          </a:prstGeom>
+          <a:noFill/>
+        </p:spPr>
+        <p:txBody>
+          <a:bodyPr wrap="square" rtlCol="0">
+            <a:spAutoFit/>
+          </a:bodyPr>
+          <a:lstStyle/>
+          <a:p>
+            <a:pPr algn="ctr"/>
+            <a:r>
+              <a:rPr lang="en-US" altLang="zh-CN" dirty="0">
+                <a:latin typeface="Times New Roman" panose="02020603050405020304" pitchFamily="18" charset="0"/>
+                <a:cs typeface="Times New Roman" panose="02020603050405020304" pitchFamily="18" charset="0"/>
+              </a:rPr>
+              <a:t>configure</a:t>
+            </a:r>
+            <a:endParaRPr lang="zh-CN" altLang="en-US" dirty="0">
+              <a:latin typeface="Times New Roman" panose="02020603050405020304" pitchFamily="18" charset="0"/>
+              <a:cs typeface="Times New Roman" panose="02020603050405020304" pitchFamily="18" charset="0"/>
+            </a:endParaRPr>
+          </a:p>
+        </p:txBody>
+      </p:sp>
+      <p:cxnSp>
+        <p:nvCxnSpPr>
+          <p:cNvPr id="21" name="连接符: 曲线 20">
+            <a:extLst>
+              <a:ext uri="{FF2B5EF4-FFF2-40B4-BE49-F238E27FC236}">
+                <a16:creationId xmlns:a16="http://schemas.microsoft.com/office/drawing/2014/main" id="{5E80B814-D0BB-4A79-8AA7-C6AA25E661EF}"/>
+              </a:ext>
+            </a:extLst>
+          </p:cNvPr>
+          <p:cNvCxnSpPr>
+            <a:cxnSpLocks/>
+            <a:stCxn id="16" idx="3"/>
+          </p:cNvCxnSpPr>
+          <p:nvPr/>
+        </p:nvCxnSpPr>
+        <p:spPr>
+          <a:xfrm>
+            <a:off x="8338840" y="3410117"/>
+            <a:ext cx="1576597" cy="634550"/>
+          </a:xfrm>
+          <a:prstGeom prst="curvedConnector2">
+            <a:avLst/>
+          </a:prstGeom>
+          <a:ln>
+            <a:tailEnd type="triangle"/>
+          </a:ln>
+        </p:spPr>
+        <p:style>
+          <a:lnRef idx="1">
+            <a:schemeClr val="dk1"/>
+          </a:lnRef>
+          <a:fillRef idx="0">
+            <a:schemeClr val="dk1"/>
+          </a:fillRef>
+          <a:effectRef idx="0">
+            <a:schemeClr val="dk1"/>
+          </a:effectRef>
+          <a:fontRef idx="minor">
+            <a:schemeClr val="tx1"/>
+          </a:fontRef>
+        </p:style>
+      </p:cxnSp>
+      <p:cxnSp>
+        <p:nvCxnSpPr>
+          <p:cNvPr id="22" name="连接符: 曲线 21">
+            <a:extLst>
+              <a:ext uri="{FF2B5EF4-FFF2-40B4-BE49-F238E27FC236}">
+                <a16:creationId xmlns:a16="http://schemas.microsoft.com/office/drawing/2014/main" id="{C3DF20E0-B4E0-4F65-9E06-0D89B90D235E}"/>
+              </a:ext>
+            </a:extLst>
+          </p:cNvPr>
+          <p:cNvCxnSpPr>
+            <a:cxnSpLocks/>
+            <a:stCxn id="16" idx="3"/>
+          </p:cNvCxnSpPr>
+          <p:nvPr/>
+        </p:nvCxnSpPr>
+        <p:spPr>
+          <a:xfrm flipV="1">
+            <a:off x="8338840" y="2775566"/>
+            <a:ext cx="1576597" cy="634551"/>
+          </a:xfrm>
+          <a:prstGeom prst="curvedConnector2">
+            <a:avLst/>
+          </a:prstGeom>
+          <a:ln>
+            <a:tailEnd type="triangle"/>
+          </a:ln>
+        </p:spPr>
+        <p:style>
+          <a:lnRef idx="1">
+            <a:schemeClr val="dk1"/>
+          </a:lnRef>
+          <a:fillRef idx="0">
+            <a:schemeClr val="dk1"/>
+          </a:fillRef>
+          <a:effectRef idx="0">
+            <a:schemeClr val="dk1"/>
+          </a:effectRef>
+          <a:fontRef idx="minor">
+            <a:schemeClr val="tx1"/>
+          </a:fontRef>
+        </p:style>
+      </p:cxnSp>
+      <p:sp>
+        <p:nvSpPr>
+          <p:cNvPr id="23" name="文本框 22">
+            <a:extLst>
+              <a:ext uri="{FF2B5EF4-FFF2-40B4-BE49-F238E27FC236}">
+                <a16:creationId xmlns:a16="http://schemas.microsoft.com/office/drawing/2014/main" id="{F91E5245-F474-48A5-BA0F-C7CA6A0737FD}"/>
+              </a:ext>
+            </a:extLst>
+          </p:cNvPr>
+          <p:cNvSpPr txBox="1"/>
+          <p:nvPr/>
+        </p:nvSpPr>
+        <p:spPr>
+          <a:xfrm>
+            <a:off x="9272120" y="2263172"/>
+            <a:ext cx="1286633" cy="369332"/>
+          </a:xfrm>
+          <a:prstGeom prst="rect">
+            <a:avLst/>
+          </a:prstGeom>
+          <a:noFill/>
+        </p:spPr>
+        <p:txBody>
+          <a:bodyPr wrap="square" rtlCol="0">
+            <a:spAutoFit/>
+          </a:bodyPr>
+          <a:lstStyle/>
+          <a:p>
+            <a:pPr algn="ctr"/>
+            <a:r>
+              <a:rPr lang="en-US" altLang="zh-CN" dirty="0">
+                <a:latin typeface="Times New Roman" panose="02020603050405020304" pitchFamily="18" charset="0"/>
+                <a:cs typeface="Times New Roman" panose="02020603050405020304" pitchFamily="18" charset="0"/>
+              </a:rPr>
+              <a:t>make</a:t>
+            </a:r>
+            <a:endParaRPr lang="zh-CN" altLang="en-US" dirty="0">
+              <a:latin typeface="Times New Roman" panose="02020603050405020304" pitchFamily="18" charset="0"/>
+              <a:cs typeface="Times New Roman" panose="02020603050405020304" pitchFamily="18" charset="0"/>
+            </a:endParaRPr>
+          </a:p>
+        </p:txBody>
+      </p:sp>
+      <p:sp>
+        <p:nvSpPr>
+          <p:cNvPr id="24" name="文本框 23">
+            <a:extLst>
+              <a:ext uri="{FF2B5EF4-FFF2-40B4-BE49-F238E27FC236}">
+                <a16:creationId xmlns:a16="http://schemas.microsoft.com/office/drawing/2014/main" id="{FAA32CEA-59DE-40E8-8B95-1366ACEB6903}"/>
+              </a:ext>
+            </a:extLst>
+          </p:cNvPr>
+          <p:cNvSpPr txBox="1"/>
+          <p:nvPr/>
+        </p:nvSpPr>
+        <p:spPr>
+          <a:xfrm>
+            <a:off x="9203674" y="4187727"/>
+            <a:ext cx="1423524" cy="369332"/>
+          </a:xfrm>
+          <a:prstGeom prst="rect">
+            <a:avLst/>
+          </a:prstGeom>
+          <a:noFill/>
+        </p:spPr>
+        <p:txBody>
+          <a:bodyPr wrap="square" rtlCol="0">
+            <a:spAutoFit/>
+          </a:bodyPr>
+          <a:lstStyle/>
+          <a:p>
+            <a:pPr algn="ctr"/>
+            <a:r>
+              <a:rPr lang="en-US" altLang="zh-CN" dirty="0">
+                <a:latin typeface="Times New Roman" panose="02020603050405020304" pitchFamily="18" charset="0"/>
+                <a:cs typeface="Times New Roman" panose="02020603050405020304" pitchFamily="18" charset="0"/>
+              </a:rPr>
+              <a:t>make install</a:t>
+            </a:r>
+            <a:endParaRPr lang="zh-CN" altLang="en-US" dirty="0">
+              <a:latin typeface="Times New Roman" panose="02020603050405020304" pitchFamily="18" charset="0"/>
+              <a:cs typeface="Times New Roman" panose="02020603050405020304" pitchFamily="18" charset="0"/>
+            </a:endParaRPr>
+          </a:p>
+        </p:txBody>
+      </p:sp>
+      <p:sp>
+        <p:nvSpPr>
+          <p:cNvPr id="25" name="矩形: 圆角 24">
+            <a:extLst>
+              <a:ext uri="{FF2B5EF4-FFF2-40B4-BE49-F238E27FC236}">
+                <a16:creationId xmlns:a16="http://schemas.microsoft.com/office/drawing/2014/main" id="{80646F63-192C-4D80-9575-FF5D7593B8C5}"/>
+              </a:ext>
+            </a:extLst>
+          </p:cNvPr>
+          <p:cNvSpPr/>
+          <p:nvPr/>
+        </p:nvSpPr>
+        <p:spPr>
+          <a:xfrm>
+            <a:off x="3885526" y="1497829"/>
+            <a:ext cx="2171363" cy="3455241"/>
+          </a:xfrm>
+          <a:prstGeom prst="roundRect">
+            <a:avLst/>
+          </a:prstGeom>
+          <a:noFill/>
+          <a:ln w="19050">
+            <a:solidFill>
+              <a:schemeClr val="bg2">
+                <a:lumMod val="75000"/>
+              </a:schemeClr>
+            </a:solidFill>
+            <a:prstDash val="lgDash"/>
+          </a:ln>
+        </p:spPr>
+        <p:style>
+          <a:lnRef idx="2">
+            <a:schemeClr val="accent1">
+              <a:shade val="50000"/>
+            </a:schemeClr>
+          </a:lnRef>
+          <a:fillRef idx="1">
+            <a:schemeClr val="accent1"/>
+          </a:fillRef>
+          <a:effectRef idx="0">
+            <a:schemeClr val="accent1"/>
+          </a:effectRef>
+          <a:fontRef idx="minor">
+            <a:schemeClr val="lt1"/>
+          </a:fontRef>
+        </p:style>
+        <p:txBody>
+          <a:bodyPr rtlCol="0" anchor="ctr"/>
+          <a:lstStyle/>
+          <a:p>
+            <a:pPr algn="ctr"/>
+            <a:endParaRPr lang="zh-CN" altLang="en-US"/>
+          </a:p>
+        </p:txBody>
+      </p:sp>
+      <p:sp>
+        <p:nvSpPr>
+          <p:cNvPr id="26" name="文本框 25">
+            <a:extLst>
+              <a:ext uri="{FF2B5EF4-FFF2-40B4-BE49-F238E27FC236}">
+                <a16:creationId xmlns:a16="http://schemas.microsoft.com/office/drawing/2014/main" id="{761D9704-3472-475C-B674-90DD882BBC63}"/>
+              </a:ext>
+            </a:extLst>
+          </p:cNvPr>
+          <p:cNvSpPr txBox="1"/>
+          <p:nvPr/>
+        </p:nvSpPr>
+        <p:spPr>
+          <a:xfrm>
+            <a:off x="4283720" y="1614561"/>
+            <a:ext cx="1365531" cy="369332"/>
+          </a:xfrm>
+          <a:prstGeom prst="rect">
+            <a:avLst/>
+          </a:prstGeom>
+          <a:noFill/>
+        </p:spPr>
+        <p:txBody>
+          <a:bodyPr wrap="square" rtlCol="0">
+            <a:spAutoFit/>
+          </a:bodyPr>
+          <a:lstStyle/>
+          <a:p>
+            <a:pPr algn="ctr"/>
+            <a:r>
+              <a:rPr lang="en-US" altLang="zh-CN" dirty="0">
+                <a:solidFill>
+                  <a:srgbClr val="FF0000"/>
+                </a:solidFill>
+                <a:latin typeface="Times New Roman" panose="02020603050405020304" pitchFamily="18" charset="0"/>
+                <a:cs typeface="Times New Roman" panose="02020603050405020304" pitchFamily="18" charset="0"/>
+              </a:rPr>
+              <a:t>Distribution</a:t>
+            </a:r>
+            <a:endParaRPr lang="zh-CN" altLang="en-US" dirty="0">
+              <a:solidFill>
+                <a:srgbClr val="FF0000"/>
+              </a:solidFill>
+              <a:latin typeface="Times New Roman" panose="02020603050405020304" pitchFamily="18" charset="0"/>
+              <a:cs typeface="Times New Roman" panose="02020603050405020304" pitchFamily="18" charset="0"/>
+            </a:endParaRPr>
+          </a:p>
+        </p:txBody>
+      </p:sp>
+    </p:spTree>
+    <p:extLst>
+      <p:ext uri="{BB962C8B-B14F-4D97-AF65-F5344CB8AC3E}">
+        <p14:creationId xmlns:p14="http://schemas.microsoft.com/office/powerpoint/2010/main" val="3675382008"/>
+      </p:ext>
+    </p:extLst>
+  </p:cSld>
+  <p:clrMapOvr>
+    <a:masterClrMapping/>
+  </p:clrMapOvr>
+</p:sld>
+</file>
+
 <file path=ppt/theme/theme1.xml><?xml version="1.0" encoding="utf-8"?>
 <a:theme xmlns:a="http://schemas.openxmlformats.org/drawingml/2006/main" name="Office 主题​​">
   <a:themeElements>

--- a/img/plot.pptx
+++ b/img/plot.pptx
@@ -13,6 +13,8 @@
     <p:sldId id="261" r:id="rId7"/>
     <p:sldId id="262" r:id="rId8"/>
     <p:sldId id="263" r:id="rId9"/>
+    <p:sldId id="264" r:id="rId10"/>
+    <p:sldId id="265" r:id="rId11"/>
   </p:sldIdLst>
   <p:sldSz cx="12192000" cy="6858000"/>
   <p:notesSz cx="6858000" cy="9144000"/>
@@ -266,7 +268,7 @@
           <a:p>
             <a:fld id="{B654FC95-7D04-4169-8BD3-25ECC6121B6D}" type="datetimeFigureOut">
               <a:rPr lang="zh-CN" altLang="en-US" smtClean="0"/>
-              <a:t>2020/6/16</a:t>
+              <a:t>2020/8/20</a:t>
             </a:fld>
             <a:endParaRPr lang="zh-CN" altLang="en-US"/>
           </a:p>
@@ -464,7 +466,7 @@
           <a:p>
             <a:fld id="{B654FC95-7D04-4169-8BD3-25ECC6121B6D}" type="datetimeFigureOut">
               <a:rPr lang="zh-CN" altLang="en-US" smtClean="0"/>
-              <a:t>2020/6/16</a:t>
+              <a:t>2020/8/20</a:t>
             </a:fld>
             <a:endParaRPr lang="zh-CN" altLang="en-US"/>
           </a:p>
@@ -672,7 +674,7 @@
           <a:p>
             <a:fld id="{B654FC95-7D04-4169-8BD3-25ECC6121B6D}" type="datetimeFigureOut">
               <a:rPr lang="zh-CN" altLang="en-US" smtClean="0"/>
-              <a:t>2020/6/16</a:t>
+              <a:t>2020/8/20</a:t>
             </a:fld>
             <a:endParaRPr lang="zh-CN" altLang="en-US"/>
           </a:p>
@@ -870,7 +872,7 @@
           <a:p>
             <a:fld id="{B654FC95-7D04-4169-8BD3-25ECC6121B6D}" type="datetimeFigureOut">
               <a:rPr lang="zh-CN" altLang="en-US" smtClean="0"/>
-              <a:t>2020/6/16</a:t>
+              <a:t>2020/8/20</a:t>
             </a:fld>
             <a:endParaRPr lang="zh-CN" altLang="en-US"/>
           </a:p>
@@ -1145,7 +1147,7 @@
           <a:p>
             <a:fld id="{B654FC95-7D04-4169-8BD3-25ECC6121B6D}" type="datetimeFigureOut">
               <a:rPr lang="zh-CN" altLang="en-US" smtClean="0"/>
-              <a:t>2020/6/16</a:t>
+              <a:t>2020/8/20</a:t>
             </a:fld>
             <a:endParaRPr lang="zh-CN" altLang="en-US"/>
           </a:p>
@@ -1410,7 +1412,7 @@
           <a:p>
             <a:fld id="{B654FC95-7D04-4169-8BD3-25ECC6121B6D}" type="datetimeFigureOut">
               <a:rPr lang="zh-CN" altLang="en-US" smtClean="0"/>
-              <a:t>2020/6/16</a:t>
+              <a:t>2020/8/20</a:t>
             </a:fld>
             <a:endParaRPr lang="zh-CN" altLang="en-US"/>
           </a:p>
@@ -1822,7 +1824,7 @@
           <a:p>
             <a:fld id="{B654FC95-7D04-4169-8BD3-25ECC6121B6D}" type="datetimeFigureOut">
               <a:rPr lang="zh-CN" altLang="en-US" smtClean="0"/>
-              <a:t>2020/6/16</a:t>
+              <a:t>2020/8/20</a:t>
             </a:fld>
             <a:endParaRPr lang="zh-CN" altLang="en-US"/>
           </a:p>
@@ -1963,7 +1965,7 @@
           <a:p>
             <a:fld id="{B654FC95-7D04-4169-8BD3-25ECC6121B6D}" type="datetimeFigureOut">
               <a:rPr lang="zh-CN" altLang="en-US" smtClean="0"/>
-              <a:t>2020/6/16</a:t>
+              <a:t>2020/8/20</a:t>
             </a:fld>
             <a:endParaRPr lang="zh-CN" altLang="en-US"/>
           </a:p>
@@ -2076,7 +2078,7 @@
           <a:p>
             <a:fld id="{B654FC95-7D04-4169-8BD3-25ECC6121B6D}" type="datetimeFigureOut">
               <a:rPr lang="zh-CN" altLang="en-US" smtClean="0"/>
-              <a:t>2020/6/16</a:t>
+              <a:t>2020/8/20</a:t>
             </a:fld>
             <a:endParaRPr lang="zh-CN" altLang="en-US"/>
           </a:p>
@@ -2387,7 +2389,7 @@
           <a:p>
             <a:fld id="{B654FC95-7D04-4169-8BD3-25ECC6121B6D}" type="datetimeFigureOut">
               <a:rPr lang="zh-CN" altLang="en-US" smtClean="0"/>
-              <a:t>2020/6/16</a:t>
+              <a:t>2020/8/20</a:t>
             </a:fld>
             <a:endParaRPr lang="zh-CN" altLang="en-US"/>
           </a:p>
@@ -2675,7 +2677,7 @@
           <a:p>
             <a:fld id="{B654FC95-7D04-4169-8BD3-25ECC6121B6D}" type="datetimeFigureOut">
               <a:rPr lang="zh-CN" altLang="en-US" smtClean="0"/>
-              <a:t>2020/6/16</a:t>
+              <a:t>2020/8/20</a:t>
             </a:fld>
             <a:endParaRPr lang="zh-CN" altLang="en-US"/>
           </a:p>
@@ -2916,7 +2918,7 @@
           <a:p>
             <a:fld id="{B654FC95-7D04-4169-8BD3-25ECC6121B6D}" type="datetimeFigureOut">
               <a:rPr lang="zh-CN" altLang="en-US" smtClean="0"/>
-              <a:t>2020/6/16</a:t>
+              <a:t>2020/8/20</a:t>
             </a:fld>
             <a:endParaRPr lang="zh-CN" altLang="en-US"/>
           </a:p>
@@ -4174,6 +4176,1522 @@
     <p:extLst>
       <p:ext uri="{BB962C8B-B14F-4D97-AF65-F5344CB8AC3E}">
         <p14:creationId xmlns:p14="http://schemas.microsoft.com/office/powerpoint/2010/main" val="2538858335"/>
+      </p:ext>
+    </p:extLst>
+  </p:cSld>
+  <p:clrMapOvr>
+    <a:masterClrMapping/>
+  </p:clrMapOvr>
+</p:sld>
+</file>
+
+<file path=ppt/slides/slide10.xml><?xml version="1.0" encoding="utf-8"?>
+<p:sld xmlns:a="http://schemas.openxmlformats.org/drawingml/2006/main" xmlns:r="http://schemas.openxmlformats.org/officeDocument/2006/relationships" xmlns:p="http://schemas.openxmlformats.org/presentationml/2006/main">
+  <p:cSld>
+    <p:spTree>
+      <p:nvGrpSpPr>
+        <p:cNvPr id="1" name=""/>
+        <p:cNvGrpSpPr/>
+        <p:nvPr/>
+      </p:nvGrpSpPr>
+      <p:grpSpPr>
+        <a:xfrm>
+          <a:off x="0" y="0"/>
+          <a:ext cx="0" cy="0"/>
+          <a:chOff x="0" y="0"/>
+          <a:chExt cx="0" cy="0"/>
+        </a:xfrm>
+      </p:grpSpPr>
+      <p:cxnSp>
+        <p:nvCxnSpPr>
+          <p:cNvPr id="5" name="直接连接符 4">
+            <a:extLst>
+              <a:ext uri="{FF2B5EF4-FFF2-40B4-BE49-F238E27FC236}">
+                <a16:creationId xmlns:a16="http://schemas.microsoft.com/office/drawing/2014/main" id="{31AD93BA-6AE4-4C80-9B92-5809D9A4B65B}"/>
+              </a:ext>
+            </a:extLst>
+          </p:cNvPr>
+          <p:cNvCxnSpPr>
+            <a:cxnSpLocks/>
+          </p:cNvCxnSpPr>
+          <p:nvPr/>
+        </p:nvCxnSpPr>
+        <p:spPr>
+          <a:xfrm>
+            <a:off x="5593403" y="681656"/>
+            <a:ext cx="0" cy="5833242"/>
+          </a:xfrm>
+          <a:prstGeom prst="line">
+            <a:avLst/>
+          </a:prstGeom>
+        </p:spPr>
+        <p:style>
+          <a:lnRef idx="1">
+            <a:schemeClr val="dk1"/>
+          </a:lnRef>
+          <a:fillRef idx="0">
+            <a:schemeClr val="dk1"/>
+          </a:fillRef>
+          <a:effectRef idx="0">
+            <a:schemeClr val="dk1"/>
+          </a:effectRef>
+          <a:fontRef idx="minor">
+            <a:schemeClr val="tx1"/>
+          </a:fontRef>
+        </p:style>
+      </p:cxnSp>
+      <p:sp>
+        <p:nvSpPr>
+          <p:cNvPr id="9" name="文本框 8">
+            <a:extLst>
+              <a:ext uri="{FF2B5EF4-FFF2-40B4-BE49-F238E27FC236}">
+                <a16:creationId xmlns:a16="http://schemas.microsoft.com/office/drawing/2014/main" id="{EF2AEB24-7E14-4504-8C3A-1EEA964C6DB5}"/>
+              </a:ext>
+            </a:extLst>
+          </p:cNvPr>
+          <p:cNvSpPr txBox="1"/>
+          <p:nvPr/>
+        </p:nvSpPr>
+        <p:spPr>
+          <a:xfrm>
+            <a:off x="5199265" y="255988"/>
+            <a:ext cx="788275" cy="369332"/>
+          </a:xfrm>
+          <a:prstGeom prst="rect">
+            <a:avLst/>
+          </a:prstGeom>
+          <a:noFill/>
+        </p:spPr>
+        <p:txBody>
+          <a:bodyPr wrap="square" rtlCol="0">
+            <a:spAutoFit/>
+          </a:bodyPr>
+          <a:lstStyle/>
+          <a:p>
+            <a:r>
+              <a:rPr lang="en-US" altLang="zh-CN" dirty="0">
+                <a:latin typeface="Times New Roman" panose="02020603050405020304" pitchFamily="18" charset="0"/>
+                <a:cs typeface="Times New Roman" panose="02020603050405020304" pitchFamily="18" charset="0"/>
+              </a:rPr>
+              <a:t>Agent</a:t>
+            </a:r>
+            <a:endParaRPr lang="zh-CN" altLang="en-US" dirty="0">
+              <a:latin typeface="Times New Roman" panose="02020603050405020304" pitchFamily="18" charset="0"/>
+              <a:cs typeface="Times New Roman" panose="02020603050405020304" pitchFamily="18" charset="0"/>
+            </a:endParaRPr>
+          </a:p>
+        </p:txBody>
+      </p:sp>
+      <p:sp>
+        <p:nvSpPr>
+          <p:cNvPr id="11" name="文本框 10">
+            <a:extLst>
+              <a:ext uri="{FF2B5EF4-FFF2-40B4-BE49-F238E27FC236}">
+                <a16:creationId xmlns:a16="http://schemas.microsoft.com/office/drawing/2014/main" id="{82484734-306A-4EA0-B198-4D820DB68221}"/>
+              </a:ext>
+            </a:extLst>
+          </p:cNvPr>
+          <p:cNvSpPr txBox="1"/>
+          <p:nvPr/>
+        </p:nvSpPr>
+        <p:spPr>
+          <a:xfrm>
+            <a:off x="8134278" y="255988"/>
+            <a:ext cx="551793" cy="369332"/>
+          </a:xfrm>
+          <a:prstGeom prst="rect">
+            <a:avLst/>
+          </a:prstGeom>
+          <a:noFill/>
+        </p:spPr>
+        <p:txBody>
+          <a:bodyPr wrap="square" rtlCol="0">
+            <a:spAutoFit/>
+          </a:bodyPr>
+          <a:lstStyle/>
+          <a:p>
+            <a:r>
+              <a:rPr lang="en-US" altLang="zh-CN" dirty="0">
+                <a:latin typeface="Times New Roman" panose="02020603050405020304" pitchFamily="18" charset="0"/>
+                <a:cs typeface="Times New Roman" panose="02020603050405020304" pitchFamily="18" charset="0"/>
+              </a:rPr>
+              <a:t>Env</a:t>
+            </a:r>
+            <a:endParaRPr lang="zh-CN" altLang="en-US" dirty="0">
+              <a:latin typeface="Times New Roman" panose="02020603050405020304" pitchFamily="18" charset="0"/>
+              <a:cs typeface="Times New Roman" panose="02020603050405020304" pitchFamily="18" charset="0"/>
+            </a:endParaRPr>
+          </a:p>
+        </p:txBody>
+      </p:sp>
+      <p:cxnSp>
+        <p:nvCxnSpPr>
+          <p:cNvPr id="13" name="直接箭头连接符 12">
+            <a:extLst>
+              <a:ext uri="{FF2B5EF4-FFF2-40B4-BE49-F238E27FC236}">
+                <a16:creationId xmlns:a16="http://schemas.microsoft.com/office/drawing/2014/main" id="{957D6535-1927-4FB8-AFA9-71A591F5FB83}"/>
+              </a:ext>
+            </a:extLst>
+          </p:cNvPr>
+          <p:cNvCxnSpPr>
+            <a:cxnSpLocks/>
+          </p:cNvCxnSpPr>
+          <p:nvPr/>
+        </p:nvCxnSpPr>
+        <p:spPr>
+          <a:xfrm flipH="1">
+            <a:off x="5593402" y="1142213"/>
+            <a:ext cx="2816772" cy="383628"/>
+          </a:xfrm>
+          <a:prstGeom prst="straightConnector1">
+            <a:avLst/>
+          </a:prstGeom>
+          <a:ln>
+            <a:tailEnd type="triangle"/>
+          </a:ln>
+        </p:spPr>
+        <p:style>
+          <a:lnRef idx="1">
+            <a:schemeClr val="dk1"/>
+          </a:lnRef>
+          <a:fillRef idx="0">
+            <a:schemeClr val="dk1"/>
+          </a:fillRef>
+          <a:effectRef idx="0">
+            <a:schemeClr val="dk1"/>
+          </a:effectRef>
+          <a:fontRef idx="minor">
+            <a:schemeClr val="tx1"/>
+          </a:fontRef>
+        </p:style>
+      </p:cxnSp>
+      <p:cxnSp>
+        <p:nvCxnSpPr>
+          <p:cNvPr id="20" name="直接连接符 19">
+            <a:extLst>
+              <a:ext uri="{FF2B5EF4-FFF2-40B4-BE49-F238E27FC236}">
+                <a16:creationId xmlns:a16="http://schemas.microsoft.com/office/drawing/2014/main" id="{401491D3-1698-4157-A818-FF78BE6D9567}"/>
+              </a:ext>
+            </a:extLst>
+          </p:cNvPr>
+          <p:cNvCxnSpPr>
+            <a:cxnSpLocks/>
+          </p:cNvCxnSpPr>
+          <p:nvPr/>
+        </p:nvCxnSpPr>
+        <p:spPr>
+          <a:xfrm>
+            <a:off x="8410174" y="681656"/>
+            <a:ext cx="0" cy="5833242"/>
+          </a:xfrm>
+          <a:prstGeom prst="line">
+            <a:avLst/>
+          </a:prstGeom>
+        </p:spPr>
+        <p:style>
+          <a:lnRef idx="1">
+            <a:schemeClr val="dk1"/>
+          </a:lnRef>
+          <a:fillRef idx="0">
+            <a:schemeClr val="dk1"/>
+          </a:fillRef>
+          <a:effectRef idx="0">
+            <a:schemeClr val="dk1"/>
+          </a:effectRef>
+          <a:fontRef idx="minor">
+            <a:schemeClr val="tx1"/>
+          </a:fontRef>
+        </p:style>
+      </p:cxnSp>
+      <p:sp>
+        <p:nvSpPr>
+          <p:cNvPr id="23" name="文本框 22">
+            <a:extLst>
+              <a:ext uri="{FF2B5EF4-FFF2-40B4-BE49-F238E27FC236}">
+                <a16:creationId xmlns:a16="http://schemas.microsoft.com/office/drawing/2014/main" id="{25097DE9-141B-4C3B-9D4F-4581B6B905E1}"/>
+              </a:ext>
+            </a:extLst>
+          </p:cNvPr>
+          <p:cNvSpPr txBox="1"/>
+          <p:nvPr/>
+        </p:nvSpPr>
+        <p:spPr>
+          <a:xfrm>
+            <a:off x="6739029" y="995473"/>
+            <a:ext cx="525518" cy="338554"/>
+          </a:xfrm>
+          <a:prstGeom prst="rect">
+            <a:avLst/>
+          </a:prstGeom>
+          <a:noFill/>
+        </p:spPr>
+        <p:txBody>
+          <a:bodyPr wrap="square" rtlCol="0">
+            <a:spAutoFit/>
+          </a:bodyPr>
+          <a:lstStyle/>
+          <a:p>
+            <a:r>
+              <a:rPr lang="en-US" altLang="zh-CN" sz="1600" dirty="0">
+                <a:latin typeface="Times New Roman" panose="02020603050405020304" pitchFamily="18" charset="0"/>
+                <a:cs typeface="Times New Roman" panose="02020603050405020304" pitchFamily="18" charset="0"/>
+              </a:rPr>
+              <a:t>PID</a:t>
+            </a:r>
+            <a:endParaRPr lang="zh-CN" altLang="en-US" dirty="0">
+              <a:latin typeface="Times New Roman" panose="02020603050405020304" pitchFamily="18" charset="0"/>
+              <a:cs typeface="Times New Roman" panose="02020603050405020304" pitchFamily="18" charset="0"/>
+            </a:endParaRPr>
+          </a:p>
+        </p:txBody>
+      </p:sp>
+      <p:sp>
+        <p:nvSpPr>
+          <p:cNvPr id="25" name="文本框 24">
+            <a:extLst>
+              <a:ext uri="{FF2B5EF4-FFF2-40B4-BE49-F238E27FC236}">
+                <a16:creationId xmlns:a16="http://schemas.microsoft.com/office/drawing/2014/main" id="{E21F38C4-1E83-4F58-B44D-AC377B541246}"/>
+              </a:ext>
+            </a:extLst>
+          </p:cNvPr>
+          <p:cNvSpPr txBox="1"/>
+          <p:nvPr/>
+        </p:nvSpPr>
+        <p:spPr>
+          <a:xfrm>
+            <a:off x="6676850" y="1375251"/>
+            <a:ext cx="649876" cy="338554"/>
+          </a:xfrm>
+          <a:prstGeom prst="rect">
+            <a:avLst/>
+          </a:prstGeom>
+          <a:noFill/>
+        </p:spPr>
+        <p:txBody>
+          <a:bodyPr wrap="square" rtlCol="0">
+            <a:spAutoFit/>
+          </a:bodyPr>
+          <a:lstStyle/>
+          <a:p>
+            <a:r>
+              <a:rPr lang="en-US" altLang="zh-CN" sz="1600" dirty="0">
+                <a:latin typeface="Times New Roman" panose="02020603050405020304" pitchFamily="18" charset="0"/>
+                <a:cs typeface="Times New Roman" panose="02020603050405020304" pitchFamily="18" charset="0"/>
+              </a:rPr>
+              <a:t>ACK</a:t>
+            </a:r>
+            <a:endParaRPr lang="zh-CN" altLang="en-US" dirty="0">
+              <a:latin typeface="Times New Roman" panose="02020603050405020304" pitchFamily="18" charset="0"/>
+              <a:cs typeface="Times New Roman" panose="02020603050405020304" pitchFamily="18" charset="0"/>
+            </a:endParaRPr>
+          </a:p>
+        </p:txBody>
+      </p:sp>
+      <p:cxnSp>
+        <p:nvCxnSpPr>
+          <p:cNvPr id="26" name="直接箭头连接符 25">
+            <a:extLst>
+              <a:ext uri="{FF2B5EF4-FFF2-40B4-BE49-F238E27FC236}">
+                <a16:creationId xmlns:a16="http://schemas.microsoft.com/office/drawing/2014/main" id="{BC68321F-8960-43DA-8BB7-10D4A0DC2398}"/>
+              </a:ext>
+            </a:extLst>
+          </p:cNvPr>
+          <p:cNvCxnSpPr>
+            <a:cxnSpLocks/>
+          </p:cNvCxnSpPr>
+          <p:nvPr/>
+        </p:nvCxnSpPr>
+        <p:spPr>
+          <a:xfrm flipH="1">
+            <a:off x="5593401" y="2587066"/>
+            <a:ext cx="2816772" cy="383628"/>
+          </a:xfrm>
+          <a:prstGeom prst="straightConnector1">
+            <a:avLst/>
+          </a:prstGeom>
+          <a:ln>
+            <a:tailEnd type="triangle"/>
+          </a:ln>
+        </p:spPr>
+        <p:style>
+          <a:lnRef idx="1">
+            <a:schemeClr val="dk1"/>
+          </a:lnRef>
+          <a:fillRef idx="0">
+            <a:schemeClr val="dk1"/>
+          </a:fillRef>
+          <a:effectRef idx="0">
+            <a:schemeClr val="dk1"/>
+          </a:effectRef>
+          <a:fontRef idx="minor">
+            <a:schemeClr val="tx1"/>
+          </a:fontRef>
+        </p:style>
+      </p:cxnSp>
+      <p:sp>
+        <p:nvSpPr>
+          <p:cNvPr id="29" name="文本框 28">
+            <a:extLst>
+              <a:ext uri="{FF2B5EF4-FFF2-40B4-BE49-F238E27FC236}">
+                <a16:creationId xmlns:a16="http://schemas.microsoft.com/office/drawing/2014/main" id="{44992D7B-CA0A-41A4-9236-B97B47ECDE7E}"/>
+              </a:ext>
+            </a:extLst>
+          </p:cNvPr>
+          <p:cNvSpPr txBox="1"/>
+          <p:nvPr/>
+        </p:nvSpPr>
+        <p:spPr>
+          <a:xfrm>
+            <a:off x="9327469" y="1353577"/>
+            <a:ext cx="856204" cy="338554"/>
+          </a:xfrm>
+          <a:prstGeom prst="rect">
+            <a:avLst/>
+          </a:prstGeom>
+          <a:noFill/>
+        </p:spPr>
+        <p:txBody>
+          <a:bodyPr wrap="square" rtlCol="0">
+            <a:spAutoFit/>
+          </a:bodyPr>
+          <a:lstStyle/>
+          <a:p>
+            <a:r>
+              <a:rPr lang="en-US" altLang="zh-CN" sz="1600" dirty="0">
+                <a:latin typeface="Courier New" panose="02070309020205020404" pitchFamily="49" charset="0"/>
+                <a:cs typeface="Courier New" panose="02070309020205020404" pitchFamily="49" charset="0"/>
+              </a:rPr>
+              <a:t>Init()</a:t>
+            </a:r>
+            <a:endParaRPr lang="zh-CN" altLang="en-US" dirty="0">
+              <a:latin typeface="Courier New" panose="02070309020205020404" pitchFamily="49" charset="0"/>
+              <a:cs typeface="Courier New" panose="02070309020205020404" pitchFamily="49" charset="0"/>
+            </a:endParaRPr>
+          </a:p>
+        </p:txBody>
+      </p:sp>
+      <p:sp>
+        <p:nvSpPr>
+          <p:cNvPr id="31" name="文本框 30">
+            <a:extLst>
+              <a:ext uri="{FF2B5EF4-FFF2-40B4-BE49-F238E27FC236}">
+                <a16:creationId xmlns:a16="http://schemas.microsoft.com/office/drawing/2014/main" id="{04884548-923C-4EC4-9047-6F3B6FE0B0BF}"/>
+              </a:ext>
+            </a:extLst>
+          </p:cNvPr>
+          <p:cNvSpPr txBox="1"/>
+          <p:nvPr/>
+        </p:nvSpPr>
+        <p:spPr>
+          <a:xfrm>
+            <a:off x="2749970" y="1353577"/>
+            <a:ext cx="2139865" cy="338554"/>
+          </a:xfrm>
+          <a:prstGeom prst="rect">
+            <a:avLst/>
+          </a:prstGeom>
+          <a:noFill/>
+        </p:spPr>
+        <p:txBody>
+          <a:bodyPr wrap="square" rtlCol="0">
+            <a:spAutoFit/>
+          </a:bodyPr>
+          <a:lstStyle/>
+          <a:p>
+            <a:r>
+              <a:rPr lang="en-US" altLang="zh-CN" sz="1600" dirty="0">
+                <a:latin typeface="Courier New" panose="02070309020205020404" pitchFamily="49" charset="0"/>
+                <a:cs typeface="Courier New" panose="02070309020205020404" pitchFamily="49" charset="0"/>
+              </a:rPr>
+              <a:t>initialize_env()</a:t>
+            </a:r>
+            <a:endParaRPr lang="zh-CN" altLang="en-US" dirty="0">
+              <a:latin typeface="Courier New" panose="02070309020205020404" pitchFamily="49" charset="0"/>
+              <a:cs typeface="Courier New" panose="02070309020205020404" pitchFamily="49" charset="0"/>
+            </a:endParaRPr>
+          </a:p>
+        </p:txBody>
+      </p:sp>
+      <p:sp>
+        <p:nvSpPr>
+          <p:cNvPr id="32" name="矩形 31">
+            <a:extLst>
+              <a:ext uri="{FF2B5EF4-FFF2-40B4-BE49-F238E27FC236}">
+                <a16:creationId xmlns:a16="http://schemas.microsoft.com/office/drawing/2014/main" id="{22FD4A40-1BAB-4636-B11B-20364CAA6064}"/>
+              </a:ext>
+            </a:extLst>
+          </p:cNvPr>
+          <p:cNvSpPr/>
+          <p:nvPr/>
+        </p:nvSpPr>
+        <p:spPr>
+          <a:xfrm>
+            <a:off x="4965528" y="959260"/>
+            <a:ext cx="4072518" cy="1133162"/>
+          </a:xfrm>
+          <a:prstGeom prst="rect">
+            <a:avLst/>
+          </a:prstGeom>
+          <a:noFill/>
+          <a:ln w="9525">
+            <a:prstDash val="dash"/>
+          </a:ln>
+        </p:spPr>
+        <p:style>
+          <a:lnRef idx="2">
+            <a:schemeClr val="accent1">
+              <a:shade val="50000"/>
+            </a:schemeClr>
+          </a:lnRef>
+          <a:fillRef idx="1">
+            <a:schemeClr val="accent1"/>
+          </a:fillRef>
+          <a:effectRef idx="0">
+            <a:schemeClr val="accent1"/>
+          </a:effectRef>
+          <a:fontRef idx="minor">
+            <a:schemeClr val="lt1"/>
+          </a:fontRef>
+        </p:style>
+        <p:txBody>
+          <a:bodyPr rtlCol="0" anchor="ctr"/>
+          <a:lstStyle/>
+          <a:p>
+            <a:pPr algn="ctr"/>
+            <a:endParaRPr lang="zh-CN" altLang="en-US"/>
+          </a:p>
+        </p:txBody>
+      </p:sp>
+      <p:sp>
+        <p:nvSpPr>
+          <p:cNvPr id="34" name="矩形 33">
+            <a:extLst>
+              <a:ext uri="{FF2B5EF4-FFF2-40B4-BE49-F238E27FC236}">
+                <a16:creationId xmlns:a16="http://schemas.microsoft.com/office/drawing/2014/main" id="{B3B57813-F6D5-42D0-A627-5651AD6C0C68}"/>
+              </a:ext>
+            </a:extLst>
+          </p:cNvPr>
+          <p:cNvSpPr/>
+          <p:nvPr/>
+        </p:nvSpPr>
+        <p:spPr>
+          <a:xfrm>
+            <a:off x="4965528" y="2578880"/>
+            <a:ext cx="4072518" cy="391814"/>
+          </a:xfrm>
+          <a:prstGeom prst="rect">
+            <a:avLst/>
+          </a:prstGeom>
+          <a:noFill/>
+          <a:ln w="9525">
+            <a:prstDash val="dash"/>
+          </a:ln>
+        </p:spPr>
+        <p:style>
+          <a:lnRef idx="2">
+            <a:schemeClr val="accent1">
+              <a:shade val="50000"/>
+            </a:schemeClr>
+          </a:lnRef>
+          <a:fillRef idx="1">
+            <a:schemeClr val="accent1"/>
+          </a:fillRef>
+          <a:effectRef idx="0">
+            <a:schemeClr val="accent1"/>
+          </a:effectRef>
+          <a:fontRef idx="minor">
+            <a:schemeClr val="lt1"/>
+          </a:fontRef>
+        </p:style>
+        <p:txBody>
+          <a:bodyPr rtlCol="0" anchor="ctr"/>
+          <a:lstStyle/>
+          <a:p>
+            <a:pPr algn="ctr"/>
+            <a:endParaRPr lang="zh-CN" altLang="en-US"/>
+          </a:p>
+        </p:txBody>
+      </p:sp>
+      <p:sp>
+        <p:nvSpPr>
+          <p:cNvPr id="36" name="文本框 35">
+            <a:extLst>
+              <a:ext uri="{FF2B5EF4-FFF2-40B4-BE49-F238E27FC236}">
+                <a16:creationId xmlns:a16="http://schemas.microsoft.com/office/drawing/2014/main" id="{0F79A816-5874-4E04-B4FD-4F98753EA94B}"/>
+              </a:ext>
+            </a:extLst>
+          </p:cNvPr>
+          <p:cNvSpPr txBox="1"/>
+          <p:nvPr/>
+        </p:nvSpPr>
+        <p:spPr>
+          <a:xfrm>
+            <a:off x="2905401" y="2610949"/>
+            <a:ext cx="1829004" cy="338554"/>
+          </a:xfrm>
+          <a:prstGeom prst="rect">
+            <a:avLst/>
+          </a:prstGeom>
+          <a:noFill/>
+        </p:spPr>
+        <p:txBody>
+          <a:bodyPr wrap="square" rtlCol="0">
+            <a:spAutoFit/>
+          </a:bodyPr>
+          <a:lstStyle/>
+          <a:p>
+            <a:r>
+              <a:rPr lang="en-US" altLang="zh-CN" sz="1600" dirty="0">
+                <a:latin typeface="Courier New" panose="02070309020205020404" pitchFamily="49" charset="0"/>
+                <a:cs typeface="Courier New" panose="02070309020205020404" pitchFamily="49" charset="0"/>
+              </a:rPr>
+              <a:t>rx_env_state()</a:t>
+            </a:r>
+            <a:endParaRPr lang="zh-CN" altLang="en-US" sz="1600" dirty="0">
+              <a:latin typeface="Courier New" panose="02070309020205020404" pitchFamily="49" charset="0"/>
+              <a:cs typeface="Courier New" panose="02070309020205020404" pitchFamily="49" charset="0"/>
+            </a:endParaRPr>
+          </a:p>
+        </p:txBody>
+      </p:sp>
+      <p:sp>
+        <p:nvSpPr>
+          <p:cNvPr id="37" name="左大括号 36">
+            <a:extLst>
+              <a:ext uri="{FF2B5EF4-FFF2-40B4-BE49-F238E27FC236}">
+                <a16:creationId xmlns:a16="http://schemas.microsoft.com/office/drawing/2014/main" id="{967B845E-73BD-4CD1-89BD-C3C5C3AB6D2A}"/>
+              </a:ext>
+            </a:extLst>
+          </p:cNvPr>
+          <p:cNvSpPr/>
+          <p:nvPr/>
+        </p:nvSpPr>
+        <p:spPr>
+          <a:xfrm>
+            <a:off x="2277530" y="1522854"/>
+            <a:ext cx="499091" cy="1257821"/>
+          </a:xfrm>
+          <a:prstGeom prst="leftBrace">
+            <a:avLst>
+              <a:gd name="adj1" fmla="val 34604"/>
+              <a:gd name="adj2" fmla="val 50000"/>
+            </a:avLst>
+          </a:prstGeom>
+          <a:ln>
+            <a:solidFill>
+              <a:schemeClr val="tx1"/>
+            </a:solidFill>
+          </a:ln>
+        </p:spPr>
+        <p:style>
+          <a:lnRef idx="1">
+            <a:schemeClr val="accent1"/>
+          </a:lnRef>
+          <a:fillRef idx="0">
+            <a:schemeClr val="accent1"/>
+          </a:fillRef>
+          <a:effectRef idx="0">
+            <a:schemeClr val="accent1"/>
+          </a:effectRef>
+          <a:fontRef idx="minor">
+            <a:schemeClr val="tx1"/>
+          </a:fontRef>
+        </p:style>
+        <p:txBody>
+          <a:bodyPr rtlCol="0" anchor="ctr"/>
+          <a:lstStyle/>
+          <a:p>
+            <a:pPr algn="ctr"/>
+            <a:endParaRPr lang="zh-CN" altLang="en-US"/>
+          </a:p>
+        </p:txBody>
+      </p:sp>
+      <p:sp>
+        <p:nvSpPr>
+          <p:cNvPr id="39" name="文本框 38">
+            <a:extLst>
+              <a:ext uri="{FF2B5EF4-FFF2-40B4-BE49-F238E27FC236}">
+                <a16:creationId xmlns:a16="http://schemas.microsoft.com/office/drawing/2014/main" id="{E7A21CC8-77CB-4ECE-906A-DB49BC933494}"/>
+              </a:ext>
+            </a:extLst>
+          </p:cNvPr>
+          <p:cNvSpPr txBox="1"/>
+          <p:nvPr/>
+        </p:nvSpPr>
+        <p:spPr>
+          <a:xfrm>
+            <a:off x="728507" y="1981106"/>
+            <a:ext cx="1483580" cy="338554"/>
+          </a:xfrm>
+          <a:prstGeom prst="rect">
+            <a:avLst/>
+          </a:prstGeom>
+          <a:noFill/>
+        </p:spPr>
+        <p:txBody>
+          <a:bodyPr wrap="square" rtlCol="0">
+            <a:spAutoFit/>
+          </a:bodyPr>
+          <a:lstStyle/>
+          <a:p>
+            <a:r>
+              <a:rPr lang="en-US" altLang="zh-CN" sz="1600" dirty="0">
+                <a:latin typeface="Courier New" panose="02070309020205020404" pitchFamily="49" charset="0"/>
+                <a:cs typeface="Courier New" panose="02070309020205020404" pitchFamily="49" charset="0"/>
+              </a:rPr>
+              <a:t>env.reset()</a:t>
+            </a:r>
+          </a:p>
+        </p:txBody>
+      </p:sp>
+      <p:cxnSp>
+        <p:nvCxnSpPr>
+          <p:cNvPr id="43" name="直接箭头连接符 42">
+            <a:extLst>
+              <a:ext uri="{FF2B5EF4-FFF2-40B4-BE49-F238E27FC236}">
+                <a16:creationId xmlns:a16="http://schemas.microsoft.com/office/drawing/2014/main" id="{8E0CCF7D-BE92-4895-AE15-8498091EEF21}"/>
+              </a:ext>
+            </a:extLst>
+          </p:cNvPr>
+          <p:cNvCxnSpPr>
+            <a:cxnSpLocks/>
+          </p:cNvCxnSpPr>
+          <p:nvPr/>
+        </p:nvCxnSpPr>
+        <p:spPr>
+          <a:xfrm>
+            <a:off x="5593401" y="3206463"/>
+            <a:ext cx="2816772" cy="391814"/>
+          </a:xfrm>
+          <a:prstGeom prst="straightConnector1">
+            <a:avLst/>
+          </a:prstGeom>
+          <a:ln>
+            <a:tailEnd type="triangle"/>
+          </a:ln>
+        </p:spPr>
+        <p:style>
+          <a:lnRef idx="1">
+            <a:schemeClr val="dk1"/>
+          </a:lnRef>
+          <a:fillRef idx="0">
+            <a:schemeClr val="dk1"/>
+          </a:fillRef>
+          <a:effectRef idx="0">
+            <a:schemeClr val="dk1"/>
+          </a:effectRef>
+          <a:fontRef idx="minor">
+            <a:schemeClr val="tx1"/>
+          </a:fontRef>
+        </p:style>
+      </p:cxnSp>
+      <p:sp>
+        <p:nvSpPr>
+          <p:cNvPr id="47" name="文本框 46">
+            <a:extLst>
+              <a:ext uri="{FF2B5EF4-FFF2-40B4-BE49-F238E27FC236}">
+                <a16:creationId xmlns:a16="http://schemas.microsoft.com/office/drawing/2014/main" id="{9ECD0898-9960-4B51-BA00-4A870BFA87B2}"/>
+              </a:ext>
+            </a:extLst>
+          </p:cNvPr>
+          <p:cNvSpPr txBox="1"/>
+          <p:nvPr/>
+        </p:nvSpPr>
+        <p:spPr>
+          <a:xfrm>
+            <a:off x="9555800" y="2932616"/>
+            <a:ext cx="1074447" cy="338554"/>
+          </a:xfrm>
+          <a:prstGeom prst="rect">
+            <a:avLst/>
+          </a:prstGeom>
+          <a:noFill/>
+        </p:spPr>
+        <p:txBody>
+          <a:bodyPr wrap="square" rtlCol="0">
+            <a:spAutoFit/>
+          </a:bodyPr>
+          <a:lstStyle/>
+          <a:p>
+            <a:r>
+              <a:rPr lang="en-US" altLang="zh-CN" sz="1600" dirty="0">
+                <a:latin typeface="Courier New" panose="02070309020205020404" pitchFamily="49" charset="0"/>
+                <a:cs typeface="Courier New" panose="02070309020205020404" pitchFamily="49" charset="0"/>
+              </a:rPr>
+              <a:t>Notify()</a:t>
+            </a:r>
+            <a:endParaRPr lang="zh-CN" altLang="en-US" dirty="0">
+              <a:latin typeface="Courier New" panose="02070309020205020404" pitchFamily="49" charset="0"/>
+              <a:cs typeface="Courier New" panose="02070309020205020404" pitchFamily="49" charset="0"/>
+            </a:endParaRPr>
+          </a:p>
+        </p:txBody>
+      </p:sp>
+      <p:sp>
+        <p:nvSpPr>
+          <p:cNvPr id="49" name="矩形 48">
+            <a:extLst>
+              <a:ext uri="{FF2B5EF4-FFF2-40B4-BE49-F238E27FC236}">
+                <a16:creationId xmlns:a16="http://schemas.microsoft.com/office/drawing/2014/main" id="{C999E092-0883-4A3D-82D1-32E867B4E428}"/>
+              </a:ext>
+            </a:extLst>
+          </p:cNvPr>
+          <p:cNvSpPr/>
+          <p:nvPr/>
+        </p:nvSpPr>
+        <p:spPr>
+          <a:xfrm>
+            <a:off x="4965528" y="3206463"/>
+            <a:ext cx="4072518" cy="391814"/>
+          </a:xfrm>
+          <a:prstGeom prst="rect">
+            <a:avLst/>
+          </a:prstGeom>
+          <a:noFill/>
+          <a:ln w="9525">
+            <a:prstDash val="dash"/>
+          </a:ln>
+        </p:spPr>
+        <p:style>
+          <a:lnRef idx="2">
+            <a:schemeClr val="accent1">
+              <a:shade val="50000"/>
+            </a:schemeClr>
+          </a:lnRef>
+          <a:fillRef idx="1">
+            <a:schemeClr val="accent1"/>
+          </a:fillRef>
+          <a:effectRef idx="0">
+            <a:schemeClr val="accent1"/>
+          </a:effectRef>
+          <a:fontRef idx="minor">
+            <a:schemeClr val="lt1"/>
+          </a:fontRef>
+        </p:style>
+        <p:txBody>
+          <a:bodyPr rtlCol="0" anchor="ctr"/>
+          <a:lstStyle/>
+          <a:p>
+            <a:pPr algn="ctr"/>
+            <a:endParaRPr lang="zh-CN" altLang="en-US"/>
+          </a:p>
+        </p:txBody>
+      </p:sp>
+      <p:cxnSp>
+        <p:nvCxnSpPr>
+          <p:cNvPr id="51" name="直接箭头连接符 50">
+            <a:extLst>
+              <a:ext uri="{FF2B5EF4-FFF2-40B4-BE49-F238E27FC236}">
+                <a16:creationId xmlns:a16="http://schemas.microsoft.com/office/drawing/2014/main" id="{8878C6A2-800E-475F-804C-6FF1ED3A9F53}"/>
+              </a:ext>
+            </a:extLst>
+          </p:cNvPr>
+          <p:cNvCxnSpPr>
+            <a:cxnSpLocks/>
+          </p:cNvCxnSpPr>
+          <p:nvPr/>
+        </p:nvCxnSpPr>
+        <p:spPr>
+          <a:xfrm>
+            <a:off x="5593401" y="1522854"/>
+            <a:ext cx="2816772" cy="391814"/>
+          </a:xfrm>
+          <a:prstGeom prst="straightConnector1">
+            <a:avLst/>
+          </a:prstGeom>
+          <a:ln>
+            <a:tailEnd type="triangle"/>
+          </a:ln>
+        </p:spPr>
+        <p:style>
+          <a:lnRef idx="1">
+            <a:schemeClr val="dk1"/>
+          </a:lnRef>
+          <a:fillRef idx="0">
+            <a:schemeClr val="dk1"/>
+          </a:fillRef>
+          <a:effectRef idx="0">
+            <a:schemeClr val="dk1"/>
+          </a:effectRef>
+          <a:fontRef idx="minor">
+            <a:schemeClr val="tx1"/>
+          </a:fontRef>
+        </p:style>
+      </p:cxnSp>
+      <p:sp>
+        <p:nvSpPr>
+          <p:cNvPr id="52" name="右大括号 51">
+            <a:extLst>
+              <a:ext uri="{FF2B5EF4-FFF2-40B4-BE49-F238E27FC236}">
+                <a16:creationId xmlns:a16="http://schemas.microsoft.com/office/drawing/2014/main" id="{223BD677-17CE-469C-86CD-260210FB698D}"/>
+              </a:ext>
+            </a:extLst>
+          </p:cNvPr>
+          <p:cNvSpPr/>
+          <p:nvPr/>
+        </p:nvSpPr>
+        <p:spPr>
+          <a:xfrm>
+            <a:off x="9149875" y="2774787"/>
+            <a:ext cx="286555" cy="654213"/>
+          </a:xfrm>
+          <a:prstGeom prst="rightBrace">
+            <a:avLst>
+              <a:gd name="adj1" fmla="val 39010"/>
+              <a:gd name="adj2" fmla="val 50000"/>
+            </a:avLst>
+          </a:prstGeom>
+          <a:ln>
+            <a:solidFill>
+              <a:schemeClr val="tx1"/>
+            </a:solidFill>
+          </a:ln>
+        </p:spPr>
+        <p:style>
+          <a:lnRef idx="1">
+            <a:schemeClr val="accent1"/>
+          </a:lnRef>
+          <a:fillRef idx="0">
+            <a:schemeClr val="accent1"/>
+          </a:fillRef>
+          <a:effectRef idx="0">
+            <a:schemeClr val="accent1"/>
+          </a:effectRef>
+          <a:fontRef idx="minor">
+            <a:schemeClr val="tx1"/>
+          </a:fontRef>
+        </p:style>
+        <p:txBody>
+          <a:bodyPr rtlCol="0" anchor="ctr"/>
+          <a:lstStyle/>
+          <a:p>
+            <a:pPr algn="ctr"/>
+            <a:endParaRPr lang="zh-CN" altLang="en-US"/>
+          </a:p>
+        </p:txBody>
+      </p:sp>
+      <p:cxnSp>
+        <p:nvCxnSpPr>
+          <p:cNvPr id="53" name="直接箭头连接符 52">
+            <a:extLst>
+              <a:ext uri="{FF2B5EF4-FFF2-40B4-BE49-F238E27FC236}">
+                <a16:creationId xmlns:a16="http://schemas.microsoft.com/office/drawing/2014/main" id="{8FD0EE20-214A-4951-A863-BD104F8693BA}"/>
+              </a:ext>
+            </a:extLst>
+          </p:cNvPr>
+          <p:cNvCxnSpPr>
+            <a:cxnSpLocks/>
+          </p:cNvCxnSpPr>
+          <p:nvPr/>
+        </p:nvCxnSpPr>
+        <p:spPr>
+          <a:xfrm flipH="1">
+            <a:off x="5593401" y="3842232"/>
+            <a:ext cx="2816772" cy="383628"/>
+          </a:xfrm>
+          <a:prstGeom prst="straightConnector1">
+            <a:avLst/>
+          </a:prstGeom>
+          <a:ln>
+            <a:tailEnd type="triangle"/>
+          </a:ln>
+        </p:spPr>
+        <p:style>
+          <a:lnRef idx="1">
+            <a:schemeClr val="dk1"/>
+          </a:lnRef>
+          <a:fillRef idx="0">
+            <a:schemeClr val="dk1"/>
+          </a:fillRef>
+          <a:effectRef idx="0">
+            <a:schemeClr val="dk1"/>
+          </a:effectRef>
+          <a:fontRef idx="minor">
+            <a:schemeClr val="tx1"/>
+          </a:fontRef>
+        </p:style>
+      </p:cxnSp>
+      <p:sp>
+        <p:nvSpPr>
+          <p:cNvPr id="54" name="矩形 53">
+            <a:extLst>
+              <a:ext uri="{FF2B5EF4-FFF2-40B4-BE49-F238E27FC236}">
+                <a16:creationId xmlns:a16="http://schemas.microsoft.com/office/drawing/2014/main" id="{DA21AF81-58CE-48EB-B1BF-D0393999DF04}"/>
+              </a:ext>
+            </a:extLst>
+          </p:cNvPr>
+          <p:cNvSpPr/>
+          <p:nvPr/>
+        </p:nvSpPr>
+        <p:spPr>
+          <a:xfrm>
+            <a:off x="4965528" y="3834046"/>
+            <a:ext cx="4072518" cy="391814"/>
+          </a:xfrm>
+          <a:prstGeom prst="rect">
+            <a:avLst/>
+          </a:prstGeom>
+          <a:noFill/>
+          <a:ln w="9525">
+            <a:prstDash val="dash"/>
+          </a:ln>
+        </p:spPr>
+        <p:style>
+          <a:lnRef idx="2">
+            <a:schemeClr val="accent1">
+              <a:shade val="50000"/>
+            </a:schemeClr>
+          </a:lnRef>
+          <a:fillRef idx="1">
+            <a:schemeClr val="accent1"/>
+          </a:fillRef>
+          <a:effectRef idx="0">
+            <a:schemeClr val="accent1"/>
+          </a:effectRef>
+          <a:fontRef idx="minor">
+            <a:schemeClr val="lt1"/>
+          </a:fontRef>
+        </p:style>
+        <p:txBody>
+          <a:bodyPr rtlCol="0" anchor="ctr"/>
+          <a:lstStyle/>
+          <a:p>
+            <a:pPr algn="ctr"/>
+            <a:endParaRPr lang="zh-CN" altLang="en-US"/>
+          </a:p>
+        </p:txBody>
+      </p:sp>
+      <p:sp>
+        <p:nvSpPr>
+          <p:cNvPr id="58" name="文本框 57">
+            <a:extLst>
+              <a:ext uri="{FF2B5EF4-FFF2-40B4-BE49-F238E27FC236}">
+                <a16:creationId xmlns:a16="http://schemas.microsoft.com/office/drawing/2014/main" id="{4FFF7B5C-2F21-427C-AA04-08E3F3F46A06}"/>
+              </a:ext>
+            </a:extLst>
+          </p:cNvPr>
+          <p:cNvSpPr txBox="1"/>
+          <p:nvPr/>
+        </p:nvSpPr>
+        <p:spPr>
+          <a:xfrm>
+            <a:off x="1355765" y="3560199"/>
+            <a:ext cx="810235" cy="338554"/>
+          </a:xfrm>
+          <a:prstGeom prst="rect">
+            <a:avLst/>
+          </a:prstGeom>
+          <a:noFill/>
+        </p:spPr>
+        <p:txBody>
+          <a:bodyPr wrap="square" rtlCol="0">
+            <a:spAutoFit/>
+          </a:bodyPr>
+          <a:lstStyle/>
+          <a:p>
+            <a:r>
+              <a:rPr lang="en-US" altLang="zh-CN" sz="1600" dirty="0">
+                <a:latin typeface="Courier New" panose="02070309020205020404" pitchFamily="49" charset="0"/>
+                <a:cs typeface="Courier New" panose="02070309020205020404" pitchFamily="49" charset="0"/>
+              </a:rPr>
+              <a:t>step()</a:t>
+            </a:r>
+            <a:endParaRPr lang="zh-CN" altLang="en-US" dirty="0">
+              <a:latin typeface="Courier New" panose="02070309020205020404" pitchFamily="49" charset="0"/>
+              <a:cs typeface="Courier New" panose="02070309020205020404" pitchFamily="49" charset="0"/>
+            </a:endParaRPr>
+          </a:p>
+        </p:txBody>
+      </p:sp>
+      <p:sp>
+        <p:nvSpPr>
+          <p:cNvPr id="62" name="右大括号 61">
+            <a:extLst>
+              <a:ext uri="{FF2B5EF4-FFF2-40B4-BE49-F238E27FC236}">
+                <a16:creationId xmlns:a16="http://schemas.microsoft.com/office/drawing/2014/main" id="{F280E87F-BB22-4172-9D08-2DB991AEF97B}"/>
+              </a:ext>
+            </a:extLst>
+          </p:cNvPr>
+          <p:cNvSpPr/>
+          <p:nvPr/>
+        </p:nvSpPr>
+        <p:spPr>
+          <a:xfrm rot="10800000">
+            <a:off x="2277529" y="3402369"/>
+            <a:ext cx="499087" cy="654213"/>
+          </a:xfrm>
+          <a:prstGeom prst="rightBrace">
+            <a:avLst>
+              <a:gd name="adj1" fmla="val 39010"/>
+              <a:gd name="adj2" fmla="val 50000"/>
+            </a:avLst>
+          </a:prstGeom>
+          <a:ln>
+            <a:solidFill>
+              <a:schemeClr val="tx1"/>
+            </a:solidFill>
+          </a:ln>
+        </p:spPr>
+        <p:style>
+          <a:lnRef idx="1">
+            <a:schemeClr val="accent1"/>
+          </a:lnRef>
+          <a:fillRef idx="0">
+            <a:schemeClr val="accent1"/>
+          </a:fillRef>
+          <a:effectRef idx="0">
+            <a:schemeClr val="accent1"/>
+          </a:effectRef>
+          <a:fontRef idx="minor">
+            <a:schemeClr val="tx1"/>
+          </a:fontRef>
+        </p:style>
+        <p:txBody>
+          <a:bodyPr rtlCol="0" anchor="ctr"/>
+          <a:lstStyle/>
+          <a:p>
+            <a:pPr algn="ctr"/>
+            <a:endParaRPr lang="zh-CN" altLang="en-US"/>
+          </a:p>
+        </p:txBody>
+      </p:sp>
+      <p:sp>
+        <p:nvSpPr>
+          <p:cNvPr id="64" name="文本框 63">
+            <a:extLst>
+              <a:ext uri="{FF2B5EF4-FFF2-40B4-BE49-F238E27FC236}">
+                <a16:creationId xmlns:a16="http://schemas.microsoft.com/office/drawing/2014/main" id="{B28C5DCD-A09E-4A19-AE3E-68F762CE90A6}"/>
+              </a:ext>
+            </a:extLst>
+          </p:cNvPr>
+          <p:cNvSpPr txBox="1"/>
+          <p:nvPr/>
+        </p:nvSpPr>
+        <p:spPr>
+          <a:xfrm rot="5400000">
+            <a:off x="6557647" y="4760860"/>
+            <a:ext cx="1074447" cy="369332"/>
+          </a:xfrm>
+          <a:prstGeom prst="rect">
+            <a:avLst/>
+          </a:prstGeom>
+          <a:noFill/>
+        </p:spPr>
+        <p:txBody>
+          <a:bodyPr wrap="square" rtlCol="0">
+            <a:spAutoFit/>
+          </a:bodyPr>
+          <a:lstStyle/>
+          <a:p>
+            <a:r>
+              <a:rPr lang="en-US" altLang="zh-CN" dirty="0">
+                <a:latin typeface="Courier New" panose="02070309020205020404" pitchFamily="49" charset="0"/>
+                <a:cs typeface="Courier New" panose="02070309020205020404" pitchFamily="49" charset="0"/>
+              </a:rPr>
+              <a:t>...</a:t>
+            </a:r>
+            <a:endParaRPr lang="zh-CN" altLang="en-US" dirty="0">
+              <a:latin typeface="Courier New" panose="02070309020205020404" pitchFamily="49" charset="0"/>
+              <a:cs typeface="Courier New" panose="02070309020205020404" pitchFamily="49" charset="0"/>
+            </a:endParaRPr>
+          </a:p>
+        </p:txBody>
+      </p:sp>
+      <p:sp>
+        <p:nvSpPr>
+          <p:cNvPr id="66" name="矩形 65">
+            <a:extLst>
+              <a:ext uri="{FF2B5EF4-FFF2-40B4-BE49-F238E27FC236}">
+                <a16:creationId xmlns:a16="http://schemas.microsoft.com/office/drawing/2014/main" id="{5516A29E-6AAB-4572-92F2-4FBC382C6446}"/>
+              </a:ext>
+            </a:extLst>
+          </p:cNvPr>
+          <p:cNvSpPr/>
+          <p:nvPr/>
+        </p:nvSpPr>
+        <p:spPr>
+          <a:xfrm>
+            <a:off x="4965528" y="5090935"/>
+            <a:ext cx="4072518" cy="391814"/>
+          </a:xfrm>
+          <a:prstGeom prst="rect">
+            <a:avLst/>
+          </a:prstGeom>
+          <a:noFill/>
+          <a:ln w="9525">
+            <a:prstDash val="dash"/>
+          </a:ln>
+        </p:spPr>
+        <p:style>
+          <a:lnRef idx="2">
+            <a:schemeClr val="accent1">
+              <a:shade val="50000"/>
+            </a:schemeClr>
+          </a:lnRef>
+          <a:fillRef idx="1">
+            <a:schemeClr val="accent1"/>
+          </a:fillRef>
+          <a:effectRef idx="0">
+            <a:schemeClr val="accent1"/>
+          </a:effectRef>
+          <a:fontRef idx="minor">
+            <a:schemeClr val="lt1"/>
+          </a:fontRef>
+        </p:style>
+        <p:txBody>
+          <a:bodyPr rtlCol="0" anchor="ctr"/>
+          <a:lstStyle/>
+          <a:p>
+            <a:pPr algn="ctr"/>
+            <a:endParaRPr lang="zh-CN" altLang="en-US"/>
+          </a:p>
+        </p:txBody>
+      </p:sp>
+      <p:sp>
+        <p:nvSpPr>
+          <p:cNvPr id="68" name="文本框 67">
+            <a:extLst>
+              <a:ext uri="{FF2B5EF4-FFF2-40B4-BE49-F238E27FC236}">
+                <a16:creationId xmlns:a16="http://schemas.microsoft.com/office/drawing/2014/main" id="{1A644FBA-FC8C-42F5-9556-6499CBAF7C83}"/>
+              </a:ext>
+            </a:extLst>
+          </p:cNvPr>
+          <p:cNvSpPr txBox="1"/>
+          <p:nvPr/>
+        </p:nvSpPr>
+        <p:spPr>
+          <a:xfrm>
+            <a:off x="9559094" y="4660289"/>
+            <a:ext cx="1071154" cy="338554"/>
+          </a:xfrm>
+          <a:prstGeom prst="rect">
+            <a:avLst/>
+          </a:prstGeom>
+          <a:noFill/>
+        </p:spPr>
+        <p:txBody>
+          <a:bodyPr wrap="square" rtlCol="0">
+            <a:spAutoFit/>
+          </a:bodyPr>
+          <a:lstStyle/>
+          <a:p>
+            <a:r>
+              <a:rPr lang="en-US" altLang="zh-CN" sz="1600" dirty="0">
+                <a:latin typeface="Courier New" panose="02070309020205020404" pitchFamily="49" charset="0"/>
+                <a:cs typeface="Courier New" panose="02070309020205020404" pitchFamily="49" charset="0"/>
+              </a:rPr>
+              <a:t>Notify()</a:t>
+            </a:r>
+          </a:p>
+        </p:txBody>
+      </p:sp>
+      <p:sp>
+        <p:nvSpPr>
+          <p:cNvPr id="70" name="右大括号 69">
+            <a:extLst>
+              <a:ext uri="{FF2B5EF4-FFF2-40B4-BE49-F238E27FC236}">
+                <a16:creationId xmlns:a16="http://schemas.microsoft.com/office/drawing/2014/main" id="{D89A4844-C183-4AD0-9F93-70AE6CBB95F3}"/>
+              </a:ext>
+            </a:extLst>
+          </p:cNvPr>
+          <p:cNvSpPr/>
+          <p:nvPr/>
+        </p:nvSpPr>
+        <p:spPr>
+          <a:xfrm>
+            <a:off x="9153158" y="4625571"/>
+            <a:ext cx="286555" cy="654213"/>
+          </a:xfrm>
+          <a:prstGeom prst="rightBrace">
+            <a:avLst>
+              <a:gd name="adj1" fmla="val 39010"/>
+              <a:gd name="adj2" fmla="val 50000"/>
+            </a:avLst>
+          </a:prstGeom>
+          <a:ln>
+            <a:solidFill>
+              <a:schemeClr val="tx1"/>
+            </a:solidFill>
+          </a:ln>
+        </p:spPr>
+        <p:style>
+          <a:lnRef idx="1">
+            <a:schemeClr val="accent1"/>
+          </a:lnRef>
+          <a:fillRef idx="0">
+            <a:schemeClr val="accent1"/>
+          </a:fillRef>
+          <a:effectRef idx="0">
+            <a:schemeClr val="accent1"/>
+          </a:effectRef>
+          <a:fontRef idx="minor">
+            <a:schemeClr val="tx1"/>
+          </a:fontRef>
+        </p:style>
+        <p:txBody>
+          <a:bodyPr rtlCol="0" anchor="ctr"/>
+          <a:lstStyle/>
+          <a:p>
+            <a:pPr algn="ctr"/>
+            <a:endParaRPr lang="zh-CN" altLang="en-US"/>
+          </a:p>
+        </p:txBody>
+      </p:sp>
+      <p:sp>
+        <p:nvSpPr>
+          <p:cNvPr id="74" name="文本框 73">
+            <a:extLst>
+              <a:ext uri="{FF2B5EF4-FFF2-40B4-BE49-F238E27FC236}">
+                <a16:creationId xmlns:a16="http://schemas.microsoft.com/office/drawing/2014/main" id="{4557DBA2-7666-4EDE-B385-7B9A44FF0EFC}"/>
+              </a:ext>
+            </a:extLst>
+          </p:cNvPr>
+          <p:cNvSpPr txBox="1"/>
+          <p:nvPr/>
+        </p:nvSpPr>
+        <p:spPr>
+          <a:xfrm>
+            <a:off x="2905401" y="3860676"/>
+            <a:ext cx="1829004" cy="338554"/>
+          </a:xfrm>
+          <a:prstGeom prst="rect">
+            <a:avLst/>
+          </a:prstGeom>
+          <a:noFill/>
+        </p:spPr>
+        <p:txBody>
+          <a:bodyPr wrap="square" rtlCol="0">
+            <a:spAutoFit/>
+          </a:bodyPr>
+          <a:lstStyle/>
+          <a:p>
+            <a:r>
+              <a:rPr lang="en-US" altLang="zh-CN" sz="1600" dirty="0">
+                <a:latin typeface="Courier New" panose="02070309020205020404" pitchFamily="49" charset="0"/>
+                <a:cs typeface="Courier New" panose="02070309020205020404" pitchFamily="49" charset="0"/>
+              </a:rPr>
+              <a:t>rx_env_state()</a:t>
+            </a:r>
+            <a:endParaRPr lang="zh-CN" altLang="en-US" sz="1600" dirty="0">
+              <a:latin typeface="Courier New" panose="02070309020205020404" pitchFamily="49" charset="0"/>
+              <a:cs typeface="Courier New" panose="02070309020205020404" pitchFamily="49" charset="0"/>
+            </a:endParaRPr>
+          </a:p>
+        </p:txBody>
+      </p:sp>
+      <p:sp>
+        <p:nvSpPr>
+          <p:cNvPr id="76" name="文本框 75">
+            <a:extLst>
+              <a:ext uri="{FF2B5EF4-FFF2-40B4-BE49-F238E27FC236}">
+                <a16:creationId xmlns:a16="http://schemas.microsoft.com/office/drawing/2014/main" id="{6C6EF26D-A8DB-415C-915A-627101DE6201}"/>
+              </a:ext>
+            </a:extLst>
+          </p:cNvPr>
+          <p:cNvSpPr txBox="1"/>
+          <p:nvPr/>
+        </p:nvSpPr>
+        <p:spPr>
+          <a:xfrm>
+            <a:off x="2905401" y="3233093"/>
+            <a:ext cx="1829004" cy="338554"/>
+          </a:xfrm>
+          <a:prstGeom prst="rect">
+            <a:avLst/>
+          </a:prstGeom>
+          <a:noFill/>
+        </p:spPr>
+        <p:txBody>
+          <a:bodyPr wrap="square" rtlCol="0">
+            <a:spAutoFit/>
+          </a:bodyPr>
+          <a:lstStyle/>
+          <a:p>
+            <a:r>
+              <a:rPr lang="en-US" altLang="zh-CN" sz="1600" dirty="0">
+                <a:latin typeface="Courier New" panose="02070309020205020404" pitchFamily="49" charset="0"/>
+                <a:cs typeface="Courier New" panose="02070309020205020404" pitchFamily="49" charset="0"/>
+              </a:rPr>
+              <a:t>send_actions()</a:t>
+            </a:r>
+            <a:endParaRPr lang="zh-CN" altLang="en-US" sz="1600" dirty="0">
+              <a:latin typeface="Courier New" panose="02070309020205020404" pitchFamily="49" charset="0"/>
+              <a:cs typeface="Courier New" panose="02070309020205020404" pitchFamily="49" charset="0"/>
+            </a:endParaRPr>
+          </a:p>
+        </p:txBody>
+      </p:sp>
+      <p:sp>
+        <p:nvSpPr>
+          <p:cNvPr id="84" name="文本框 83">
+            <a:extLst>
+              <a:ext uri="{FF2B5EF4-FFF2-40B4-BE49-F238E27FC236}">
+                <a16:creationId xmlns:a16="http://schemas.microsoft.com/office/drawing/2014/main" id="{C42D889C-54BE-465F-8AEF-7B4E53603D3B}"/>
+              </a:ext>
+            </a:extLst>
+          </p:cNvPr>
+          <p:cNvSpPr txBox="1"/>
+          <p:nvPr/>
+        </p:nvSpPr>
+        <p:spPr>
+          <a:xfrm>
+            <a:off x="3302148" y="5125612"/>
+            <a:ext cx="1432257" cy="338554"/>
+          </a:xfrm>
+          <a:prstGeom prst="rect">
+            <a:avLst/>
+          </a:prstGeom>
+          <a:noFill/>
+        </p:spPr>
+        <p:txBody>
+          <a:bodyPr wrap="square" rtlCol="0">
+            <a:spAutoFit/>
+          </a:bodyPr>
+          <a:lstStyle/>
+          <a:p>
+            <a:r>
+              <a:rPr lang="en-US" altLang="zh-CN" sz="1600" dirty="0">
+                <a:latin typeface="Courier New" panose="02070309020205020404" pitchFamily="49" charset="0"/>
+                <a:cs typeface="Courier New" panose="02070309020205020404" pitchFamily="49" charset="0"/>
+              </a:rPr>
+              <a:t>env.close()</a:t>
+            </a:r>
+            <a:endParaRPr lang="zh-CN" altLang="en-US" sz="1600" dirty="0">
+              <a:latin typeface="Courier New" panose="02070309020205020404" pitchFamily="49" charset="0"/>
+              <a:cs typeface="Courier New" panose="02070309020205020404" pitchFamily="49" charset="0"/>
+            </a:endParaRPr>
+          </a:p>
+        </p:txBody>
+      </p:sp>
+      <p:cxnSp>
+        <p:nvCxnSpPr>
+          <p:cNvPr id="87" name="直接箭头连接符 86">
+            <a:extLst>
+              <a:ext uri="{FF2B5EF4-FFF2-40B4-BE49-F238E27FC236}">
+                <a16:creationId xmlns:a16="http://schemas.microsoft.com/office/drawing/2014/main" id="{C49BBD16-1F91-4E8B-9F1F-24DCC7D9721E}"/>
+              </a:ext>
+            </a:extLst>
+          </p:cNvPr>
+          <p:cNvCxnSpPr>
+            <a:cxnSpLocks/>
+          </p:cNvCxnSpPr>
+          <p:nvPr/>
+        </p:nvCxnSpPr>
+        <p:spPr>
+          <a:xfrm>
+            <a:off x="5593401" y="5098982"/>
+            <a:ext cx="2816772" cy="391814"/>
+          </a:xfrm>
+          <a:prstGeom prst="straightConnector1">
+            <a:avLst/>
+          </a:prstGeom>
+          <a:ln>
+            <a:tailEnd type="triangle"/>
+          </a:ln>
+        </p:spPr>
+        <p:style>
+          <a:lnRef idx="1">
+            <a:schemeClr val="dk1"/>
+          </a:lnRef>
+          <a:fillRef idx="0">
+            <a:schemeClr val="dk1"/>
+          </a:fillRef>
+          <a:effectRef idx="0">
+            <a:schemeClr val="dk1"/>
+          </a:effectRef>
+          <a:fontRef idx="minor">
+            <a:schemeClr val="tx1"/>
+          </a:fontRef>
+        </p:style>
+      </p:cxnSp>
+      <p:sp>
+        <p:nvSpPr>
+          <p:cNvPr id="2" name="文本框 1">
+            <a:extLst>
+              <a:ext uri="{FF2B5EF4-FFF2-40B4-BE49-F238E27FC236}">
+                <a16:creationId xmlns:a16="http://schemas.microsoft.com/office/drawing/2014/main" id="{94257D1B-14DE-4080-B3B9-F25BAB387341}"/>
+              </a:ext>
+            </a:extLst>
+          </p:cNvPr>
+          <p:cNvSpPr txBox="1"/>
+          <p:nvPr/>
+        </p:nvSpPr>
+        <p:spPr>
+          <a:xfrm>
+            <a:off x="4287420" y="5631781"/>
+            <a:ext cx="1305982" cy="338554"/>
+          </a:xfrm>
+          <a:prstGeom prst="rect">
+            <a:avLst/>
+          </a:prstGeom>
+          <a:noFill/>
+        </p:spPr>
+        <p:txBody>
+          <a:bodyPr wrap="square" rtlCol="0">
+            <a:spAutoFit/>
+          </a:bodyPr>
+          <a:lstStyle/>
+          <a:p>
+            <a:r>
+              <a:rPr lang="en-US" altLang="zh-CN" sz="1600" dirty="0">
+                <a:latin typeface="Courier New" panose="02070309020205020404" pitchFamily="49" charset="0"/>
+                <a:cs typeface="Courier New" panose="02070309020205020404" pitchFamily="49" charset="0"/>
+              </a:rPr>
+              <a:t>terminate</a:t>
+            </a:r>
+            <a:endParaRPr lang="zh-CN" altLang="en-US" dirty="0">
+              <a:latin typeface="Courier New" panose="02070309020205020404" pitchFamily="49" charset="0"/>
+              <a:cs typeface="Courier New" panose="02070309020205020404" pitchFamily="49" charset="0"/>
+            </a:endParaRPr>
+          </a:p>
+        </p:txBody>
+      </p:sp>
+      <p:sp>
+        <p:nvSpPr>
+          <p:cNvPr id="3" name="文本框 2">
+            <a:extLst>
+              <a:ext uri="{FF2B5EF4-FFF2-40B4-BE49-F238E27FC236}">
+                <a16:creationId xmlns:a16="http://schemas.microsoft.com/office/drawing/2014/main" id="{4CDAC36A-2F75-463D-8477-F18D0BC6D5FC}"/>
+              </a:ext>
+            </a:extLst>
+          </p:cNvPr>
+          <p:cNvSpPr txBox="1"/>
+          <p:nvPr/>
+        </p:nvSpPr>
+        <p:spPr>
+          <a:xfrm>
+            <a:off x="8449589" y="5631781"/>
+            <a:ext cx="1305982" cy="338554"/>
+          </a:xfrm>
+          <a:prstGeom prst="rect">
+            <a:avLst/>
+          </a:prstGeom>
+          <a:noFill/>
+        </p:spPr>
+        <p:txBody>
+          <a:bodyPr wrap="square" rtlCol="0">
+            <a:spAutoFit/>
+          </a:bodyPr>
+          <a:lstStyle/>
+          <a:p>
+            <a:r>
+              <a:rPr lang="en-US" altLang="zh-CN" sz="1600" dirty="0">
+                <a:latin typeface="Courier New" panose="02070309020205020404" pitchFamily="49" charset="0"/>
+                <a:cs typeface="Courier New" panose="02070309020205020404" pitchFamily="49" charset="0"/>
+              </a:rPr>
+              <a:t>terminate</a:t>
+            </a:r>
+            <a:endParaRPr lang="zh-CN" altLang="en-US" dirty="0">
+              <a:latin typeface="Courier New" panose="02070309020205020404" pitchFamily="49" charset="0"/>
+              <a:cs typeface="Courier New" panose="02070309020205020404" pitchFamily="49" charset="0"/>
+            </a:endParaRPr>
+          </a:p>
+        </p:txBody>
+      </p:sp>
+    </p:spTree>
+    <p:extLst>
+      <p:ext uri="{BB962C8B-B14F-4D97-AF65-F5344CB8AC3E}">
+        <p14:creationId xmlns:p14="http://schemas.microsoft.com/office/powerpoint/2010/main" val="851749863"/>
       </p:ext>
     </p:extLst>
   </p:cSld>
@@ -11592,6 +13110,1832 @@
 </p:sld>
 </file>
 
+<file path=ppt/slides/slide9.xml><?xml version="1.0" encoding="utf-8"?>
+<p:sld xmlns:a="http://schemas.openxmlformats.org/drawingml/2006/main" xmlns:r="http://schemas.openxmlformats.org/officeDocument/2006/relationships" xmlns:p="http://schemas.openxmlformats.org/presentationml/2006/main">
+  <p:cSld>
+    <p:spTree>
+      <p:nvGrpSpPr>
+        <p:cNvPr id="1" name=""/>
+        <p:cNvGrpSpPr/>
+        <p:nvPr/>
+      </p:nvGrpSpPr>
+      <p:grpSpPr>
+        <a:xfrm>
+          <a:off x="0" y="0"/>
+          <a:ext cx="0" cy="0"/>
+          <a:chOff x="0" y="0"/>
+          <a:chExt cx="0" cy="0"/>
+        </a:xfrm>
+      </p:grpSpPr>
+      <p:cxnSp>
+        <p:nvCxnSpPr>
+          <p:cNvPr id="5" name="直接连接符 4">
+            <a:extLst>
+              <a:ext uri="{FF2B5EF4-FFF2-40B4-BE49-F238E27FC236}">
+                <a16:creationId xmlns:a16="http://schemas.microsoft.com/office/drawing/2014/main" id="{31AD93BA-6AE4-4C80-9B92-5809D9A4B65B}"/>
+              </a:ext>
+            </a:extLst>
+          </p:cNvPr>
+          <p:cNvCxnSpPr>
+            <a:cxnSpLocks/>
+          </p:cNvCxnSpPr>
+          <p:nvPr/>
+        </p:nvCxnSpPr>
+        <p:spPr>
+          <a:xfrm>
+            <a:off x="5593403" y="681656"/>
+            <a:ext cx="0" cy="5833242"/>
+          </a:xfrm>
+          <a:prstGeom prst="line">
+            <a:avLst/>
+          </a:prstGeom>
+        </p:spPr>
+        <p:style>
+          <a:lnRef idx="1">
+            <a:schemeClr val="dk1"/>
+          </a:lnRef>
+          <a:fillRef idx="0">
+            <a:schemeClr val="dk1"/>
+          </a:fillRef>
+          <a:effectRef idx="0">
+            <a:schemeClr val="dk1"/>
+          </a:effectRef>
+          <a:fontRef idx="minor">
+            <a:schemeClr val="tx1"/>
+          </a:fontRef>
+        </p:style>
+      </p:cxnSp>
+      <p:sp>
+        <p:nvSpPr>
+          <p:cNvPr id="9" name="文本框 8">
+            <a:extLst>
+              <a:ext uri="{FF2B5EF4-FFF2-40B4-BE49-F238E27FC236}">
+                <a16:creationId xmlns:a16="http://schemas.microsoft.com/office/drawing/2014/main" id="{EF2AEB24-7E14-4504-8C3A-1EEA964C6DB5}"/>
+              </a:ext>
+            </a:extLst>
+          </p:cNvPr>
+          <p:cNvSpPr txBox="1"/>
+          <p:nvPr/>
+        </p:nvSpPr>
+        <p:spPr>
+          <a:xfrm>
+            <a:off x="5199265" y="255988"/>
+            <a:ext cx="788275" cy="369332"/>
+          </a:xfrm>
+          <a:prstGeom prst="rect">
+            <a:avLst/>
+          </a:prstGeom>
+          <a:noFill/>
+        </p:spPr>
+        <p:txBody>
+          <a:bodyPr wrap="square" rtlCol="0">
+            <a:spAutoFit/>
+          </a:bodyPr>
+          <a:lstStyle/>
+          <a:p>
+            <a:r>
+              <a:rPr lang="en-US" altLang="zh-CN" dirty="0">
+                <a:latin typeface="Times New Roman" panose="02020603050405020304" pitchFamily="18" charset="0"/>
+                <a:cs typeface="Times New Roman" panose="02020603050405020304" pitchFamily="18" charset="0"/>
+              </a:rPr>
+              <a:t>Agent</a:t>
+            </a:r>
+            <a:endParaRPr lang="zh-CN" altLang="en-US" dirty="0">
+              <a:latin typeface="Times New Roman" panose="02020603050405020304" pitchFamily="18" charset="0"/>
+              <a:cs typeface="Times New Roman" panose="02020603050405020304" pitchFamily="18" charset="0"/>
+            </a:endParaRPr>
+          </a:p>
+        </p:txBody>
+      </p:sp>
+      <p:sp>
+        <p:nvSpPr>
+          <p:cNvPr id="11" name="文本框 10">
+            <a:extLst>
+              <a:ext uri="{FF2B5EF4-FFF2-40B4-BE49-F238E27FC236}">
+                <a16:creationId xmlns:a16="http://schemas.microsoft.com/office/drawing/2014/main" id="{82484734-306A-4EA0-B198-4D820DB68221}"/>
+              </a:ext>
+            </a:extLst>
+          </p:cNvPr>
+          <p:cNvSpPr txBox="1"/>
+          <p:nvPr/>
+        </p:nvSpPr>
+        <p:spPr>
+          <a:xfrm>
+            <a:off x="8134278" y="255988"/>
+            <a:ext cx="551793" cy="369332"/>
+          </a:xfrm>
+          <a:prstGeom prst="rect">
+            <a:avLst/>
+          </a:prstGeom>
+          <a:noFill/>
+        </p:spPr>
+        <p:txBody>
+          <a:bodyPr wrap="square" rtlCol="0">
+            <a:spAutoFit/>
+          </a:bodyPr>
+          <a:lstStyle/>
+          <a:p>
+            <a:r>
+              <a:rPr lang="en-US" altLang="zh-CN" dirty="0">
+                <a:latin typeface="Times New Roman" panose="02020603050405020304" pitchFamily="18" charset="0"/>
+                <a:cs typeface="Times New Roman" panose="02020603050405020304" pitchFamily="18" charset="0"/>
+              </a:rPr>
+              <a:t>Env</a:t>
+            </a:r>
+            <a:endParaRPr lang="zh-CN" altLang="en-US" dirty="0">
+              <a:latin typeface="Times New Roman" panose="02020603050405020304" pitchFamily="18" charset="0"/>
+              <a:cs typeface="Times New Roman" panose="02020603050405020304" pitchFamily="18" charset="0"/>
+            </a:endParaRPr>
+          </a:p>
+        </p:txBody>
+      </p:sp>
+      <p:cxnSp>
+        <p:nvCxnSpPr>
+          <p:cNvPr id="13" name="直接箭头连接符 12">
+            <a:extLst>
+              <a:ext uri="{FF2B5EF4-FFF2-40B4-BE49-F238E27FC236}">
+                <a16:creationId xmlns:a16="http://schemas.microsoft.com/office/drawing/2014/main" id="{957D6535-1927-4FB8-AFA9-71A591F5FB83}"/>
+              </a:ext>
+            </a:extLst>
+          </p:cNvPr>
+          <p:cNvCxnSpPr>
+            <a:cxnSpLocks/>
+          </p:cNvCxnSpPr>
+          <p:nvPr/>
+        </p:nvCxnSpPr>
+        <p:spPr>
+          <a:xfrm flipH="1">
+            <a:off x="5593402" y="1142213"/>
+            <a:ext cx="2816772" cy="383628"/>
+          </a:xfrm>
+          <a:prstGeom prst="straightConnector1">
+            <a:avLst/>
+          </a:prstGeom>
+          <a:ln>
+            <a:tailEnd type="triangle"/>
+          </a:ln>
+        </p:spPr>
+        <p:style>
+          <a:lnRef idx="1">
+            <a:schemeClr val="dk1"/>
+          </a:lnRef>
+          <a:fillRef idx="0">
+            <a:schemeClr val="dk1"/>
+          </a:fillRef>
+          <a:effectRef idx="0">
+            <a:schemeClr val="dk1"/>
+          </a:effectRef>
+          <a:fontRef idx="minor">
+            <a:schemeClr val="tx1"/>
+          </a:fontRef>
+        </p:style>
+      </p:cxnSp>
+      <p:cxnSp>
+        <p:nvCxnSpPr>
+          <p:cNvPr id="20" name="直接连接符 19">
+            <a:extLst>
+              <a:ext uri="{FF2B5EF4-FFF2-40B4-BE49-F238E27FC236}">
+                <a16:creationId xmlns:a16="http://schemas.microsoft.com/office/drawing/2014/main" id="{401491D3-1698-4157-A818-FF78BE6D9567}"/>
+              </a:ext>
+            </a:extLst>
+          </p:cNvPr>
+          <p:cNvCxnSpPr>
+            <a:cxnSpLocks/>
+          </p:cNvCxnSpPr>
+          <p:nvPr/>
+        </p:nvCxnSpPr>
+        <p:spPr>
+          <a:xfrm>
+            <a:off x="8410174" y="681656"/>
+            <a:ext cx="0" cy="5833242"/>
+          </a:xfrm>
+          <a:prstGeom prst="line">
+            <a:avLst/>
+          </a:prstGeom>
+        </p:spPr>
+        <p:style>
+          <a:lnRef idx="1">
+            <a:schemeClr val="dk1"/>
+          </a:lnRef>
+          <a:fillRef idx="0">
+            <a:schemeClr val="dk1"/>
+          </a:fillRef>
+          <a:effectRef idx="0">
+            <a:schemeClr val="dk1"/>
+          </a:effectRef>
+          <a:fontRef idx="minor">
+            <a:schemeClr val="tx1"/>
+          </a:fontRef>
+        </p:style>
+      </p:cxnSp>
+      <p:sp>
+        <p:nvSpPr>
+          <p:cNvPr id="23" name="文本框 22">
+            <a:extLst>
+              <a:ext uri="{FF2B5EF4-FFF2-40B4-BE49-F238E27FC236}">
+                <a16:creationId xmlns:a16="http://schemas.microsoft.com/office/drawing/2014/main" id="{25097DE9-141B-4C3B-9D4F-4581B6B905E1}"/>
+              </a:ext>
+            </a:extLst>
+          </p:cNvPr>
+          <p:cNvSpPr txBox="1"/>
+          <p:nvPr/>
+        </p:nvSpPr>
+        <p:spPr>
+          <a:xfrm>
+            <a:off x="6739029" y="995473"/>
+            <a:ext cx="525518" cy="338554"/>
+          </a:xfrm>
+          <a:prstGeom prst="rect">
+            <a:avLst/>
+          </a:prstGeom>
+          <a:noFill/>
+        </p:spPr>
+        <p:txBody>
+          <a:bodyPr wrap="square" rtlCol="0">
+            <a:spAutoFit/>
+          </a:bodyPr>
+          <a:lstStyle/>
+          <a:p>
+            <a:r>
+              <a:rPr lang="en-US" altLang="zh-CN" sz="1600" dirty="0">
+                <a:latin typeface="Times New Roman" panose="02020603050405020304" pitchFamily="18" charset="0"/>
+                <a:cs typeface="Times New Roman" panose="02020603050405020304" pitchFamily="18" charset="0"/>
+              </a:rPr>
+              <a:t>PID</a:t>
+            </a:r>
+            <a:endParaRPr lang="zh-CN" altLang="en-US" dirty="0">
+              <a:latin typeface="Times New Roman" panose="02020603050405020304" pitchFamily="18" charset="0"/>
+              <a:cs typeface="Times New Roman" panose="02020603050405020304" pitchFamily="18" charset="0"/>
+            </a:endParaRPr>
+          </a:p>
+        </p:txBody>
+      </p:sp>
+      <p:sp>
+        <p:nvSpPr>
+          <p:cNvPr id="25" name="文本框 24">
+            <a:extLst>
+              <a:ext uri="{FF2B5EF4-FFF2-40B4-BE49-F238E27FC236}">
+                <a16:creationId xmlns:a16="http://schemas.microsoft.com/office/drawing/2014/main" id="{E21F38C4-1E83-4F58-B44D-AC377B541246}"/>
+              </a:ext>
+            </a:extLst>
+          </p:cNvPr>
+          <p:cNvSpPr txBox="1"/>
+          <p:nvPr/>
+        </p:nvSpPr>
+        <p:spPr>
+          <a:xfrm>
+            <a:off x="6676850" y="1375251"/>
+            <a:ext cx="649876" cy="338554"/>
+          </a:xfrm>
+          <a:prstGeom prst="rect">
+            <a:avLst/>
+          </a:prstGeom>
+          <a:noFill/>
+        </p:spPr>
+        <p:txBody>
+          <a:bodyPr wrap="square" rtlCol="0">
+            <a:spAutoFit/>
+          </a:bodyPr>
+          <a:lstStyle/>
+          <a:p>
+            <a:r>
+              <a:rPr lang="en-US" altLang="zh-CN" sz="1600" dirty="0">
+                <a:latin typeface="Times New Roman" panose="02020603050405020304" pitchFamily="18" charset="0"/>
+                <a:cs typeface="Times New Roman" panose="02020603050405020304" pitchFamily="18" charset="0"/>
+              </a:rPr>
+              <a:t>ACK</a:t>
+            </a:r>
+            <a:endParaRPr lang="zh-CN" altLang="en-US" dirty="0">
+              <a:latin typeface="Times New Roman" panose="02020603050405020304" pitchFamily="18" charset="0"/>
+              <a:cs typeface="Times New Roman" panose="02020603050405020304" pitchFamily="18" charset="0"/>
+            </a:endParaRPr>
+          </a:p>
+        </p:txBody>
+      </p:sp>
+      <p:cxnSp>
+        <p:nvCxnSpPr>
+          <p:cNvPr id="26" name="直接箭头连接符 25">
+            <a:extLst>
+              <a:ext uri="{FF2B5EF4-FFF2-40B4-BE49-F238E27FC236}">
+                <a16:creationId xmlns:a16="http://schemas.microsoft.com/office/drawing/2014/main" id="{BC68321F-8960-43DA-8BB7-10D4A0DC2398}"/>
+              </a:ext>
+            </a:extLst>
+          </p:cNvPr>
+          <p:cNvCxnSpPr>
+            <a:cxnSpLocks/>
+          </p:cNvCxnSpPr>
+          <p:nvPr/>
+        </p:nvCxnSpPr>
+        <p:spPr>
+          <a:xfrm flipH="1">
+            <a:off x="5593401" y="2587066"/>
+            <a:ext cx="2816772" cy="383628"/>
+          </a:xfrm>
+          <a:prstGeom prst="straightConnector1">
+            <a:avLst/>
+          </a:prstGeom>
+          <a:ln>
+            <a:tailEnd type="triangle"/>
+          </a:ln>
+        </p:spPr>
+        <p:style>
+          <a:lnRef idx="1">
+            <a:schemeClr val="dk1"/>
+          </a:lnRef>
+          <a:fillRef idx="0">
+            <a:schemeClr val="dk1"/>
+          </a:fillRef>
+          <a:effectRef idx="0">
+            <a:schemeClr val="dk1"/>
+          </a:effectRef>
+          <a:fontRef idx="minor">
+            <a:schemeClr val="tx1"/>
+          </a:fontRef>
+        </p:style>
+      </p:cxnSp>
+      <p:sp>
+        <p:nvSpPr>
+          <p:cNvPr id="29" name="文本框 28">
+            <a:extLst>
+              <a:ext uri="{FF2B5EF4-FFF2-40B4-BE49-F238E27FC236}">
+                <a16:creationId xmlns:a16="http://schemas.microsoft.com/office/drawing/2014/main" id="{44992D7B-CA0A-41A4-9236-B97B47ECDE7E}"/>
+              </a:ext>
+            </a:extLst>
+          </p:cNvPr>
+          <p:cNvSpPr txBox="1"/>
+          <p:nvPr/>
+        </p:nvSpPr>
+        <p:spPr>
+          <a:xfrm>
+            <a:off x="9327469" y="1353577"/>
+            <a:ext cx="856204" cy="338554"/>
+          </a:xfrm>
+          <a:prstGeom prst="rect">
+            <a:avLst/>
+          </a:prstGeom>
+          <a:noFill/>
+        </p:spPr>
+        <p:txBody>
+          <a:bodyPr wrap="square" rtlCol="0">
+            <a:spAutoFit/>
+          </a:bodyPr>
+          <a:lstStyle/>
+          <a:p>
+            <a:r>
+              <a:rPr lang="en-US" altLang="zh-CN" sz="1600" dirty="0">
+                <a:latin typeface="Courier New" panose="02070309020205020404" pitchFamily="49" charset="0"/>
+                <a:cs typeface="Courier New" panose="02070309020205020404" pitchFamily="49" charset="0"/>
+              </a:rPr>
+              <a:t>Init()</a:t>
+            </a:r>
+            <a:endParaRPr lang="zh-CN" altLang="en-US" dirty="0">
+              <a:latin typeface="Courier New" panose="02070309020205020404" pitchFamily="49" charset="0"/>
+              <a:cs typeface="Courier New" panose="02070309020205020404" pitchFamily="49" charset="0"/>
+            </a:endParaRPr>
+          </a:p>
+        </p:txBody>
+      </p:sp>
+      <p:sp>
+        <p:nvSpPr>
+          <p:cNvPr id="31" name="文本框 30">
+            <a:extLst>
+              <a:ext uri="{FF2B5EF4-FFF2-40B4-BE49-F238E27FC236}">
+                <a16:creationId xmlns:a16="http://schemas.microsoft.com/office/drawing/2014/main" id="{04884548-923C-4EC4-9047-6F3B6FE0B0BF}"/>
+              </a:ext>
+            </a:extLst>
+          </p:cNvPr>
+          <p:cNvSpPr txBox="1"/>
+          <p:nvPr/>
+        </p:nvSpPr>
+        <p:spPr>
+          <a:xfrm>
+            <a:off x="2749970" y="1353577"/>
+            <a:ext cx="2139865" cy="338554"/>
+          </a:xfrm>
+          <a:prstGeom prst="rect">
+            <a:avLst/>
+          </a:prstGeom>
+          <a:noFill/>
+        </p:spPr>
+        <p:txBody>
+          <a:bodyPr wrap="square" rtlCol="0">
+            <a:spAutoFit/>
+          </a:bodyPr>
+          <a:lstStyle/>
+          <a:p>
+            <a:r>
+              <a:rPr lang="en-US" altLang="zh-CN" sz="1600" dirty="0">
+                <a:latin typeface="Courier New" panose="02070309020205020404" pitchFamily="49" charset="0"/>
+                <a:cs typeface="Courier New" panose="02070309020205020404" pitchFamily="49" charset="0"/>
+              </a:rPr>
+              <a:t>initialize_env()</a:t>
+            </a:r>
+            <a:endParaRPr lang="zh-CN" altLang="en-US" dirty="0">
+              <a:latin typeface="Courier New" panose="02070309020205020404" pitchFamily="49" charset="0"/>
+              <a:cs typeface="Courier New" panose="02070309020205020404" pitchFamily="49" charset="0"/>
+            </a:endParaRPr>
+          </a:p>
+        </p:txBody>
+      </p:sp>
+      <p:sp>
+        <p:nvSpPr>
+          <p:cNvPr id="32" name="矩形 31">
+            <a:extLst>
+              <a:ext uri="{FF2B5EF4-FFF2-40B4-BE49-F238E27FC236}">
+                <a16:creationId xmlns:a16="http://schemas.microsoft.com/office/drawing/2014/main" id="{22FD4A40-1BAB-4636-B11B-20364CAA6064}"/>
+              </a:ext>
+            </a:extLst>
+          </p:cNvPr>
+          <p:cNvSpPr/>
+          <p:nvPr/>
+        </p:nvSpPr>
+        <p:spPr>
+          <a:xfrm>
+            <a:off x="4965528" y="959260"/>
+            <a:ext cx="4072518" cy="1133162"/>
+          </a:xfrm>
+          <a:prstGeom prst="rect">
+            <a:avLst/>
+          </a:prstGeom>
+          <a:noFill/>
+          <a:ln w="9525">
+            <a:prstDash val="dash"/>
+          </a:ln>
+        </p:spPr>
+        <p:style>
+          <a:lnRef idx="2">
+            <a:schemeClr val="accent1">
+              <a:shade val="50000"/>
+            </a:schemeClr>
+          </a:lnRef>
+          <a:fillRef idx="1">
+            <a:schemeClr val="accent1"/>
+          </a:fillRef>
+          <a:effectRef idx="0">
+            <a:schemeClr val="accent1"/>
+          </a:effectRef>
+          <a:fontRef idx="minor">
+            <a:schemeClr val="lt1"/>
+          </a:fontRef>
+        </p:style>
+        <p:txBody>
+          <a:bodyPr rtlCol="0" anchor="ctr"/>
+          <a:lstStyle/>
+          <a:p>
+            <a:pPr algn="ctr"/>
+            <a:endParaRPr lang="zh-CN" altLang="en-US"/>
+          </a:p>
+        </p:txBody>
+      </p:sp>
+      <p:sp>
+        <p:nvSpPr>
+          <p:cNvPr id="34" name="矩形 33">
+            <a:extLst>
+              <a:ext uri="{FF2B5EF4-FFF2-40B4-BE49-F238E27FC236}">
+                <a16:creationId xmlns:a16="http://schemas.microsoft.com/office/drawing/2014/main" id="{B3B57813-F6D5-42D0-A627-5651AD6C0C68}"/>
+              </a:ext>
+            </a:extLst>
+          </p:cNvPr>
+          <p:cNvSpPr/>
+          <p:nvPr/>
+        </p:nvSpPr>
+        <p:spPr>
+          <a:xfrm>
+            <a:off x="4965528" y="2578880"/>
+            <a:ext cx="4072518" cy="391814"/>
+          </a:xfrm>
+          <a:prstGeom prst="rect">
+            <a:avLst/>
+          </a:prstGeom>
+          <a:noFill/>
+          <a:ln w="9525">
+            <a:prstDash val="dash"/>
+          </a:ln>
+        </p:spPr>
+        <p:style>
+          <a:lnRef idx="2">
+            <a:schemeClr val="accent1">
+              <a:shade val="50000"/>
+            </a:schemeClr>
+          </a:lnRef>
+          <a:fillRef idx="1">
+            <a:schemeClr val="accent1"/>
+          </a:fillRef>
+          <a:effectRef idx="0">
+            <a:schemeClr val="accent1"/>
+          </a:effectRef>
+          <a:fontRef idx="minor">
+            <a:schemeClr val="lt1"/>
+          </a:fontRef>
+        </p:style>
+        <p:txBody>
+          <a:bodyPr rtlCol="0" anchor="ctr"/>
+          <a:lstStyle/>
+          <a:p>
+            <a:pPr algn="ctr"/>
+            <a:endParaRPr lang="zh-CN" altLang="en-US"/>
+          </a:p>
+        </p:txBody>
+      </p:sp>
+      <p:sp>
+        <p:nvSpPr>
+          <p:cNvPr id="36" name="文本框 35">
+            <a:extLst>
+              <a:ext uri="{FF2B5EF4-FFF2-40B4-BE49-F238E27FC236}">
+                <a16:creationId xmlns:a16="http://schemas.microsoft.com/office/drawing/2014/main" id="{0F79A816-5874-4E04-B4FD-4F98753EA94B}"/>
+              </a:ext>
+            </a:extLst>
+          </p:cNvPr>
+          <p:cNvSpPr txBox="1"/>
+          <p:nvPr/>
+        </p:nvSpPr>
+        <p:spPr>
+          <a:xfrm>
+            <a:off x="2905401" y="2610949"/>
+            <a:ext cx="1829004" cy="338554"/>
+          </a:xfrm>
+          <a:prstGeom prst="rect">
+            <a:avLst/>
+          </a:prstGeom>
+          <a:noFill/>
+        </p:spPr>
+        <p:txBody>
+          <a:bodyPr wrap="square" rtlCol="0">
+            <a:spAutoFit/>
+          </a:bodyPr>
+          <a:lstStyle/>
+          <a:p>
+            <a:r>
+              <a:rPr lang="en-US" altLang="zh-CN" sz="1600" dirty="0">
+                <a:latin typeface="Courier New" panose="02070309020205020404" pitchFamily="49" charset="0"/>
+                <a:cs typeface="Courier New" panose="02070309020205020404" pitchFamily="49" charset="0"/>
+              </a:rPr>
+              <a:t>rx_env_state()</a:t>
+            </a:r>
+            <a:endParaRPr lang="zh-CN" altLang="en-US" sz="1600" dirty="0">
+              <a:latin typeface="Courier New" panose="02070309020205020404" pitchFamily="49" charset="0"/>
+              <a:cs typeface="Courier New" panose="02070309020205020404" pitchFamily="49" charset="0"/>
+            </a:endParaRPr>
+          </a:p>
+        </p:txBody>
+      </p:sp>
+      <p:sp>
+        <p:nvSpPr>
+          <p:cNvPr id="37" name="左大括号 36">
+            <a:extLst>
+              <a:ext uri="{FF2B5EF4-FFF2-40B4-BE49-F238E27FC236}">
+                <a16:creationId xmlns:a16="http://schemas.microsoft.com/office/drawing/2014/main" id="{967B845E-73BD-4CD1-89BD-C3C5C3AB6D2A}"/>
+              </a:ext>
+            </a:extLst>
+          </p:cNvPr>
+          <p:cNvSpPr/>
+          <p:nvPr/>
+        </p:nvSpPr>
+        <p:spPr>
+          <a:xfrm>
+            <a:off x="2277530" y="1522854"/>
+            <a:ext cx="499091" cy="1257821"/>
+          </a:xfrm>
+          <a:prstGeom prst="leftBrace">
+            <a:avLst>
+              <a:gd name="adj1" fmla="val 34604"/>
+              <a:gd name="adj2" fmla="val 50000"/>
+            </a:avLst>
+          </a:prstGeom>
+          <a:ln>
+            <a:solidFill>
+              <a:schemeClr val="tx1"/>
+            </a:solidFill>
+          </a:ln>
+        </p:spPr>
+        <p:style>
+          <a:lnRef idx="1">
+            <a:schemeClr val="accent1"/>
+          </a:lnRef>
+          <a:fillRef idx="0">
+            <a:schemeClr val="accent1"/>
+          </a:fillRef>
+          <a:effectRef idx="0">
+            <a:schemeClr val="accent1"/>
+          </a:effectRef>
+          <a:fontRef idx="minor">
+            <a:schemeClr val="tx1"/>
+          </a:fontRef>
+        </p:style>
+        <p:txBody>
+          <a:bodyPr rtlCol="0" anchor="ctr"/>
+          <a:lstStyle/>
+          <a:p>
+            <a:pPr algn="ctr"/>
+            <a:endParaRPr lang="zh-CN" altLang="en-US"/>
+          </a:p>
+        </p:txBody>
+      </p:sp>
+      <p:sp>
+        <p:nvSpPr>
+          <p:cNvPr id="39" name="文本框 38">
+            <a:extLst>
+              <a:ext uri="{FF2B5EF4-FFF2-40B4-BE49-F238E27FC236}">
+                <a16:creationId xmlns:a16="http://schemas.microsoft.com/office/drawing/2014/main" id="{E7A21CC8-77CB-4ECE-906A-DB49BC933494}"/>
+              </a:ext>
+            </a:extLst>
+          </p:cNvPr>
+          <p:cNvSpPr txBox="1"/>
+          <p:nvPr/>
+        </p:nvSpPr>
+        <p:spPr>
+          <a:xfrm>
+            <a:off x="728507" y="1981106"/>
+            <a:ext cx="1483580" cy="338554"/>
+          </a:xfrm>
+          <a:prstGeom prst="rect">
+            <a:avLst/>
+          </a:prstGeom>
+          <a:noFill/>
+        </p:spPr>
+        <p:txBody>
+          <a:bodyPr wrap="square" rtlCol="0">
+            <a:spAutoFit/>
+          </a:bodyPr>
+          <a:lstStyle/>
+          <a:p>
+            <a:r>
+              <a:rPr lang="en-US" altLang="zh-CN" sz="1600" dirty="0">
+                <a:latin typeface="Courier New" panose="02070309020205020404" pitchFamily="49" charset="0"/>
+                <a:cs typeface="Courier New" panose="02070309020205020404" pitchFamily="49" charset="0"/>
+              </a:rPr>
+              <a:t>env.reset()</a:t>
+            </a:r>
+          </a:p>
+        </p:txBody>
+      </p:sp>
+      <p:cxnSp>
+        <p:nvCxnSpPr>
+          <p:cNvPr id="43" name="直接箭头连接符 42">
+            <a:extLst>
+              <a:ext uri="{FF2B5EF4-FFF2-40B4-BE49-F238E27FC236}">
+                <a16:creationId xmlns:a16="http://schemas.microsoft.com/office/drawing/2014/main" id="{8E0CCF7D-BE92-4895-AE15-8498091EEF21}"/>
+              </a:ext>
+            </a:extLst>
+          </p:cNvPr>
+          <p:cNvCxnSpPr>
+            <a:cxnSpLocks/>
+          </p:cNvCxnSpPr>
+          <p:nvPr/>
+        </p:nvCxnSpPr>
+        <p:spPr>
+          <a:xfrm>
+            <a:off x="5593401" y="3206463"/>
+            <a:ext cx="2816772" cy="391814"/>
+          </a:xfrm>
+          <a:prstGeom prst="straightConnector1">
+            <a:avLst/>
+          </a:prstGeom>
+          <a:ln>
+            <a:tailEnd type="triangle"/>
+          </a:ln>
+        </p:spPr>
+        <p:style>
+          <a:lnRef idx="1">
+            <a:schemeClr val="dk1"/>
+          </a:lnRef>
+          <a:fillRef idx="0">
+            <a:schemeClr val="dk1"/>
+          </a:fillRef>
+          <a:effectRef idx="0">
+            <a:schemeClr val="dk1"/>
+          </a:effectRef>
+          <a:fontRef idx="minor">
+            <a:schemeClr val="tx1"/>
+          </a:fontRef>
+        </p:style>
+      </p:cxnSp>
+      <p:sp>
+        <p:nvSpPr>
+          <p:cNvPr id="47" name="文本框 46">
+            <a:extLst>
+              <a:ext uri="{FF2B5EF4-FFF2-40B4-BE49-F238E27FC236}">
+                <a16:creationId xmlns:a16="http://schemas.microsoft.com/office/drawing/2014/main" id="{9ECD0898-9960-4B51-BA00-4A870BFA87B2}"/>
+              </a:ext>
+            </a:extLst>
+          </p:cNvPr>
+          <p:cNvSpPr txBox="1"/>
+          <p:nvPr/>
+        </p:nvSpPr>
+        <p:spPr>
+          <a:xfrm>
+            <a:off x="9555800" y="2932616"/>
+            <a:ext cx="1074447" cy="338554"/>
+          </a:xfrm>
+          <a:prstGeom prst="rect">
+            <a:avLst/>
+          </a:prstGeom>
+          <a:noFill/>
+        </p:spPr>
+        <p:txBody>
+          <a:bodyPr wrap="square" rtlCol="0">
+            <a:spAutoFit/>
+          </a:bodyPr>
+          <a:lstStyle/>
+          <a:p>
+            <a:r>
+              <a:rPr lang="en-US" altLang="zh-CN" sz="1600" dirty="0">
+                <a:latin typeface="Courier New" panose="02070309020205020404" pitchFamily="49" charset="0"/>
+                <a:cs typeface="Courier New" panose="02070309020205020404" pitchFamily="49" charset="0"/>
+              </a:rPr>
+              <a:t>Notify()</a:t>
+            </a:r>
+            <a:endParaRPr lang="zh-CN" altLang="en-US" dirty="0">
+              <a:latin typeface="Courier New" panose="02070309020205020404" pitchFamily="49" charset="0"/>
+              <a:cs typeface="Courier New" panose="02070309020205020404" pitchFamily="49" charset="0"/>
+            </a:endParaRPr>
+          </a:p>
+        </p:txBody>
+      </p:sp>
+      <p:sp>
+        <p:nvSpPr>
+          <p:cNvPr id="49" name="矩形 48">
+            <a:extLst>
+              <a:ext uri="{FF2B5EF4-FFF2-40B4-BE49-F238E27FC236}">
+                <a16:creationId xmlns:a16="http://schemas.microsoft.com/office/drawing/2014/main" id="{C999E092-0883-4A3D-82D1-32E867B4E428}"/>
+              </a:ext>
+            </a:extLst>
+          </p:cNvPr>
+          <p:cNvSpPr/>
+          <p:nvPr/>
+        </p:nvSpPr>
+        <p:spPr>
+          <a:xfrm>
+            <a:off x="4965528" y="3206463"/>
+            <a:ext cx="4072518" cy="391814"/>
+          </a:xfrm>
+          <a:prstGeom prst="rect">
+            <a:avLst/>
+          </a:prstGeom>
+          <a:noFill/>
+          <a:ln w="9525">
+            <a:prstDash val="dash"/>
+          </a:ln>
+        </p:spPr>
+        <p:style>
+          <a:lnRef idx="2">
+            <a:schemeClr val="accent1">
+              <a:shade val="50000"/>
+            </a:schemeClr>
+          </a:lnRef>
+          <a:fillRef idx="1">
+            <a:schemeClr val="accent1"/>
+          </a:fillRef>
+          <a:effectRef idx="0">
+            <a:schemeClr val="accent1"/>
+          </a:effectRef>
+          <a:fontRef idx="minor">
+            <a:schemeClr val="lt1"/>
+          </a:fontRef>
+        </p:style>
+        <p:txBody>
+          <a:bodyPr rtlCol="0" anchor="ctr"/>
+          <a:lstStyle/>
+          <a:p>
+            <a:pPr algn="ctr"/>
+            <a:endParaRPr lang="zh-CN" altLang="en-US"/>
+          </a:p>
+        </p:txBody>
+      </p:sp>
+      <p:cxnSp>
+        <p:nvCxnSpPr>
+          <p:cNvPr id="51" name="直接箭头连接符 50">
+            <a:extLst>
+              <a:ext uri="{FF2B5EF4-FFF2-40B4-BE49-F238E27FC236}">
+                <a16:creationId xmlns:a16="http://schemas.microsoft.com/office/drawing/2014/main" id="{8878C6A2-800E-475F-804C-6FF1ED3A9F53}"/>
+              </a:ext>
+            </a:extLst>
+          </p:cNvPr>
+          <p:cNvCxnSpPr>
+            <a:cxnSpLocks/>
+          </p:cNvCxnSpPr>
+          <p:nvPr/>
+        </p:nvCxnSpPr>
+        <p:spPr>
+          <a:xfrm>
+            <a:off x="5593401" y="1522854"/>
+            <a:ext cx="2816772" cy="391814"/>
+          </a:xfrm>
+          <a:prstGeom prst="straightConnector1">
+            <a:avLst/>
+          </a:prstGeom>
+          <a:ln>
+            <a:tailEnd type="triangle"/>
+          </a:ln>
+        </p:spPr>
+        <p:style>
+          <a:lnRef idx="1">
+            <a:schemeClr val="dk1"/>
+          </a:lnRef>
+          <a:fillRef idx="0">
+            <a:schemeClr val="dk1"/>
+          </a:fillRef>
+          <a:effectRef idx="0">
+            <a:schemeClr val="dk1"/>
+          </a:effectRef>
+          <a:fontRef idx="minor">
+            <a:schemeClr val="tx1"/>
+          </a:fontRef>
+        </p:style>
+      </p:cxnSp>
+      <p:sp>
+        <p:nvSpPr>
+          <p:cNvPr id="52" name="右大括号 51">
+            <a:extLst>
+              <a:ext uri="{FF2B5EF4-FFF2-40B4-BE49-F238E27FC236}">
+                <a16:creationId xmlns:a16="http://schemas.microsoft.com/office/drawing/2014/main" id="{223BD677-17CE-469C-86CD-260210FB698D}"/>
+              </a:ext>
+            </a:extLst>
+          </p:cNvPr>
+          <p:cNvSpPr/>
+          <p:nvPr/>
+        </p:nvSpPr>
+        <p:spPr>
+          <a:xfrm>
+            <a:off x="9149875" y="2774787"/>
+            <a:ext cx="286555" cy="654213"/>
+          </a:xfrm>
+          <a:prstGeom prst="rightBrace">
+            <a:avLst>
+              <a:gd name="adj1" fmla="val 39010"/>
+              <a:gd name="adj2" fmla="val 50000"/>
+            </a:avLst>
+          </a:prstGeom>
+          <a:ln>
+            <a:solidFill>
+              <a:schemeClr val="tx1"/>
+            </a:solidFill>
+          </a:ln>
+        </p:spPr>
+        <p:style>
+          <a:lnRef idx="1">
+            <a:schemeClr val="accent1"/>
+          </a:lnRef>
+          <a:fillRef idx="0">
+            <a:schemeClr val="accent1"/>
+          </a:fillRef>
+          <a:effectRef idx="0">
+            <a:schemeClr val="accent1"/>
+          </a:effectRef>
+          <a:fontRef idx="minor">
+            <a:schemeClr val="tx1"/>
+          </a:fontRef>
+        </p:style>
+        <p:txBody>
+          <a:bodyPr rtlCol="0" anchor="ctr"/>
+          <a:lstStyle/>
+          <a:p>
+            <a:pPr algn="ctr"/>
+            <a:endParaRPr lang="zh-CN" altLang="en-US"/>
+          </a:p>
+        </p:txBody>
+      </p:sp>
+      <p:cxnSp>
+        <p:nvCxnSpPr>
+          <p:cNvPr id="53" name="直接箭头连接符 52">
+            <a:extLst>
+              <a:ext uri="{FF2B5EF4-FFF2-40B4-BE49-F238E27FC236}">
+                <a16:creationId xmlns:a16="http://schemas.microsoft.com/office/drawing/2014/main" id="{8FD0EE20-214A-4951-A863-BD104F8693BA}"/>
+              </a:ext>
+            </a:extLst>
+          </p:cNvPr>
+          <p:cNvCxnSpPr>
+            <a:cxnSpLocks/>
+          </p:cNvCxnSpPr>
+          <p:nvPr/>
+        </p:nvCxnSpPr>
+        <p:spPr>
+          <a:xfrm flipH="1">
+            <a:off x="5593401" y="3842232"/>
+            <a:ext cx="2816772" cy="383628"/>
+          </a:xfrm>
+          <a:prstGeom prst="straightConnector1">
+            <a:avLst/>
+          </a:prstGeom>
+          <a:ln>
+            <a:tailEnd type="triangle"/>
+          </a:ln>
+        </p:spPr>
+        <p:style>
+          <a:lnRef idx="1">
+            <a:schemeClr val="dk1"/>
+          </a:lnRef>
+          <a:fillRef idx="0">
+            <a:schemeClr val="dk1"/>
+          </a:fillRef>
+          <a:effectRef idx="0">
+            <a:schemeClr val="dk1"/>
+          </a:effectRef>
+          <a:fontRef idx="minor">
+            <a:schemeClr val="tx1"/>
+          </a:fontRef>
+        </p:style>
+      </p:cxnSp>
+      <p:sp>
+        <p:nvSpPr>
+          <p:cNvPr id="54" name="矩形 53">
+            <a:extLst>
+              <a:ext uri="{FF2B5EF4-FFF2-40B4-BE49-F238E27FC236}">
+                <a16:creationId xmlns:a16="http://schemas.microsoft.com/office/drawing/2014/main" id="{DA21AF81-58CE-48EB-B1BF-D0393999DF04}"/>
+              </a:ext>
+            </a:extLst>
+          </p:cNvPr>
+          <p:cNvSpPr/>
+          <p:nvPr/>
+        </p:nvSpPr>
+        <p:spPr>
+          <a:xfrm>
+            <a:off x="4965528" y="3834046"/>
+            <a:ext cx="4072518" cy="391814"/>
+          </a:xfrm>
+          <a:prstGeom prst="rect">
+            <a:avLst/>
+          </a:prstGeom>
+          <a:noFill/>
+          <a:ln w="9525">
+            <a:prstDash val="dash"/>
+          </a:ln>
+        </p:spPr>
+        <p:style>
+          <a:lnRef idx="2">
+            <a:schemeClr val="accent1">
+              <a:shade val="50000"/>
+            </a:schemeClr>
+          </a:lnRef>
+          <a:fillRef idx="1">
+            <a:schemeClr val="accent1"/>
+          </a:fillRef>
+          <a:effectRef idx="0">
+            <a:schemeClr val="accent1"/>
+          </a:effectRef>
+          <a:fontRef idx="minor">
+            <a:schemeClr val="lt1"/>
+          </a:fontRef>
+        </p:style>
+        <p:txBody>
+          <a:bodyPr rtlCol="0" anchor="ctr"/>
+          <a:lstStyle/>
+          <a:p>
+            <a:pPr algn="ctr"/>
+            <a:endParaRPr lang="zh-CN" altLang="en-US"/>
+          </a:p>
+        </p:txBody>
+      </p:sp>
+      <p:sp>
+        <p:nvSpPr>
+          <p:cNvPr id="58" name="文本框 57">
+            <a:extLst>
+              <a:ext uri="{FF2B5EF4-FFF2-40B4-BE49-F238E27FC236}">
+                <a16:creationId xmlns:a16="http://schemas.microsoft.com/office/drawing/2014/main" id="{4FFF7B5C-2F21-427C-AA04-08E3F3F46A06}"/>
+              </a:ext>
+            </a:extLst>
+          </p:cNvPr>
+          <p:cNvSpPr txBox="1"/>
+          <p:nvPr/>
+        </p:nvSpPr>
+        <p:spPr>
+          <a:xfrm>
+            <a:off x="1355765" y="3560199"/>
+            <a:ext cx="810235" cy="338554"/>
+          </a:xfrm>
+          <a:prstGeom prst="rect">
+            <a:avLst/>
+          </a:prstGeom>
+          <a:noFill/>
+        </p:spPr>
+        <p:txBody>
+          <a:bodyPr wrap="square" rtlCol="0">
+            <a:spAutoFit/>
+          </a:bodyPr>
+          <a:lstStyle/>
+          <a:p>
+            <a:r>
+              <a:rPr lang="en-US" altLang="zh-CN" sz="1600" dirty="0">
+                <a:latin typeface="Courier New" panose="02070309020205020404" pitchFamily="49" charset="0"/>
+                <a:cs typeface="Courier New" panose="02070309020205020404" pitchFamily="49" charset="0"/>
+              </a:rPr>
+              <a:t>step()</a:t>
+            </a:r>
+            <a:endParaRPr lang="zh-CN" altLang="en-US" dirty="0">
+              <a:latin typeface="Courier New" panose="02070309020205020404" pitchFamily="49" charset="0"/>
+              <a:cs typeface="Courier New" panose="02070309020205020404" pitchFamily="49" charset="0"/>
+            </a:endParaRPr>
+          </a:p>
+        </p:txBody>
+      </p:sp>
+      <p:sp>
+        <p:nvSpPr>
+          <p:cNvPr id="62" name="右大括号 61">
+            <a:extLst>
+              <a:ext uri="{FF2B5EF4-FFF2-40B4-BE49-F238E27FC236}">
+                <a16:creationId xmlns:a16="http://schemas.microsoft.com/office/drawing/2014/main" id="{F280E87F-BB22-4172-9D08-2DB991AEF97B}"/>
+              </a:ext>
+            </a:extLst>
+          </p:cNvPr>
+          <p:cNvSpPr/>
+          <p:nvPr/>
+        </p:nvSpPr>
+        <p:spPr>
+          <a:xfrm rot="10800000">
+            <a:off x="2277529" y="3402369"/>
+            <a:ext cx="499087" cy="654213"/>
+          </a:xfrm>
+          <a:prstGeom prst="rightBrace">
+            <a:avLst>
+              <a:gd name="adj1" fmla="val 39010"/>
+              <a:gd name="adj2" fmla="val 50000"/>
+            </a:avLst>
+          </a:prstGeom>
+          <a:ln>
+            <a:solidFill>
+              <a:schemeClr val="tx1"/>
+            </a:solidFill>
+          </a:ln>
+        </p:spPr>
+        <p:style>
+          <a:lnRef idx="1">
+            <a:schemeClr val="accent1"/>
+          </a:lnRef>
+          <a:fillRef idx="0">
+            <a:schemeClr val="accent1"/>
+          </a:fillRef>
+          <a:effectRef idx="0">
+            <a:schemeClr val="accent1"/>
+          </a:effectRef>
+          <a:fontRef idx="minor">
+            <a:schemeClr val="tx1"/>
+          </a:fontRef>
+        </p:style>
+        <p:txBody>
+          <a:bodyPr rtlCol="0" anchor="ctr"/>
+          <a:lstStyle/>
+          <a:p>
+            <a:pPr algn="ctr"/>
+            <a:endParaRPr lang="zh-CN" altLang="en-US"/>
+          </a:p>
+        </p:txBody>
+      </p:sp>
+      <p:sp>
+        <p:nvSpPr>
+          <p:cNvPr id="64" name="文本框 63">
+            <a:extLst>
+              <a:ext uri="{FF2B5EF4-FFF2-40B4-BE49-F238E27FC236}">
+                <a16:creationId xmlns:a16="http://schemas.microsoft.com/office/drawing/2014/main" id="{B28C5DCD-A09E-4A19-AE3E-68F762CE90A6}"/>
+              </a:ext>
+            </a:extLst>
+          </p:cNvPr>
+          <p:cNvSpPr txBox="1"/>
+          <p:nvPr/>
+        </p:nvSpPr>
+        <p:spPr>
+          <a:xfrm rot="5400000">
+            <a:off x="6557647" y="4760860"/>
+            <a:ext cx="1074447" cy="369332"/>
+          </a:xfrm>
+          <a:prstGeom prst="rect">
+            <a:avLst/>
+          </a:prstGeom>
+          <a:noFill/>
+        </p:spPr>
+        <p:txBody>
+          <a:bodyPr wrap="square" rtlCol="0">
+            <a:spAutoFit/>
+          </a:bodyPr>
+          <a:lstStyle/>
+          <a:p>
+            <a:r>
+              <a:rPr lang="en-US" altLang="zh-CN" dirty="0">
+                <a:latin typeface="Courier New" panose="02070309020205020404" pitchFamily="49" charset="0"/>
+                <a:cs typeface="Courier New" panose="02070309020205020404" pitchFamily="49" charset="0"/>
+              </a:rPr>
+              <a:t>...</a:t>
+            </a:r>
+            <a:endParaRPr lang="zh-CN" altLang="en-US" dirty="0">
+              <a:latin typeface="Courier New" panose="02070309020205020404" pitchFamily="49" charset="0"/>
+              <a:cs typeface="Courier New" panose="02070309020205020404" pitchFamily="49" charset="0"/>
+            </a:endParaRPr>
+          </a:p>
+        </p:txBody>
+      </p:sp>
+      <p:cxnSp>
+        <p:nvCxnSpPr>
+          <p:cNvPr id="65" name="直接箭头连接符 64">
+            <a:extLst>
+              <a:ext uri="{FF2B5EF4-FFF2-40B4-BE49-F238E27FC236}">
+                <a16:creationId xmlns:a16="http://schemas.microsoft.com/office/drawing/2014/main" id="{B198E0C2-4C0B-4C18-8E55-93E28057DB67}"/>
+              </a:ext>
+            </a:extLst>
+          </p:cNvPr>
+          <p:cNvCxnSpPr>
+            <a:cxnSpLocks/>
+          </p:cNvCxnSpPr>
+          <p:nvPr/>
+        </p:nvCxnSpPr>
+        <p:spPr>
+          <a:xfrm flipH="1">
+            <a:off x="5593401" y="5099121"/>
+            <a:ext cx="2816772" cy="383628"/>
+          </a:xfrm>
+          <a:prstGeom prst="straightConnector1">
+            <a:avLst/>
+          </a:prstGeom>
+          <a:ln>
+            <a:tailEnd type="triangle"/>
+          </a:ln>
+        </p:spPr>
+        <p:style>
+          <a:lnRef idx="1">
+            <a:schemeClr val="dk1"/>
+          </a:lnRef>
+          <a:fillRef idx="0">
+            <a:schemeClr val="dk1"/>
+          </a:fillRef>
+          <a:effectRef idx="0">
+            <a:schemeClr val="dk1"/>
+          </a:effectRef>
+          <a:fontRef idx="minor">
+            <a:schemeClr val="tx1"/>
+          </a:fontRef>
+        </p:style>
+      </p:cxnSp>
+      <p:sp>
+        <p:nvSpPr>
+          <p:cNvPr id="66" name="矩形 65">
+            <a:extLst>
+              <a:ext uri="{FF2B5EF4-FFF2-40B4-BE49-F238E27FC236}">
+                <a16:creationId xmlns:a16="http://schemas.microsoft.com/office/drawing/2014/main" id="{5516A29E-6AAB-4572-92F2-4FBC382C6446}"/>
+              </a:ext>
+            </a:extLst>
+          </p:cNvPr>
+          <p:cNvSpPr/>
+          <p:nvPr/>
+        </p:nvSpPr>
+        <p:spPr>
+          <a:xfrm>
+            <a:off x="4965528" y="5090935"/>
+            <a:ext cx="4072518" cy="391814"/>
+          </a:xfrm>
+          <a:prstGeom prst="rect">
+            <a:avLst/>
+          </a:prstGeom>
+          <a:noFill/>
+          <a:ln w="9525">
+            <a:prstDash val="dash"/>
+          </a:ln>
+        </p:spPr>
+        <p:style>
+          <a:lnRef idx="2">
+            <a:schemeClr val="accent1">
+              <a:shade val="50000"/>
+            </a:schemeClr>
+          </a:lnRef>
+          <a:fillRef idx="1">
+            <a:schemeClr val="accent1"/>
+          </a:fillRef>
+          <a:effectRef idx="0">
+            <a:schemeClr val="accent1"/>
+          </a:effectRef>
+          <a:fontRef idx="minor">
+            <a:schemeClr val="lt1"/>
+          </a:fontRef>
+        </p:style>
+        <p:txBody>
+          <a:bodyPr rtlCol="0" anchor="ctr"/>
+          <a:lstStyle/>
+          <a:p>
+            <a:pPr algn="ctr"/>
+            <a:endParaRPr lang="zh-CN" altLang="en-US"/>
+          </a:p>
+        </p:txBody>
+      </p:sp>
+      <p:sp>
+        <p:nvSpPr>
+          <p:cNvPr id="68" name="文本框 67">
+            <a:extLst>
+              <a:ext uri="{FF2B5EF4-FFF2-40B4-BE49-F238E27FC236}">
+                <a16:creationId xmlns:a16="http://schemas.microsoft.com/office/drawing/2014/main" id="{1A644FBA-FC8C-42F5-9556-6499CBAF7C83}"/>
+              </a:ext>
+            </a:extLst>
+          </p:cNvPr>
+          <p:cNvSpPr txBox="1"/>
+          <p:nvPr/>
+        </p:nvSpPr>
+        <p:spPr>
+          <a:xfrm>
+            <a:off x="9559093" y="5300370"/>
+            <a:ext cx="2295723" cy="584775"/>
+          </a:xfrm>
+          <a:prstGeom prst="rect">
+            <a:avLst/>
+          </a:prstGeom>
+          <a:noFill/>
+        </p:spPr>
+        <p:txBody>
+          <a:bodyPr wrap="square" rtlCol="0">
+            <a:spAutoFit/>
+          </a:bodyPr>
+          <a:lstStyle/>
+          <a:p>
+            <a:r>
+              <a:rPr lang="en-US" altLang="zh-CN" sz="1600" dirty="0">
+                <a:latin typeface="Courier New" panose="02070309020205020404" pitchFamily="49" charset="0"/>
+                <a:cs typeface="Courier New" panose="02070309020205020404" pitchFamily="49" charset="0"/>
+              </a:rPr>
+              <a:t>Notify()/SimulationEnd/GameOver</a:t>
+            </a:r>
+          </a:p>
+        </p:txBody>
+      </p:sp>
+      <p:sp>
+        <p:nvSpPr>
+          <p:cNvPr id="70" name="右大括号 69">
+            <a:extLst>
+              <a:ext uri="{FF2B5EF4-FFF2-40B4-BE49-F238E27FC236}">
+                <a16:creationId xmlns:a16="http://schemas.microsoft.com/office/drawing/2014/main" id="{D89A4844-C183-4AD0-9F93-70AE6CBB95F3}"/>
+              </a:ext>
+            </a:extLst>
+          </p:cNvPr>
+          <p:cNvSpPr/>
+          <p:nvPr/>
+        </p:nvSpPr>
+        <p:spPr>
+          <a:xfrm>
+            <a:off x="9153158" y="5265652"/>
+            <a:ext cx="286555" cy="654213"/>
+          </a:xfrm>
+          <a:prstGeom prst="rightBrace">
+            <a:avLst>
+              <a:gd name="adj1" fmla="val 39010"/>
+              <a:gd name="adj2" fmla="val 50000"/>
+            </a:avLst>
+          </a:prstGeom>
+          <a:ln>
+            <a:solidFill>
+              <a:schemeClr val="tx1"/>
+            </a:solidFill>
+          </a:ln>
+        </p:spPr>
+        <p:style>
+          <a:lnRef idx="1">
+            <a:schemeClr val="accent1"/>
+          </a:lnRef>
+          <a:fillRef idx="0">
+            <a:schemeClr val="accent1"/>
+          </a:fillRef>
+          <a:effectRef idx="0">
+            <a:schemeClr val="accent1"/>
+          </a:effectRef>
+          <a:fontRef idx="minor">
+            <a:schemeClr val="tx1"/>
+          </a:fontRef>
+        </p:style>
+        <p:txBody>
+          <a:bodyPr rtlCol="0" anchor="ctr"/>
+          <a:lstStyle/>
+          <a:p>
+            <a:pPr algn="ctr"/>
+            <a:endParaRPr lang="zh-CN" altLang="en-US"/>
+          </a:p>
+        </p:txBody>
+      </p:sp>
+      <p:sp>
+        <p:nvSpPr>
+          <p:cNvPr id="74" name="文本框 73">
+            <a:extLst>
+              <a:ext uri="{FF2B5EF4-FFF2-40B4-BE49-F238E27FC236}">
+                <a16:creationId xmlns:a16="http://schemas.microsoft.com/office/drawing/2014/main" id="{4557DBA2-7666-4EDE-B385-7B9A44FF0EFC}"/>
+              </a:ext>
+            </a:extLst>
+          </p:cNvPr>
+          <p:cNvSpPr txBox="1"/>
+          <p:nvPr/>
+        </p:nvSpPr>
+        <p:spPr>
+          <a:xfrm>
+            <a:off x="2905401" y="3860676"/>
+            <a:ext cx="1829004" cy="338554"/>
+          </a:xfrm>
+          <a:prstGeom prst="rect">
+            <a:avLst/>
+          </a:prstGeom>
+          <a:noFill/>
+        </p:spPr>
+        <p:txBody>
+          <a:bodyPr wrap="square" rtlCol="0">
+            <a:spAutoFit/>
+          </a:bodyPr>
+          <a:lstStyle/>
+          <a:p>
+            <a:r>
+              <a:rPr lang="en-US" altLang="zh-CN" sz="1600" dirty="0">
+                <a:latin typeface="Courier New" panose="02070309020205020404" pitchFamily="49" charset="0"/>
+                <a:cs typeface="Courier New" panose="02070309020205020404" pitchFamily="49" charset="0"/>
+              </a:rPr>
+              <a:t>rx_env_state()</a:t>
+            </a:r>
+            <a:endParaRPr lang="zh-CN" altLang="en-US" sz="1600" dirty="0">
+              <a:latin typeface="Courier New" panose="02070309020205020404" pitchFamily="49" charset="0"/>
+              <a:cs typeface="Courier New" panose="02070309020205020404" pitchFamily="49" charset="0"/>
+            </a:endParaRPr>
+          </a:p>
+        </p:txBody>
+      </p:sp>
+      <p:sp>
+        <p:nvSpPr>
+          <p:cNvPr id="76" name="文本框 75">
+            <a:extLst>
+              <a:ext uri="{FF2B5EF4-FFF2-40B4-BE49-F238E27FC236}">
+                <a16:creationId xmlns:a16="http://schemas.microsoft.com/office/drawing/2014/main" id="{6C6EF26D-A8DB-415C-915A-627101DE6201}"/>
+              </a:ext>
+            </a:extLst>
+          </p:cNvPr>
+          <p:cNvSpPr txBox="1"/>
+          <p:nvPr/>
+        </p:nvSpPr>
+        <p:spPr>
+          <a:xfrm>
+            <a:off x="2905401" y="3233093"/>
+            <a:ext cx="1829004" cy="338554"/>
+          </a:xfrm>
+          <a:prstGeom prst="rect">
+            <a:avLst/>
+          </a:prstGeom>
+          <a:noFill/>
+        </p:spPr>
+        <p:txBody>
+          <a:bodyPr wrap="square" rtlCol="0">
+            <a:spAutoFit/>
+          </a:bodyPr>
+          <a:lstStyle/>
+          <a:p>
+            <a:r>
+              <a:rPr lang="en-US" altLang="zh-CN" sz="1600" dirty="0">
+                <a:latin typeface="Courier New" panose="02070309020205020404" pitchFamily="49" charset="0"/>
+                <a:cs typeface="Courier New" panose="02070309020205020404" pitchFamily="49" charset="0"/>
+              </a:rPr>
+              <a:t>send_actions()</a:t>
+            </a:r>
+            <a:endParaRPr lang="zh-CN" altLang="en-US" sz="1600" dirty="0">
+              <a:latin typeface="Courier New" panose="02070309020205020404" pitchFamily="49" charset="0"/>
+              <a:cs typeface="Courier New" panose="02070309020205020404" pitchFamily="49" charset="0"/>
+            </a:endParaRPr>
+          </a:p>
+        </p:txBody>
+      </p:sp>
+      <p:sp>
+        <p:nvSpPr>
+          <p:cNvPr id="78" name="文本框 77">
+            <a:extLst>
+              <a:ext uri="{FF2B5EF4-FFF2-40B4-BE49-F238E27FC236}">
+                <a16:creationId xmlns:a16="http://schemas.microsoft.com/office/drawing/2014/main" id="{1980E197-44D6-4482-9B05-0B3D5C18D4C7}"/>
+              </a:ext>
+            </a:extLst>
+          </p:cNvPr>
+          <p:cNvSpPr txBox="1"/>
+          <p:nvPr/>
+        </p:nvSpPr>
+        <p:spPr>
+          <a:xfrm>
+            <a:off x="1355765" y="4827368"/>
+            <a:ext cx="810235" cy="338554"/>
+          </a:xfrm>
+          <a:prstGeom prst="rect">
+            <a:avLst/>
+          </a:prstGeom>
+          <a:noFill/>
+        </p:spPr>
+        <p:txBody>
+          <a:bodyPr wrap="square" rtlCol="0">
+            <a:spAutoFit/>
+          </a:bodyPr>
+          <a:lstStyle/>
+          <a:p>
+            <a:r>
+              <a:rPr lang="en-US" altLang="zh-CN" sz="1600" dirty="0">
+                <a:latin typeface="Courier New" panose="02070309020205020404" pitchFamily="49" charset="0"/>
+                <a:cs typeface="Courier New" panose="02070309020205020404" pitchFamily="49" charset="0"/>
+              </a:rPr>
+              <a:t>step()</a:t>
+            </a:r>
+            <a:endParaRPr lang="zh-CN" altLang="en-US" dirty="0">
+              <a:latin typeface="Courier New" panose="02070309020205020404" pitchFamily="49" charset="0"/>
+              <a:cs typeface="Courier New" panose="02070309020205020404" pitchFamily="49" charset="0"/>
+            </a:endParaRPr>
+          </a:p>
+        </p:txBody>
+      </p:sp>
+      <p:sp>
+        <p:nvSpPr>
+          <p:cNvPr id="80" name="右大括号 79">
+            <a:extLst>
+              <a:ext uri="{FF2B5EF4-FFF2-40B4-BE49-F238E27FC236}">
+                <a16:creationId xmlns:a16="http://schemas.microsoft.com/office/drawing/2014/main" id="{344BFCD4-6765-487D-B56E-ACB05833A6D8}"/>
+              </a:ext>
+            </a:extLst>
+          </p:cNvPr>
+          <p:cNvSpPr/>
+          <p:nvPr/>
+        </p:nvSpPr>
+        <p:spPr>
+          <a:xfrm rot="10800000">
+            <a:off x="2277529" y="4669538"/>
+            <a:ext cx="499087" cy="654213"/>
+          </a:xfrm>
+          <a:prstGeom prst="rightBrace">
+            <a:avLst>
+              <a:gd name="adj1" fmla="val 39010"/>
+              <a:gd name="adj2" fmla="val 50000"/>
+            </a:avLst>
+          </a:prstGeom>
+          <a:ln>
+            <a:solidFill>
+              <a:schemeClr val="tx1"/>
+            </a:solidFill>
+          </a:ln>
+        </p:spPr>
+        <p:style>
+          <a:lnRef idx="1">
+            <a:schemeClr val="accent1"/>
+          </a:lnRef>
+          <a:fillRef idx="0">
+            <a:schemeClr val="accent1"/>
+          </a:fillRef>
+          <a:effectRef idx="0">
+            <a:schemeClr val="accent1"/>
+          </a:effectRef>
+          <a:fontRef idx="minor">
+            <a:schemeClr val="tx1"/>
+          </a:fontRef>
+        </p:style>
+        <p:txBody>
+          <a:bodyPr rtlCol="0" anchor="ctr"/>
+          <a:lstStyle/>
+          <a:p>
+            <a:pPr algn="ctr"/>
+            <a:endParaRPr lang="zh-CN" altLang="en-US"/>
+          </a:p>
+        </p:txBody>
+      </p:sp>
+      <p:sp>
+        <p:nvSpPr>
+          <p:cNvPr id="82" name="文本框 81">
+            <a:extLst>
+              <a:ext uri="{FF2B5EF4-FFF2-40B4-BE49-F238E27FC236}">
+                <a16:creationId xmlns:a16="http://schemas.microsoft.com/office/drawing/2014/main" id="{8EEE0AC0-F2C7-43CB-8226-E2E93F70D3CF}"/>
+              </a:ext>
+            </a:extLst>
+          </p:cNvPr>
+          <p:cNvSpPr txBox="1"/>
+          <p:nvPr/>
+        </p:nvSpPr>
+        <p:spPr>
+          <a:xfrm>
+            <a:off x="2905401" y="5127845"/>
+            <a:ext cx="1829004" cy="338554"/>
+          </a:xfrm>
+          <a:prstGeom prst="rect">
+            <a:avLst/>
+          </a:prstGeom>
+          <a:noFill/>
+        </p:spPr>
+        <p:txBody>
+          <a:bodyPr wrap="square" rtlCol="0">
+            <a:spAutoFit/>
+          </a:bodyPr>
+          <a:lstStyle/>
+          <a:p>
+            <a:r>
+              <a:rPr lang="en-US" altLang="zh-CN" sz="1600" dirty="0">
+                <a:latin typeface="Courier New" panose="02070309020205020404" pitchFamily="49" charset="0"/>
+                <a:cs typeface="Courier New" panose="02070309020205020404" pitchFamily="49" charset="0"/>
+              </a:rPr>
+              <a:t>rx_env_state()</a:t>
+            </a:r>
+            <a:endParaRPr lang="zh-CN" altLang="en-US" sz="1600" dirty="0">
+              <a:latin typeface="Courier New" panose="02070309020205020404" pitchFamily="49" charset="0"/>
+              <a:cs typeface="Courier New" panose="02070309020205020404" pitchFamily="49" charset="0"/>
+            </a:endParaRPr>
+          </a:p>
+        </p:txBody>
+      </p:sp>
+      <p:sp>
+        <p:nvSpPr>
+          <p:cNvPr id="84" name="文本框 83">
+            <a:extLst>
+              <a:ext uri="{FF2B5EF4-FFF2-40B4-BE49-F238E27FC236}">
+                <a16:creationId xmlns:a16="http://schemas.microsoft.com/office/drawing/2014/main" id="{C42D889C-54BE-465F-8AEF-7B4E53603D3B}"/>
+              </a:ext>
+            </a:extLst>
+          </p:cNvPr>
+          <p:cNvSpPr txBox="1"/>
+          <p:nvPr/>
+        </p:nvSpPr>
+        <p:spPr>
+          <a:xfrm>
+            <a:off x="2905401" y="4500262"/>
+            <a:ext cx="1829004" cy="338554"/>
+          </a:xfrm>
+          <a:prstGeom prst="rect">
+            <a:avLst/>
+          </a:prstGeom>
+          <a:noFill/>
+        </p:spPr>
+        <p:txBody>
+          <a:bodyPr wrap="square" rtlCol="0">
+            <a:spAutoFit/>
+          </a:bodyPr>
+          <a:lstStyle/>
+          <a:p>
+            <a:r>
+              <a:rPr lang="en-US" altLang="zh-CN" sz="1600" dirty="0">
+                <a:latin typeface="Courier New" panose="02070309020205020404" pitchFamily="49" charset="0"/>
+                <a:cs typeface="Courier New" panose="02070309020205020404" pitchFamily="49" charset="0"/>
+              </a:rPr>
+              <a:t>send_actions()</a:t>
+            </a:r>
+            <a:endParaRPr lang="zh-CN" altLang="en-US" sz="1600" dirty="0">
+              <a:latin typeface="Courier New" panose="02070309020205020404" pitchFamily="49" charset="0"/>
+              <a:cs typeface="Courier New" panose="02070309020205020404" pitchFamily="49" charset="0"/>
+            </a:endParaRPr>
+          </a:p>
+        </p:txBody>
+      </p:sp>
+      <p:cxnSp>
+        <p:nvCxnSpPr>
+          <p:cNvPr id="87" name="直接箭头连接符 86">
+            <a:extLst>
+              <a:ext uri="{FF2B5EF4-FFF2-40B4-BE49-F238E27FC236}">
+                <a16:creationId xmlns:a16="http://schemas.microsoft.com/office/drawing/2014/main" id="{C49BBD16-1F91-4E8B-9F1F-24DCC7D9721E}"/>
+              </a:ext>
+            </a:extLst>
+          </p:cNvPr>
+          <p:cNvCxnSpPr>
+            <a:cxnSpLocks/>
+          </p:cNvCxnSpPr>
+          <p:nvPr/>
+        </p:nvCxnSpPr>
+        <p:spPr>
+          <a:xfrm>
+            <a:off x="5593401" y="5723958"/>
+            <a:ext cx="2816772" cy="391814"/>
+          </a:xfrm>
+          <a:prstGeom prst="straightConnector1">
+            <a:avLst/>
+          </a:prstGeom>
+          <a:ln>
+            <a:tailEnd type="triangle"/>
+          </a:ln>
+        </p:spPr>
+        <p:style>
+          <a:lnRef idx="1">
+            <a:schemeClr val="dk1"/>
+          </a:lnRef>
+          <a:fillRef idx="0">
+            <a:schemeClr val="dk1"/>
+          </a:fillRef>
+          <a:effectRef idx="0">
+            <a:schemeClr val="dk1"/>
+          </a:effectRef>
+          <a:fontRef idx="minor">
+            <a:schemeClr val="tx1"/>
+          </a:fontRef>
+        </p:style>
+      </p:cxnSp>
+      <p:sp>
+        <p:nvSpPr>
+          <p:cNvPr id="88" name="矩形 87">
+            <a:extLst>
+              <a:ext uri="{FF2B5EF4-FFF2-40B4-BE49-F238E27FC236}">
+                <a16:creationId xmlns:a16="http://schemas.microsoft.com/office/drawing/2014/main" id="{B4BAF4E9-D813-4E94-A071-B7CD58ECCF1B}"/>
+              </a:ext>
+            </a:extLst>
+          </p:cNvPr>
+          <p:cNvSpPr/>
+          <p:nvPr/>
+        </p:nvSpPr>
+        <p:spPr>
+          <a:xfrm>
+            <a:off x="4965528" y="5723958"/>
+            <a:ext cx="4072518" cy="391814"/>
+          </a:xfrm>
+          <a:prstGeom prst="rect">
+            <a:avLst/>
+          </a:prstGeom>
+          <a:noFill/>
+          <a:ln w="9525">
+            <a:prstDash val="dash"/>
+          </a:ln>
+        </p:spPr>
+        <p:style>
+          <a:lnRef idx="2">
+            <a:schemeClr val="accent1">
+              <a:shade val="50000"/>
+            </a:schemeClr>
+          </a:lnRef>
+          <a:fillRef idx="1">
+            <a:schemeClr val="accent1"/>
+          </a:fillRef>
+          <a:effectRef idx="0">
+            <a:schemeClr val="accent1"/>
+          </a:effectRef>
+          <a:fontRef idx="minor">
+            <a:schemeClr val="lt1"/>
+          </a:fontRef>
+        </p:style>
+        <p:txBody>
+          <a:bodyPr rtlCol="0" anchor="ctr"/>
+          <a:lstStyle/>
+          <a:p>
+            <a:pPr algn="ctr"/>
+            <a:endParaRPr lang="zh-CN" altLang="en-US"/>
+          </a:p>
+        </p:txBody>
+      </p:sp>
+      <p:sp>
+        <p:nvSpPr>
+          <p:cNvPr id="90" name="文本框 89">
+            <a:extLst>
+              <a:ext uri="{FF2B5EF4-FFF2-40B4-BE49-F238E27FC236}">
+                <a16:creationId xmlns:a16="http://schemas.microsoft.com/office/drawing/2014/main" id="{1C6EE059-A278-461C-B523-42025BF8C123}"/>
+              </a:ext>
+            </a:extLst>
+          </p:cNvPr>
+          <p:cNvSpPr txBox="1"/>
+          <p:nvPr/>
+        </p:nvSpPr>
+        <p:spPr>
+          <a:xfrm>
+            <a:off x="2179777" y="5750588"/>
+            <a:ext cx="2522318" cy="338554"/>
+          </a:xfrm>
+          <a:prstGeom prst="rect">
+            <a:avLst/>
+          </a:prstGeom>
+          <a:noFill/>
+        </p:spPr>
+        <p:txBody>
+          <a:bodyPr wrap="square" rtlCol="0">
+            <a:spAutoFit/>
+          </a:bodyPr>
+          <a:lstStyle/>
+          <a:p>
+            <a:r>
+              <a:rPr lang="en-US" altLang="zh-CN" sz="1600" dirty="0">
+                <a:latin typeface="Courier New" panose="02070309020205020404" pitchFamily="49" charset="0"/>
+                <a:cs typeface="Courier New" panose="02070309020205020404" pitchFamily="49" charset="0"/>
+              </a:rPr>
+              <a:t>send_close_command()</a:t>
+            </a:r>
+            <a:endParaRPr lang="zh-CN" altLang="en-US" sz="1600" dirty="0">
+              <a:latin typeface="Courier New" panose="02070309020205020404" pitchFamily="49" charset="0"/>
+              <a:cs typeface="Courier New" panose="02070309020205020404" pitchFamily="49" charset="0"/>
+            </a:endParaRPr>
+          </a:p>
+        </p:txBody>
+      </p:sp>
+      <p:cxnSp>
+        <p:nvCxnSpPr>
+          <p:cNvPr id="92" name="直接箭头连接符 91">
+            <a:extLst>
+              <a:ext uri="{FF2B5EF4-FFF2-40B4-BE49-F238E27FC236}">
+                <a16:creationId xmlns:a16="http://schemas.microsoft.com/office/drawing/2014/main" id="{27F08073-D183-4CC5-9480-A23C3C3592F4}"/>
+              </a:ext>
+            </a:extLst>
+          </p:cNvPr>
+          <p:cNvCxnSpPr>
+            <a:cxnSpLocks/>
+          </p:cNvCxnSpPr>
+          <p:nvPr/>
+        </p:nvCxnSpPr>
+        <p:spPr>
+          <a:xfrm flipH="1">
+            <a:off x="3819902" y="5496379"/>
+            <a:ext cx="1" cy="284189"/>
+          </a:xfrm>
+          <a:prstGeom prst="straightConnector1">
+            <a:avLst/>
+          </a:prstGeom>
+          <a:ln>
+            <a:tailEnd type="triangle"/>
+          </a:ln>
+        </p:spPr>
+        <p:style>
+          <a:lnRef idx="1">
+            <a:schemeClr val="dk1"/>
+          </a:lnRef>
+          <a:fillRef idx="0">
+            <a:schemeClr val="dk1"/>
+          </a:fillRef>
+          <a:effectRef idx="0">
+            <a:schemeClr val="dk1"/>
+          </a:effectRef>
+          <a:fontRef idx="minor">
+            <a:schemeClr val="tx1"/>
+          </a:fontRef>
+        </p:style>
+      </p:cxnSp>
+      <p:sp>
+        <p:nvSpPr>
+          <p:cNvPr id="94" name="文本框 93">
+            <a:extLst>
+              <a:ext uri="{FF2B5EF4-FFF2-40B4-BE49-F238E27FC236}">
+                <a16:creationId xmlns:a16="http://schemas.microsoft.com/office/drawing/2014/main" id="{83E7DF16-9DCE-4387-A30E-BEBF9A0CCA5E}"/>
+              </a:ext>
+            </a:extLst>
+          </p:cNvPr>
+          <p:cNvSpPr txBox="1"/>
+          <p:nvPr/>
+        </p:nvSpPr>
+        <p:spPr>
+          <a:xfrm>
+            <a:off x="4287420" y="6172108"/>
+            <a:ext cx="1305982" cy="338554"/>
+          </a:xfrm>
+          <a:prstGeom prst="rect">
+            <a:avLst/>
+          </a:prstGeom>
+          <a:noFill/>
+        </p:spPr>
+        <p:txBody>
+          <a:bodyPr wrap="square" rtlCol="0">
+            <a:spAutoFit/>
+          </a:bodyPr>
+          <a:lstStyle/>
+          <a:p>
+            <a:r>
+              <a:rPr lang="en-US" altLang="zh-CN" sz="1600" dirty="0">
+                <a:latin typeface="Courier New" panose="02070309020205020404" pitchFamily="49" charset="0"/>
+                <a:cs typeface="Courier New" panose="02070309020205020404" pitchFamily="49" charset="0"/>
+              </a:rPr>
+              <a:t>terminate</a:t>
+            </a:r>
+            <a:endParaRPr lang="zh-CN" altLang="en-US" dirty="0">
+              <a:latin typeface="Courier New" panose="02070309020205020404" pitchFamily="49" charset="0"/>
+              <a:cs typeface="Courier New" panose="02070309020205020404" pitchFamily="49" charset="0"/>
+            </a:endParaRPr>
+          </a:p>
+        </p:txBody>
+      </p:sp>
+      <p:sp>
+        <p:nvSpPr>
+          <p:cNvPr id="98" name="文本框 97">
+            <a:extLst>
+              <a:ext uri="{FF2B5EF4-FFF2-40B4-BE49-F238E27FC236}">
+                <a16:creationId xmlns:a16="http://schemas.microsoft.com/office/drawing/2014/main" id="{C567A738-2235-477B-944F-0E3637C9057A}"/>
+              </a:ext>
+            </a:extLst>
+          </p:cNvPr>
+          <p:cNvSpPr txBox="1"/>
+          <p:nvPr/>
+        </p:nvSpPr>
+        <p:spPr>
+          <a:xfrm>
+            <a:off x="8432277" y="6176344"/>
+            <a:ext cx="1305982" cy="338554"/>
+          </a:xfrm>
+          <a:prstGeom prst="rect">
+            <a:avLst/>
+          </a:prstGeom>
+          <a:noFill/>
+        </p:spPr>
+        <p:txBody>
+          <a:bodyPr wrap="square" rtlCol="0">
+            <a:spAutoFit/>
+          </a:bodyPr>
+          <a:lstStyle/>
+          <a:p>
+            <a:r>
+              <a:rPr lang="en-US" altLang="zh-CN" sz="1600" dirty="0">
+                <a:latin typeface="Courier New" panose="02070309020205020404" pitchFamily="49" charset="0"/>
+                <a:cs typeface="Courier New" panose="02070309020205020404" pitchFamily="49" charset="0"/>
+              </a:rPr>
+              <a:t>terminate</a:t>
+            </a:r>
+            <a:endParaRPr lang="zh-CN" altLang="en-US" dirty="0">
+              <a:latin typeface="Courier New" panose="02070309020205020404" pitchFamily="49" charset="0"/>
+              <a:cs typeface="Courier New" panose="02070309020205020404" pitchFamily="49" charset="0"/>
+            </a:endParaRPr>
+          </a:p>
+        </p:txBody>
+      </p:sp>
+    </p:spTree>
+    <p:extLst>
+      <p:ext uri="{BB962C8B-B14F-4D97-AF65-F5344CB8AC3E}">
+        <p14:creationId xmlns:p14="http://schemas.microsoft.com/office/powerpoint/2010/main" val="3753128154"/>
+      </p:ext>
+    </p:extLst>
+  </p:cSld>
+  <p:clrMapOvr>
+    <a:masterClrMapping/>
+  </p:clrMapOvr>
+</p:sld>
+</file>
+
 <file path=ppt/theme/theme1.xml><?xml version="1.0" encoding="utf-8"?>
 <a:theme xmlns:a="http://schemas.openxmlformats.org/drawingml/2006/main" name="Office 主题​​">
   <a:themeElements>
